--- a/Leading Causes of Death in United States.pptx
+++ b/Leading Causes of Death in United States.pptx
@@ -1,36 +1,39 @@
 
 <file path=ppt/presentation.xml><?xml version="1.0" encoding="utf-8"?>
-<p:presentation xmlns:a="http://schemas.openxmlformats.org/drawingml/2006/main" xmlns:r="http://schemas.openxmlformats.org/officeDocument/2006/relationships" xmlns:mc="http://schemas.openxmlformats.org/markup-compatibility/2006" xmlns:mv="urn:schemas-microsoft-com:mac:vml" xmlns:p="http://schemas.openxmlformats.org/presentationml/2006/main" xmlns:c="http://schemas.openxmlformats.org/drawingml/2006/chart" xmlns:dgm="http://schemas.openxmlformats.org/drawingml/2006/diagram" xmlns:o="urn:schemas-microsoft-com:office:office" xmlns:v="urn:schemas-microsoft-com:vml" xmlns:pvml="urn:schemas-microsoft-com:office:powerpoint" xmlns:com="http://schemas.openxmlformats.org/drawingml/2006/compatibility" xmlns:p14="http://schemas.microsoft.com/office/powerpoint/2010/main" xmlns:p15="http://schemas.microsoft.com/office/powerpoint/2012/main" autoCompressPictures="0" strictFirstAndLastChars="0" saveSubsetFonts="1">
+<p:presentation xmlns:a="http://schemas.openxmlformats.org/drawingml/2006/main" xmlns:r="http://schemas.openxmlformats.org/officeDocument/2006/relationships" xmlns:p="http://schemas.openxmlformats.org/presentationml/2006/main" strictFirstAndLastChars="0" saveSubsetFonts="1" autoCompressPictures="0">
   <p:sldMasterIdLst>
-    <p:sldMasterId id="2147483659" r:id="rId4"/>
+    <p:sldMasterId id="2147483659" r:id="rId1"/>
   </p:sldMasterIdLst>
   <p:notesMasterIdLst>
-    <p:notesMasterId r:id="rId5"/>
+    <p:notesMasterId r:id="rId23"/>
   </p:notesMasterIdLst>
   <p:sldIdLst>
-    <p:sldId id="256" r:id="rId6"/>
-    <p:sldId id="257" r:id="rId7"/>
-    <p:sldId id="258" r:id="rId8"/>
-    <p:sldId id="259" r:id="rId9"/>
-    <p:sldId id="260" r:id="rId10"/>
-    <p:sldId id="261" r:id="rId11"/>
-    <p:sldId id="262" r:id="rId12"/>
-    <p:sldId id="263" r:id="rId13"/>
-    <p:sldId id="264" r:id="rId14"/>
-    <p:sldId id="265" r:id="rId15"/>
-    <p:sldId id="266" r:id="rId16"/>
-    <p:sldId id="267" r:id="rId17"/>
-    <p:sldId id="268" r:id="rId18"/>
-    <p:sldId id="269" r:id="rId19"/>
-    <p:sldId id="270" r:id="rId20"/>
-    <p:sldId id="271" r:id="rId21"/>
-    <p:sldId id="272" r:id="rId22"/>
-    <p:sldId id="273" r:id="rId23"/>
+    <p:sldId id="256" r:id="rId2"/>
+    <p:sldId id="257" r:id="rId3"/>
+    <p:sldId id="258" r:id="rId4"/>
+    <p:sldId id="259" r:id="rId5"/>
+    <p:sldId id="260" r:id="rId6"/>
+    <p:sldId id="261" r:id="rId7"/>
+    <p:sldId id="262" r:id="rId8"/>
+    <p:sldId id="263" r:id="rId9"/>
+    <p:sldId id="274" r:id="rId10"/>
+    <p:sldId id="276" r:id="rId11"/>
+    <p:sldId id="264" r:id="rId12"/>
+    <p:sldId id="265" r:id="rId13"/>
+    <p:sldId id="266" r:id="rId14"/>
+    <p:sldId id="275" r:id="rId15"/>
+    <p:sldId id="267" r:id="rId16"/>
+    <p:sldId id="268" r:id="rId17"/>
+    <p:sldId id="269" r:id="rId18"/>
+    <p:sldId id="270" r:id="rId19"/>
+    <p:sldId id="271" r:id="rId20"/>
+    <p:sldId id="272" r:id="rId21"/>
+    <p:sldId id="273" r:id="rId22"/>
   </p:sldIdLst>
-  <p:sldSz cy="5143500" cx="9144000"/>
+  <p:sldSz cx="9144000" cy="5143500" type="screen16x9"/>
   <p:notesSz cx="6858000" cy="9144000"/>
   <p:defaultTextStyle>
-    <a:defPPr lvl="0" marR="0" rtl="0" algn="l">
+    <a:defPPr marR="0" lvl="0" algn="l" rtl="0">
       <a:lnSpc>
         <a:spcPct val="100000"/>
       </a:lnSpc>
@@ -41,7 +44,7 @@
         <a:spcPts val="0"/>
       </a:spcAft>
     </a:defPPr>
-    <a:lvl1pPr lvl="0" marR="0" rtl="0" algn="l">
+    <a:lvl1pPr marR="0" lvl="0" algn="l" rtl="0">
       <a:lnSpc>
         <a:spcPct val="100000"/>
       </a:lnSpc>
@@ -55,7 +58,7 @@
         <a:srgbClr val="000000"/>
       </a:buClr>
       <a:buFont typeface="Arial"/>
-      <a:defRPr b="0" i="0" sz="1400" u="none" cap="none" strike="noStrike">
+      <a:defRPr sz="1400" b="0" i="0" u="none" strike="noStrike" cap="none">
         <a:solidFill>
           <a:srgbClr val="000000"/>
         </a:solidFill>
@@ -65,7 +68,7 @@
         <a:sym typeface="Arial"/>
       </a:defRPr>
     </a:lvl1pPr>
-    <a:lvl2pPr lvl="1" marR="0" rtl="0" algn="l">
+    <a:lvl2pPr marR="0" lvl="1" algn="l" rtl="0">
       <a:lnSpc>
         <a:spcPct val="100000"/>
       </a:lnSpc>
@@ -79,7 +82,7 @@
         <a:srgbClr val="000000"/>
       </a:buClr>
       <a:buFont typeface="Arial"/>
-      <a:defRPr b="0" i="0" sz="1400" u="none" cap="none" strike="noStrike">
+      <a:defRPr sz="1400" b="0" i="0" u="none" strike="noStrike" cap="none">
         <a:solidFill>
           <a:srgbClr val="000000"/>
         </a:solidFill>
@@ -89,7 +92,7 @@
         <a:sym typeface="Arial"/>
       </a:defRPr>
     </a:lvl2pPr>
-    <a:lvl3pPr lvl="2" marR="0" rtl="0" algn="l">
+    <a:lvl3pPr marR="0" lvl="2" algn="l" rtl="0">
       <a:lnSpc>
         <a:spcPct val="100000"/>
       </a:lnSpc>
@@ -103,7 +106,7 @@
         <a:srgbClr val="000000"/>
       </a:buClr>
       <a:buFont typeface="Arial"/>
-      <a:defRPr b="0" i="0" sz="1400" u="none" cap="none" strike="noStrike">
+      <a:defRPr sz="1400" b="0" i="0" u="none" strike="noStrike" cap="none">
         <a:solidFill>
           <a:srgbClr val="000000"/>
         </a:solidFill>
@@ -113,7 +116,7 @@
         <a:sym typeface="Arial"/>
       </a:defRPr>
     </a:lvl3pPr>
-    <a:lvl4pPr lvl="3" marR="0" rtl="0" algn="l">
+    <a:lvl4pPr marR="0" lvl="3" algn="l" rtl="0">
       <a:lnSpc>
         <a:spcPct val="100000"/>
       </a:lnSpc>
@@ -127,7 +130,7 @@
         <a:srgbClr val="000000"/>
       </a:buClr>
       <a:buFont typeface="Arial"/>
-      <a:defRPr b="0" i="0" sz="1400" u="none" cap="none" strike="noStrike">
+      <a:defRPr sz="1400" b="0" i="0" u="none" strike="noStrike" cap="none">
         <a:solidFill>
           <a:srgbClr val="000000"/>
         </a:solidFill>
@@ -137,7 +140,7 @@
         <a:sym typeface="Arial"/>
       </a:defRPr>
     </a:lvl4pPr>
-    <a:lvl5pPr lvl="4" marR="0" rtl="0" algn="l">
+    <a:lvl5pPr marR="0" lvl="4" algn="l" rtl="0">
       <a:lnSpc>
         <a:spcPct val="100000"/>
       </a:lnSpc>
@@ -151,7 +154,7 @@
         <a:srgbClr val="000000"/>
       </a:buClr>
       <a:buFont typeface="Arial"/>
-      <a:defRPr b="0" i="0" sz="1400" u="none" cap="none" strike="noStrike">
+      <a:defRPr sz="1400" b="0" i="0" u="none" strike="noStrike" cap="none">
         <a:solidFill>
           <a:srgbClr val="000000"/>
         </a:solidFill>
@@ -161,7 +164,7 @@
         <a:sym typeface="Arial"/>
       </a:defRPr>
     </a:lvl5pPr>
-    <a:lvl6pPr lvl="5" marR="0" rtl="0" algn="l">
+    <a:lvl6pPr marR="0" lvl="5" algn="l" rtl="0">
       <a:lnSpc>
         <a:spcPct val="100000"/>
       </a:lnSpc>
@@ -175,7 +178,7 @@
         <a:srgbClr val="000000"/>
       </a:buClr>
       <a:buFont typeface="Arial"/>
-      <a:defRPr b="0" i="0" sz="1400" u="none" cap="none" strike="noStrike">
+      <a:defRPr sz="1400" b="0" i="0" u="none" strike="noStrike" cap="none">
         <a:solidFill>
           <a:srgbClr val="000000"/>
         </a:solidFill>
@@ -185,7 +188,7 @@
         <a:sym typeface="Arial"/>
       </a:defRPr>
     </a:lvl6pPr>
-    <a:lvl7pPr lvl="6" marR="0" rtl="0" algn="l">
+    <a:lvl7pPr marR="0" lvl="6" algn="l" rtl="0">
       <a:lnSpc>
         <a:spcPct val="100000"/>
       </a:lnSpc>
@@ -199,7 +202,7 @@
         <a:srgbClr val="000000"/>
       </a:buClr>
       <a:buFont typeface="Arial"/>
-      <a:defRPr b="0" i="0" sz="1400" u="none" cap="none" strike="noStrike">
+      <a:defRPr sz="1400" b="0" i="0" u="none" strike="noStrike" cap="none">
         <a:solidFill>
           <a:srgbClr val="000000"/>
         </a:solidFill>
@@ -209,7 +212,7 @@
         <a:sym typeface="Arial"/>
       </a:defRPr>
     </a:lvl7pPr>
-    <a:lvl8pPr lvl="7" marR="0" rtl="0" algn="l">
+    <a:lvl8pPr marR="0" lvl="7" algn="l" rtl="0">
       <a:lnSpc>
         <a:spcPct val="100000"/>
       </a:lnSpc>
@@ -223,7 +226,7 @@
         <a:srgbClr val="000000"/>
       </a:buClr>
       <a:buFont typeface="Arial"/>
-      <a:defRPr b="0" i="0" sz="1400" u="none" cap="none" strike="noStrike">
+      <a:defRPr sz="1400" b="0" i="0" u="none" strike="noStrike" cap="none">
         <a:solidFill>
           <a:srgbClr val="000000"/>
         </a:solidFill>
@@ -233,7 +236,7 @@
         <a:sym typeface="Arial"/>
       </a:defRPr>
     </a:lvl8pPr>
-    <a:lvl9pPr lvl="8" marR="0" rtl="0" algn="l">
+    <a:lvl9pPr marR="0" lvl="8" algn="l" rtl="0">
       <a:lnSpc>
         <a:spcPct val="100000"/>
       </a:lnSpc>
@@ -247,7 +250,7 @@
         <a:srgbClr val="000000"/>
       </a:buClr>
       <a:buFont typeface="Arial"/>
-      <a:defRPr b="0" i="0" sz="1400" u="none" cap="none" strike="noStrike">
+      <a:defRPr sz="1400" b="0" i="0" u="none" strike="noStrike" cap="none">
         <a:solidFill>
           <a:srgbClr val="000000"/>
         </a:solidFill>
@@ -260,7 +263,7 @@
   </p:defaultTextStyle>
   <p:extLst>
     <p:ext uri="{EFAFB233-063F-42B5-8137-9DF3F51BA10A}">
-      <p15:sldGuideLst>
+      <p15:sldGuideLst xmlns:p15="http://schemas.microsoft.com/office/powerpoint/2012/main">
         <p15:guide id="1" orient="horz" pos="1620">
           <p15:clr>
             <a:srgbClr val="A4A3A4"/>
@@ -278,11 +281,16 @@
 </file>
 
 <file path=ppt/notesMasters/notesMaster1.xml><?xml version="1.0" encoding="utf-8"?>
-<p:notesMaster xmlns:a="http://schemas.openxmlformats.org/drawingml/2006/main" xmlns:r="http://schemas.openxmlformats.org/officeDocument/2006/relationships" xmlns:mc="http://schemas.openxmlformats.org/markup-compatibility/2006" xmlns:mv="urn:schemas-microsoft-com:mac:vml" xmlns:p="http://schemas.openxmlformats.org/presentationml/2006/main" xmlns:c="http://schemas.openxmlformats.org/drawingml/2006/chart" xmlns:dgm="http://schemas.openxmlformats.org/drawingml/2006/diagram" xmlns:o="urn:schemas-microsoft-com:office:office" xmlns:v="urn:schemas-microsoft-com:vml" xmlns:pvml="urn:schemas-microsoft-com:office:powerpoint" xmlns:com="http://schemas.openxmlformats.org/drawingml/2006/compatibility" xmlns:p14="http://schemas.microsoft.com/office/powerpoint/2010/main" xmlns:p15="http://schemas.microsoft.com/office/powerpoint/2012/main">
+<p:notesMaster xmlns:a="http://schemas.openxmlformats.org/drawingml/2006/main" xmlns:r="http://schemas.openxmlformats.org/officeDocument/2006/relationships" xmlns:p="http://schemas.openxmlformats.org/presentationml/2006/main">
   <p:cSld>
+    <p:bg>
+      <p:bgRef idx="1001">
+        <a:schemeClr val="bg1"/>
+      </p:bgRef>
+    </p:bg>
     <p:spTree>
       <p:nvGrpSpPr>
-        <p:cNvPr id="2" name="Shape 2"/>
+        <p:cNvPr id="1" name="Shape 2"/>
         <p:cNvGrpSpPr/>
         <p:nvPr/>
       </p:nvGrpSpPr>
@@ -297,9 +305,11 @@
       <p:sp>
         <p:nvSpPr>
           <p:cNvPr id="3" name="Google Shape;3;n"/>
-          <p:cNvSpPr/>
+          <p:cNvSpPr>
+            <a:spLocks noGrp="1" noRot="1" noChangeAspect="1"/>
+          </p:cNvSpPr>
           <p:nvPr>
-            <p:ph idx="2" type="sldImg"/>
+            <p:ph type="sldImg" idx="2"/>
           </p:nvPr>
         </p:nvSpPr>
         <p:spPr>
@@ -308,9 +318,13 @@
             <a:ext cx="6096075" cy="3429000"/>
           </a:xfrm>
           <a:custGeom>
-            <a:rect b="b" l="l" r="r" t="t"/>
+            <a:avLst/>
+            <a:gdLst/>
+            <a:ahLst/>
+            <a:cxnLst/>
+            <a:rect l="l" t="t" r="r" b="b"/>
             <a:pathLst>
-              <a:path extrusionOk="0" h="120000" w="120000">
+              <a:path w="120000" h="120000" extrusionOk="0">
                 <a:moveTo>
                   <a:pt x="0" y="0"/>
                 </a:moveTo>
@@ -328,23 +342,25 @@
             </a:pathLst>
           </a:custGeom>
           <a:noFill/>
-          <a:ln cap="flat" cmpd="sng" w="9525">
+          <a:ln w="9525" cap="flat" cmpd="sng">
             <a:solidFill>
               <a:srgbClr val="000000"/>
             </a:solidFill>
             <a:prstDash val="solid"/>
             <a:round/>
-            <a:headEnd len="sm" w="sm" type="none"/>
-            <a:tailEnd len="sm" w="sm" type="none"/>
+            <a:headEnd type="none" w="sm" len="sm"/>
+            <a:tailEnd type="none" w="sm" len="sm"/>
           </a:ln>
         </p:spPr>
       </p:sp>
       <p:sp>
         <p:nvSpPr>
           <p:cNvPr id="4" name="Google Shape;4;n"/>
-          <p:cNvSpPr txBox="1"/>
+          <p:cNvSpPr txBox="1">
+            <a:spLocks noGrp="1"/>
+          </p:cNvSpPr>
           <p:nvPr>
-            <p:ph idx="1" type="body"/>
+            <p:ph type="body" idx="1"/>
           </p:nvPr>
         </p:nvSpPr>
         <p:spPr>
@@ -361,11 +377,11 @@
           </a:ln>
         </p:spPr>
         <p:txBody>
-          <a:bodyPr anchorCtr="0" anchor="t" bIns="91425" lIns="91425" spcFirstLastPara="1" rIns="91425" wrap="square" tIns="91425">
+          <a:bodyPr spcFirstLastPara="1" wrap="square" lIns="91425" tIns="91425" rIns="91425" bIns="91425" anchor="t" anchorCtr="0">
             <a:noAutofit/>
           </a:bodyPr>
           <a:lstStyle>
-            <a:lvl1pPr indent="-298450" lvl="0" marL="457200">
+            <a:lvl1pPr marL="457200" lvl="0" indent="-298450">
               <a:spcBef>
                 <a:spcPts val="0"/>
               </a:spcBef>
@@ -376,7 +392,7 @@
               <a:buChar char="●"/>
               <a:defRPr sz="1100"/>
             </a:lvl1pPr>
-            <a:lvl2pPr indent="-298450" lvl="1" marL="914400">
+            <a:lvl2pPr marL="914400" lvl="1" indent="-298450">
               <a:spcBef>
                 <a:spcPts val="0"/>
               </a:spcBef>
@@ -387,7 +403,7 @@
               <a:buChar char="○"/>
               <a:defRPr sz="1100"/>
             </a:lvl2pPr>
-            <a:lvl3pPr indent="-298450" lvl="2" marL="1371600">
+            <a:lvl3pPr marL="1371600" lvl="2" indent="-298450">
               <a:spcBef>
                 <a:spcPts val="0"/>
               </a:spcBef>
@@ -398,7 +414,7 @@
               <a:buChar char="■"/>
               <a:defRPr sz="1100"/>
             </a:lvl3pPr>
-            <a:lvl4pPr indent="-298450" lvl="3" marL="1828800">
+            <a:lvl4pPr marL="1828800" lvl="3" indent="-298450">
               <a:spcBef>
                 <a:spcPts val="0"/>
               </a:spcBef>
@@ -409,7 +425,7 @@
               <a:buChar char="●"/>
               <a:defRPr sz="1100"/>
             </a:lvl4pPr>
-            <a:lvl5pPr indent="-298450" lvl="4" marL="2286000">
+            <a:lvl5pPr marL="2286000" lvl="4" indent="-298450">
               <a:spcBef>
                 <a:spcPts val="0"/>
               </a:spcBef>
@@ -420,7 +436,7 @@
               <a:buChar char="○"/>
               <a:defRPr sz="1100"/>
             </a:lvl5pPr>
-            <a:lvl6pPr indent="-298450" lvl="5" marL="2743200">
+            <a:lvl6pPr marL="2743200" lvl="5" indent="-298450">
               <a:spcBef>
                 <a:spcPts val="0"/>
               </a:spcBef>
@@ -431,7 +447,7 @@
               <a:buChar char="■"/>
               <a:defRPr sz="1100"/>
             </a:lvl6pPr>
-            <a:lvl7pPr indent="-298450" lvl="6" marL="3200400">
+            <a:lvl7pPr marL="3200400" lvl="6" indent="-298450">
               <a:spcBef>
                 <a:spcPts val="0"/>
               </a:spcBef>
@@ -442,7 +458,7 @@
               <a:buChar char="●"/>
               <a:defRPr sz="1100"/>
             </a:lvl7pPr>
-            <a:lvl8pPr indent="-298450" lvl="7" marL="3657600">
+            <a:lvl8pPr marL="3657600" lvl="7" indent="-298450">
               <a:spcBef>
                 <a:spcPts val="0"/>
               </a:spcBef>
@@ -453,7 +469,7 @@
               <a:buChar char="○"/>
               <a:defRPr sz="1100"/>
             </a:lvl8pPr>
-            <a:lvl9pPr indent="-298450" lvl="8" marL="4114800">
+            <a:lvl9pPr marL="4114800" lvl="8" indent="-298450">
               <a:spcBef>
                 <a:spcPts val="0"/>
               </a:spcBef>
@@ -465,14 +481,16 @@
               <a:defRPr sz="1100"/>
             </a:lvl9pPr>
           </a:lstStyle>
-          <a:p/>
+          <a:p>
+            <a:endParaRPr/>
+          </a:p>
         </p:txBody>
       </p:sp>
     </p:spTree>
   </p:cSld>
-  <p:clrMap accent1="accent1" accent2="accent2" accent3="accent3" accent4="accent4" accent5="accent5" accent6="accent6" bg1="lt1" bg2="dk2" tx1="dk1" tx2="lt2" folHlink="folHlink" hlink="hlink"/>
+  <p:clrMap bg1="lt1" tx1="dk1" bg2="dk2" tx2="lt2" accent1="accent1" accent2="accent2" accent3="accent3" accent4="accent4" accent5="accent5" accent6="accent6" hlink="hlink" folHlink="folHlink"/>
   <p:notesStyle>
-    <a:defPPr lvl="0" marR="0" rtl="0" algn="l">
+    <a:defPPr marR="0" lvl="0" algn="l" rtl="0">
       <a:lnSpc>
         <a:spcPct val="100000"/>
       </a:lnSpc>
@@ -483,7 +501,7 @@
         <a:spcPts val="0"/>
       </a:spcAft>
     </a:defPPr>
-    <a:lvl1pPr lvl="0" marR="0" rtl="0" algn="l">
+    <a:lvl1pPr marR="0" lvl="0" algn="l" rtl="0">
       <a:lnSpc>
         <a:spcPct val="100000"/>
       </a:lnSpc>
@@ -497,7 +515,7 @@
         <a:srgbClr val="000000"/>
       </a:buClr>
       <a:buFont typeface="Arial"/>
-      <a:defRPr b="0" i="0" sz="1400" u="none" cap="none" strike="noStrike">
+      <a:defRPr sz="1400" b="0" i="0" u="none" strike="noStrike" cap="none">
         <a:solidFill>
           <a:srgbClr val="000000"/>
         </a:solidFill>
@@ -507,7 +525,7 @@
         <a:sym typeface="Arial"/>
       </a:defRPr>
     </a:lvl1pPr>
-    <a:lvl2pPr lvl="1" marR="0" rtl="0" algn="l">
+    <a:lvl2pPr marR="0" lvl="1" algn="l" rtl="0">
       <a:lnSpc>
         <a:spcPct val="100000"/>
       </a:lnSpc>
@@ -521,7 +539,7 @@
         <a:srgbClr val="000000"/>
       </a:buClr>
       <a:buFont typeface="Arial"/>
-      <a:defRPr b="0" i="0" sz="1400" u="none" cap="none" strike="noStrike">
+      <a:defRPr sz="1400" b="0" i="0" u="none" strike="noStrike" cap="none">
         <a:solidFill>
           <a:srgbClr val="000000"/>
         </a:solidFill>
@@ -531,7 +549,7 @@
         <a:sym typeface="Arial"/>
       </a:defRPr>
     </a:lvl2pPr>
-    <a:lvl3pPr lvl="2" marR="0" rtl="0" algn="l">
+    <a:lvl3pPr marR="0" lvl="2" algn="l" rtl="0">
       <a:lnSpc>
         <a:spcPct val="100000"/>
       </a:lnSpc>
@@ -545,7 +563,7 @@
         <a:srgbClr val="000000"/>
       </a:buClr>
       <a:buFont typeface="Arial"/>
-      <a:defRPr b="0" i="0" sz="1400" u="none" cap="none" strike="noStrike">
+      <a:defRPr sz="1400" b="0" i="0" u="none" strike="noStrike" cap="none">
         <a:solidFill>
           <a:srgbClr val="000000"/>
         </a:solidFill>
@@ -555,7 +573,7 @@
         <a:sym typeface="Arial"/>
       </a:defRPr>
     </a:lvl3pPr>
-    <a:lvl4pPr lvl="3" marR="0" rtl="0" algn="l">
+    <a:lvl4pPr marR="0" lvl="3" algn="l" rtl="0">
       <a:lnSpc>
         <a:spcPct val="100000"/>
       </a:lnSpc>
@@ -569,7 +587,7 @@
         <a:srgbClr val="000000"/>
       </a:buClr>
       <a:buFont typeface="Arial"/>
-      <a:defRPr b="0" i="0" sz="1400" u="none" cap="none" strike="noStrike">
+      <a:defRPr sz="1400" b="0" i="0" u="none" strike="noStrike" cap="none">
         <a:solidFill>
           <a:srgbClr val="000000"/>
         </a:solidFill>
@@ -579,7 +597,7 @@
         <a:sym typeface="Arial"/>
       </a:defRPr>
     </a:lvl4pPr>
-    <a:lvl5pPr lvl="4" marR="0" rtl="0" algn="l">
+    <a:lvl5pPr marR="0" lvl="4" algn="l" rtl="0">
       <a:lnSpc>
         <a:spcPct val="100000"/>
       </a:lnSpc>
@@ -593,7 +611,7 @@
         <a:srgbClr val="000000"/>
       </a:buClr>
       <a:buFont typeface="Arial"/>
-      <a:defRPr b="0" i="0" sz="1400" u="none" cap="none" strike="noStrike">
+      <a:defRPr sz="1400" b="0" i="0" u="none" strike="noStrike" cap="none">
         <a:solidFill>
           <a:srgbClr val="000000"/>
         </a:solidFill>
@@ -603,7 +621,7 @@
         <a:sym typeface="Arial"/>
       </a:defRPr>
     </a:lvl5pPr>
-    <a:lvl6pPr lvl="5" marR="0" rtl="0" algn="l">
+    <a:lvl6pPr marR="0" lvl="5" algn="l" rtl="0">
       <a:lnSpc>
         <a:spcPct val="100000"/>
       </a:lnSpc>
@@ -617,7 +635,7 @@
         <a:srgbClr val="000000"/>
       </a:buClr>
       <a:buFont typeface="Arial"/>
-      <a:defRPr b="0" i="0" sz="1400" u="none" cap="none" strike="noStrike">
+      <a:defRPr sz="1400" b="0" i="0" u="none" strike="noStrike" cap="none">
         <a:solidFill>
           <a:srgbClr val="000000"/>
         </a:solidFill>
@@ -627,7 +645,7 @@
         <a:sym typeface="Arial"/>
       </a:defRPr>
     </a:lvl6pPr>
-    <a:lvl7pPr lvl="6" marR="0" rtl="0" algn="l">
+    <a:lvl7pPr marR="0" lvl="6" algn="l" rtl="0">
       <a:lnSpc>
         <a:spcPct val="100000"/>
       </a:lnSpc>
@@ -641,7 +659,7 @@
         <a:srgbClr val="000000"/>
       </a:buClr>
       <a:buFont typeface="Arial"/>
-      <a:defRPr b="0" i="0" sz="1400" u="none" cap="none" strike="noStrike">
+      <a:defRPr sz="1400" b="0" i="0" u="none" strike="noStrike" cap="none">
         <a:solidFill>
           <a:srgbClr val="000000"/>
         </a:solidFill>
@@ -651,7 +669,7 @@
         <a:sym typeface="Arial"/>
       </a:defRPr>
     </a:lvl7pPr>
-    <a:lvl8pPr lvl="7" marR="0" rtl="0" algn="l">
+    <a:lvl8pPr marR="0" lvl="7" algn="l" rtl="0">
       <a:lnSpc>
         <a:spcPct val="100000"/>
       </a:lnSpc>
@@ -665,7 +683,7 @@
         <a:srgbClr val="000000"/>
       </a:buClr>
       <a:buFont typeface="Arial"/>
-      <a:defRPr b="0" i="0" sz="1400" u="none" cap="none" strike="noStrike">
+      <a:defRPr sz="1400" b="0" i="0" u="none" strike="noStrike" cap="none">
         <a:solidFill>
           <a:srgbClr val="000000"/>
         </a:solidFill>
@@ -675,7 +693,7 @@
         <a:sym typeface="Arial"/>
       </a:defRPr>
     </a:lvl8pPr>
-    <a:lvl9pPr lvl="8" marR="0" rtl="0" algn="l">
+    <a:lvl9pPr marR="0" lvl="8" algn="l" rtl="0">
       <a:lnSpc>
         <a:spcPct val="100000"/>
       </a:lnSpc>
@@ -689,7 +707,7 @@
         <a:srgbClr val="000000"/>
       </a:buClr>
       <a:buFont typeface="Arial"/>
-      <a:defRPr b="0" i="0" sz="1400" u="none" cap="none" strike="noStrike">
+      <a:defRPr sz="1400" b="0" i="0" u="none" strike="noStrike" cap="none">
         <a:solidFill>
           <a:srgbClr val="000000"/>
         </a:solidFill>
@@ -704,11 +722,11 @@
 </file>
 
 <file path=ppt/notesSlides/notesSlide1.xml><?xml version="1.0" encoding="utf-8"?>
-<p:notes xmlns:a="http://schemas.openxmlformats.org/drawingml/2006/main" xmlns:r="http://schemas.openxmlformats.org/officeDocument/2006/relationships" xmlns:mc="http://schemas.openxmlformats.org/markup-compatibility/2006" xmlns:mv="urn:schemas-microsoft-com:mac:vml" xmlns:p="http://schemas.openxmlformats.org/presentationml/2006/main" xmlns:c="http://schemas.openxmlformats.org/drawingml/2006/chart" xmlns:dgm="http://schemas.openxmlformats.org/drawingml/2006/diagram" xmlns:o="urn:schemas-microsoft-com:office:office" xmlns:v="urn:schemas-microsoft-com:vml" xmlns:pvml="urn:schemas-microsoft-com:office:powerpoint" xmlns:com="http://schemas.openxmlformats.org/drawingml/2006/compatibility" xmlns:p14="http://schemas.microsoft.com/office/powerpoint/2010/main" xmlns:p15="http://schemas.microsoft.com/office/powerpoint/2012/main" showMasterPhAnim="0" showMasterSp="0">
+<p:notes xmlns:a="http://schemas.openxmlformats.org/drawingml/2006/main" xmlns:r="http://schemas.openxmlformats.org/officeDocument/2006/relationships" xmlns:p="http://schemas.openxmlformats.org/presentationml/2006/main" showMasterSp="0" showMasterPhAnim="0">
   <p:cSld>
     <p:spTree>
       <p:nvGrpSpPr>
-        <p:cNvPr id="50" name="Shape 50"/>
+        <p:cNvPr id="1" name="Shape 50"/>
         <p:cNvGrpSpPr/>
         <p:nvPr/>
       </p:nvGrpSpPr>
@@ -723,9 +741,11 @@
       <p:sp>
         <p:nvSpPr>
           <p:cNvPr id="51" name="Google Shape;51;p:notes"/>
-          <p:cNvSpPr/>
+          <p:cNvSpPr>
+            <a:spLocks noGrp="1" noRot="1" noChangeAspect="1"/>
+          </p:cNvSpPr>
           <p:nvPr>
-            <p:ph idx="2" type="sldImg"/>
+            <p:ph type="sldImg" idx="2"/>
           </p:nvPr>
         </p:nvSpPr>
         <p:spPr>
@@ -734,9 +754,13 @@
             <a:ext cx="6096075" cy="3429000"/>
           </a:xfrm>
           <a:custGeom>
-            <a:rect b="b" l="l" r="r" t="t"/>
+            <a:avLst/>
+            <a:gdLst/>
+            <a:ahLst/>
+            <a:cxnLst/>
+            <a:rect l="l" t="t" r="r" b="b"/>
             <a:pathLst>
-              <a:path extrusionOk="0" h="120000" w="120000">
+              <a:path w="120000" h="120000" extrusionOk="0">
                 <a:moveTo>
                   <a:pt x="0" y="0"/>
                 </a:moveTo>
@@ -758,9 +782,11 @@
       <p:sp>
         <p:nvSpPr>
           <p:cNvPr id="52" name="Google Shape;52;p:notes"/>
-          <p:cNvSpPr txBox="1"/>
+          <p:cNvSpPr txBox="1">
+            <a:spLocks noGrp="1"/>
+          </p:cNvSpPr>
           <p:nvPr>
-            <p:ph idx="1" type="body"/>
+            <p:ph type="body" idx="1"/>
           </p:nvPr>
         </p:nvSpPr>
         <p:spPr>
@@ -773,12 +799,12 @@
           </a:prstGeom>
         </p:spPr>
         <p:txBody>
-          <a:bodyPr anchorCtr="0" anchor="t" bIns="91425" lIns="91425" spcFirstLastPara="1" rIns="91425" wrap="square" tIns="91425">
+          <a:bodyPr spcFirstLastPara="1" wrap="square" lIns="91425" tIns="91425" rIns="91425" bIns="91425" anchor="t" anchorCtr="0">
             <a:noAutofit/>
           </a:bodyPr>
           <a:lstStyle/>
           <a:p>
-            <a:pPr indent="0" lvl="0" marL="0" rtl="0" algn="l">
+            <a:pPr marL="0" lvl="0" indent="0" algn="l" rtl="0">
               <a:spcBef>
                 <a:spcPts val="0"/>
               </a:spcBef>
@@ -787,9 +813,6 @@
               </a:spcAft>
               <a:buNone/>
             </a:pPr>
-            <a:r>
-              <a:t/>
-            </a:r>
             <a:endParaRPr/>
           </a:p>
         </p:txBody>
@@ -803,11 +826,11 @@
 </file>
 
 <file path=ppt/notesSlides/notesSlide10.xml><?xml version="1.0" encoding="utf-8"?>
-<p:notes xmlns:a="http://schemas.openxmlformats.org/drawingml/2006/main" xmlns:r="http://schemas.openxmlformats.org/officeDocument/2006/relationships" xmlns:mc="http://schemas.openxmlformats.org/markup-compatibility/2006" xmlns:mv="urn:schemas-microsoft-com:mac:vml" xmlns:p="http://schemas.openxmlformats.org/presentationml/2006/main" xmlns:c="http://schemas.openxmlformats.org/drawingml/2006/chart" xmlns:dgm="http://schemas.openxmlformats.org/drawingml/2006/diagram" xmlns:o="urn:schemas-microsoft-com:office:office" xmlns:v="urn:schemas-microsoft-com:vml" xmlns:pvml="urn:schemas-microsoft-com:office:powerpoint" xmlns:com="http://schemas.openxmlformats.org/drawingml/2006/compatibility" xmlns:p14="http://schemas.microsoft.com/office/powerpoint/2010/main" xmlns:p15="http://schemas.microsoft.com/office/powerpoint/2012/main" showMasterPhAnim="0" showMasterSp="0">
+<p:notes xmlns:a="http://schemas.openxmlformats.org/drawingml/2006/main" xmlns:r="http://schemas.openxmlformats.org/officeDocument/2006/relationships" xmlns:p="http://schemas.openxmlformats.org/presentationml/2006/main" showMasterSp="0" showMasterPhAnim="0">
   <p:cSld>
     <p:spTree>
       <p:nvGrpSpPr>
-        <p:cNvPr id="115" name="Shape 115"/>
+        <p:cNvPr id="1" name="Shape 115"/>
         <p:cNvGrpSpPr/>
         <p:nvPr/>
       </p:nvGrpSpPr>
@@ -822,20 +845,26 @@
       <p:sp>
         <p:nvSpPr>
           <p:cNvPr id="116" name="Google Shape;116;g5e1992ecfa_1_5:notes"/>
-          <p:cNvSpPr/>
+          <p:cNvSpPr>
+            <a:spLocks noGrp="1" noRot="1" noChangeAspect="1"/>
+          </p:cNvSpPr>
           <p:nvPr>
-            <p:ph idx="2" type="sldImg"/>
+            <p:ph type="sldImg" idx="2"/>
           </p:nvPr>
         </p:nvSpPr>
         <p:spPr>
           <a:xfrm>
-            <a:off x="381300" y="685800"/>
+            <a:off x="381000" y="685800"/>
             <a:ext cx="6096000" cy="3429000"/>
           </a:xfrm>
           <a:custGeom>
-            <a:rect b="b" l="l" r="r" t="t"/>
+            <a:avLst/>
+            <a:gdLst/>
+            <a:ahLst/>
+            <a:cxnLst/>
+            <a:rect l="l" t="t" r="r" b="b"/>
             <a:pathLst>
-              <a:path extrusionOk="0" h="120000" w="120000">
+              <a:path w="120000" h="120000" extrusionOk="0">
                 <a:moveTo>
                   <a:pt x="0" y="0"/>
                 </a:moveTo>
@@ -857,9 +886,11 @@
       <p:sp>
         <p:nvSpPr>
           <p:cNvPr id="117" name="Google Shape;117;g5e1992ecfa_1_5:notes"/>
-          <p:cNvSpPr txBox="1"/>
+          <p:cNvSpPr txBox="1">
+            <a:spLocks noGrp="1"/>
+          </p:cNvSpPr>
           <p:nvPr>
-            <p:ph idx="1" type="body"/>
+            <p:ph type="body" idx="1"/>
           </p:nvPr>
         </p:nvSpPr>
         <p:spPr>
@@ -872,12 +903,12 @@
           </a:prstGeom>
         </p:spPr>
         <p:txBody>
-          <a:bodyPr anchorCtr="0" anchor="t" bIns="91425" lIns="91425" spcFirstLastPara="1" rIns="91425" wrap="square" tIns="91425">
+          <a:bodyPr spcFirstLastPara="1" wrap="square" lIns="91425" tIns="91425" rIns="91425" bIns="91425" anchor="t" anchorCtr="0">
             <a:noAutofit/>
           </a:bodyPr>
           <a:lstStyle/>
           <a:p>
-            <a:pPr indent="0" lvl="0" marL="0" rtl="0" algn="l">
+            <a:pPr marL="0" lvl="0" indent="0" algn="l" rtl="0">
               <a:spcBef>
                 <a:spcPts val="0"/>
               </a:spcBef>
@@ -886,9 +917,6 @@
               </a:spcAft>
               <a:buNone/>
             </a:pPr>
-            <a:r>
-              <a:t/>
-            </a:r>
             <a:endParaRPr/>
           </a:p>
         </p:txBody>
@@ -902,11 +930,11 @@
 </file>
 
 <file path=ppt/notesSlides/notesSlide11.xml><?xml version="1.0" encoding="utf-8"?>
-<p:notes xmlns:a="http://schemas.openxmlformats.org/drawingml/2006/main" xmlns:r="http://schemas.openxmlformats.org/officeDocument/2006/relationships" xmlns:mc="http://schemas.openxmlformats.org/markup-compatibility/2006" xmlns:mv="urn:schemas-microsoft-com:mac:vml" xmlns:p="http://schemas.openxmlformats.org/presentationml/2006/main" xmlns:c="http://schemas.openxmlformats.org/drawingml/2006/chart" xmlns:dgm="http://schemas.openxmlformats.org/drawingml/2006/diagram" xmlns:o="urn:schemas-microsoft-com:office:office" xmlns:v="urn:schemas-microsoft-com:vml" xmlns:pvml="urn:schemas-microsoft-com:office:powerpoint" xmlns:com="http://schemas.openxmlformats.org/drawingml/2006/compatibility" xmlns:p14="http://schemas.microsoft.com/office/powerpoint/2010/main" xmlns:p15="http://schemas.microsoft.com/office/powerpoint/2012/main" showMasterPhAnim="0" showMasterSp="0">
+<p:notes xmlns:a="http://schemas.openxmlformats.org/drawingml/2006/main" xmlns:r="http://schemas.openxmlformats.org/officeDocument/2006/relationships" xmlns:p="http://schemas.openxmlformats.org/presentationml/2006/main" showMasterSp="0" showMasterPhAnim="0">
   <p:cSld>
     <p:spTree>
       <p:nvGrpSpPr>
-        <p:cNvPr id="122" name="Shape 122"/>
+        <p:cNvPr id="1" name="Shape 122"/>
         <p:cNvGrpSpPr/>
         <p:nvPr/>
       </p:nvGrpSpPr>
@@ -921,20 +949,26 @@
       <p:sp>
         <p:nvSpPr>
           <p:cNvPr id="123" name="Google Shape;123;g5e1992ecfa_1_10:notes"/>
-          <p:cNvSpPr/>
+          <p:cNvSpPr>
+            <a:spLocks noGrp="1" noRot="1" noChangeAspect="1"/>
+          </p:cNvSpPr>
           <p:nvPr>
-            <p:ph idx="2" type="sldImg"/>
+            <p:ph type="sldImg" idx="2"/>
           </p:nvPr>
         </p:nvSpPr>
         <p:spPr>
           <a:xfrm>
-            <a:off x="381300" y="685800"/>
+            <a:off x="381000" y="685800"/>
             <a:ext cx="6096000" cy="3429000"/>
           </a:xfrm>
           <a:custGeom>
-            <a:rect b="b" l="l" r="r" t="t"/>
+            <a:avLst/>
+            <a:gdLst/>
+            <a:ahLst/>
+            <a:cxnLst/>
+            <a:rect l="l" t="t" r="r" b="b"/>
             <a:pathLst>
-              <a:path extrusionOk="0" h="120000" w="120000">
+              <a:path w="120000" h="120000" extrusionOk="0">
                 <a:moveTo>
                   <a:pt x="0" y="0"/>
                 </a:moveTo>
@@ -956,9 +990,11 @@
       <p:sp>
         <p:nvSpPr>
           <p:cNvPr id="124" name="Google Shape;124;g5e1992ecfa_1_10:notes"/>
-          <p:cNvSpPr txBox="1"/>
+          <p:cNvSpPr txBox="1">
+            <a:spLocks noGrp="1"/>
+          </p:cNvSpPr>
           <p:nvPr>
-            <p:ph idx="1" type="body"/>
+            <p:ph type="body" idx="1"/>
           </p:nvPr>
         </p:nvSpPr>
         <p:spPr>
@@ -971,12 +1007,12 @@
           </a:prstGeom>
         </p:spPr>
         <p:txBody>
-          <a:bodyPr anchorCtr="0" anchor="t" bIns="91425" lIns="91425" spcFirstLastPara="1" rIns="91425" wrap="square" tIns="91425">
+          <a:bodyPr spcFirstLastPara="1" wrap="square" lIns="91425" tIns="91425" rIns="91425" bIns="91425" anchor="t" anchorCtr="0">
             <a:noAutofit/>
           </a:bodyPr>
           <a:lstStyle/>
           <a:p>
-            <a:pPr indent="0" lvl="0" marL="0" rtl="0" algn="l">
+            <a:pPr marL="0" lvl="0" indent="0" algn="l" rtl="0">
               <a:spcBef>
                 <a:spcPts val="0"/>
               </a:spcBef>
@@ -985,9 +1021,6 @@
               </a:spcAft>
               <a:buNone/>
             </a:pPr>
-            <a:r>
-              <a:t/>
-            </a:r>
             <a:endParaRPr/>
           </a:p>
         </p:txBody>
@@ -1001,11 +1034,11 @@
 </file>
 
 <file path=ppt/notesSlides/notesSlide12.xml><?xml version="1.0" encoding="utf-8"?>
-<p:notes xmlns:a="http://schemas.openxmlformats.org/drawingml/2006/main" xmlns:r="http://schemas.openxmlformats.org/officeDocument/2006/relationships" xmlns:mc="http://schemas.openxmlformats.org/markup-compatibility/2006" xmlns:mv="urn:schemas-microsoft-com:mac:vml" xmlns:p="http://schemas.openxmlformats.org/presentationml/2006/main" xmlns:c="http://schemas.openxmlformats.org/drawingml/2006/chart" xmlns:dgm="http://schemas.openxmlformats.org/drawingml/2006/diagram" xmlns:o="urn:schemas-microsoft-com:office:office" xmlns:v="urn:schemas-microsoft-com:vml" xmlns:pvml="urn:schemas-microsoft-com:office:powerpoint" xmlns:com="http://schemas.openxmlformats.org/drawingml/2006/compatibility" xmlns:p14="http://schemas.microsoft.com/office/powerpoint/2010/main" xmlns:p15="http://schemas.microsoft.com/office/powerpoint/2012/main" showMasterPhAnim="0" showMasterSp="0">
+<p:notes xmlns:a="http://schemas.openxmlformats.org/drawingml/2006/main" xmlns:r="http://schemas.openxmlformats.org/officeDocument/2006/relationships" xmlns:p="http://schemas.openxmlformats.org/presentationml/2006/main" showMasterSp="0" showMasterPhAnim="0">
   <p:cSld>
     <p:spTree>
       <p:nvGrpSpPr>
-        <p:cNvPr id="129" name="Shape 129"/>
+        <p:cNvPr id="1" name="Shape 129"/>
         <p:cNvGrpSpPr/>
         <p:nvPr/>
       </p:nvGrpSpPr>
@@ -1020,9 +1053,11 @@
       <p:sp>
         <p:nvSpPr>
           <p:cNvPr id="130" name="Google Shape;130;g5e15bb4503_0_77:notes"/>
-          <p:cNvSpPr/>
+          <p:cNvSpPr>
+            <a:spLocks noGrp="1" noRot="1" noChangeAspect="1"/>
+          </p:cNvSpPr>
           <p:nvPr>
-            <p:ph idx="2" type="sldImg"/>
+            <p:ph type="sldImg" idx="2"/>
           </p:nvPr>
         </p:nvSpPr>
         <p:spPr>
@@ -1031,9 +1066,13 @@
             <a:ext cx="6096000" cy="3429000"/>
           </a:xfrm>
           <a:custGeom>
-            <a:rect b="b" l="l" r="r" t="t"/>
+            <a:avLst/>
+            <a:gdLst/>
+            <a:ahLst/>
+            <a:cxnLst/>
+            <a:rect l="l" t="t" r="r" b="b"/>
             <a:pathLst>
-              <a:path extrusionOk="0" h="120000" w="120000">
+              <a:path w="120000" h="120000" extrusionOk="0">
                 <a:moveTo>
                   <a:pt x="0" y="0"/>
                 </a:moveTo>
@@ -1055,9 +1094,11 @@
       <p:sp>
         <p:nvSpPr>
           <p:cNvPr id="131" name="Google Shape;131;g5e15bb4503_0_77:notes"/>
-          <p:cNvSpPr txBox="1"/>
+          <p:cNvSpPr txBox="1">
+            <a:spLocks noGrp="1"/>
+          </p:cNvSpPr>
           <p:nvPr>
-            <p:ph idx="1" type="body"/>
+            <p:ph type="body" idx="1"/>
           </p:nvPr>
         </p:nvSpPr>
         <p:spPr>
@@ -1070,12 +1111,12 @@
           </a:prstGeom>
         </p:spPr>
         <p:txBody>
-          <a:bodyPr anchorCtr="0" anchor="t" bIns="91425" lIns="91425" spcFirstLastPara="1" rIns="91425" wrap="square" tIns="91425">
+          <a:bodyPr spcFirstLastPara="1" wrap="square" lIns="91425" tIns="91425" rIns="91425" bIns="91425" anchor="t" anchorCtr="0">
             <a:noAutofit/>
           </a:bodyPr>
           <a:lstStyle/>
           <a:p>
-            <a:pPr indent="0" lvl="0" marL="0" rtl="0" algn="l">
+            <a:pPr marL="0" lvl="0" indent="0" algn="l" rtl="0">
               <a:spcBef>
                 <a:spcPts val="0"/>
               </a:spcBef>
@@ -1084,9 +1125,6 @@
               </a:spcAft>
               <a:buNone/>
             </a:pPr>
-            <a:r>
-              <a:t/>
-            </a:r>
             <a:endParaRPr/>
           </a:p>
         </p:txBody>
@@ -1100,11 +1138,11 @@
 </file>
 
 <file path=ppt/notesSlides/notesSlide13.xml><?xml version="1.0" encoding="utf-8"?>
-<p:notes xmlns:a="http://schemas.openxmlformats.org/drawingml/2006/main" xmlns:r="http://schemas.openxmlformats.org/officeDocument/2006/relationships" xmlns:mc="http://schemas.openxmlformats.org/markup-compatibility/2006" xmlns:mv="urn:schemas-microsoft-com:mac:vml" xmlns:p="http://schemas.openxmlformats.org/presentationml/2006/main" xmlns:c="http://schemas.openxmlformats.org/drawingml/2006/chart" xmlns:dgm="http://schemas.openxmlformats.org/drawingml/2006/diagram" xmlns:o="urn:schemas-microsoft-com:office:office" xmlns:v="urn:schemas-microsoft-com:vml" xmlns:pvml="urn:schemas-microsoft-com:office:powerpoint" xmlns:com="http://schemas.openxmlformats.org/drawingml/2006/compatibility" xmlns:p14="http://schemas.microsoft.com/office/powerpoint/2010/main" xmlns:p15="http://schemas.microsoft.com/office/powerpoint/2012/main" showMasterPhAnim="0" showMasterSp="0">
+<p:notes xmlns:a="http://schemas.openxmlformats.org/drawingml/2006/main" xmlns:r="http://schemas.openxmlformats.org/officeDocument/2006/relationships" xmlns:p="http://schemas.openxmlformats.org/presentationml/2006/main" showMasterSp="0" showMasterPhAnim="0">
   <p:cSld>
     <p:spTree>
       <p:nvGrpSpPr>
-        <p:cNvPr id="137" name="Shape 137"/>
+        <p:cNvPr id="1" name="Shape 137"/>
         <p:cNvGrpSpPr/>
         <p:nvPr/>
       </p:nvGrpSpPr>
@@ -1119,9 +1157,11 @@
       <p:sp>
         <p:nvSpPr>
           <p:cNvPr id="138" name="Google Shape;138;g5e15bb4503_0_84:notes"/>
-          <p:cNvSpPr/>
+          <p:cNvSpPr>
+            <a:spLocks noGrp="1" noRot="1" noChangeAspect="1"/>
+          </p:cNvSpPr>
           <p:nvPr>
-            <p:ph idx="2" type="sldImg"/>
+            <p:ph type="sldImg" idx="2"/>
           </p:nvPr>
         </p:nvSpPr>
         <p:spPr>
@@ -1130,9 +1170,13 @@
             <a:ext cx="6096000" cy="3429000"/>
           </a:xfrm>
           <a:custGeom>
-            <a:rect b="b" l="l" r="r" t="t"/>
+            <a:avLst/>
+            <a:gdLst/>
+            <a:ahLst/>
+            <a:cxnLst/>
+            <a:rect l="l" t="t" r="r" b="b"/>
             <a:pathLst>
-              <a:path extrusionOk="0" h="120000" w="120000">
+              <a:path w="120000" h="120000" extrusionOk="0">
                 <a:moveTo>
                   <a:pt x="0" y="0"/>
                 </a:moveTo>
@@ -1154,9 +1198,11 @@
       <p:sp>
         <p:nvSpPr>
           <p:cNvPr id="139" name="Google Shape;139;g5e15bb4503_0_84:notes"/>
-          <p:cNvSpPr txBox="1"/>
+          <p:cNvSpPr txBox="1">
+            <a:spLocks noGrp="1"/>
+          </p:cNvSpPr>
           <p:nvPr>
-            <p:ph idx="1" type="body"/>
+            <p:ph type="body" idx="1"/>
           </p:nvPr>
         </p:nvSpPr>
         <p:spPr>
@@ -1169,12 +1215,12 @@
           </a:prstGeom>
         </p:spPr>
         <p:txBody>
-          <a:bodyPr anchorCtr="0" anchor="t" bIns="91425" lIns="91425" spcFirstLastPara="1" rIns="91425" wrap="square" tIns="91425">
+          <a:bodyPr spcFirstLastPara="1" wrap="square" lIns="91425" tIns="91425" rIns="91425" bIns="91425" anchor="t" anchorCtr="0">
             <a:noAutofit/>
           </a:bodyPr>
           <a:lstStyle/>
           <a:p>
-            <a:pPr indent="0" lvl="0" marL="0" rtl="0" algn="l">
+            <a:pPr marL="0" lvl="0" indent="0" algn="l" rtl="0">
               <a:spcBef>
                 <a:spcPts val="0"/>
               </a:spcBef>
@@ -1183,9 +1229,6 @@
               </a:spcAft>
               <a:buNone/>
             </a:pPr>
-            <a:r>
-              <a:t/>
-            </a:r>
             <a:endParaRPr/>
           </a:p>
         </p:txBody>
@@ -1199,11 +1242,11 @@
 </file>
 
 <file path=ppt/notesSlides/notesSlide14.xml><?xml version="1.0" encoding="utf-8"?>
-<p:notes xmlns:a="http://schemas.openxmlformats.org/drawingml/2006/main" xmlns:r="http://schemas.openxmlformats.org/officeDocument/2006/relationships" xmlns:mc="http://schemas.openxmlformats.org/markup-compatibility/2006" xmlns:mv="urn:schemas-microsoft-com:mac:vml" xmlns:p="http://schemas.openxmlformats.org/presentationml/2006/main" xmlns:c="http://schemas.openxmlformats.org/drawingml/2006/chart" xmlns:dgm="http://schemas.openxmlformats.org/drawingml/2006/diagram" xmlns:o="urn:schemas-microsoft-com:office:office" xmlns:v="urn:schemas-microsoft-com:vml" xmlns:pvml="urn:schemas-microsoft-com:office:powerpoint" xmlns:com="http://schemas.openxmlformats.org/drawingml/2006/compatibility" xmlns:p14="http://schemas.microsoft.com/office/powerpoint/2010/main" xmlns:p15="http://schemas.microsoft.com/office/powerpoint/2012/main" showMasterPhAnim="0" showMasterSp="0">
+<p:notes xmlns:a="http://schemas.openxmlformats.org/drawingml/2006/main" xmlns:r="http://schemas.openxmlformats.org/officeDocument/2006/relationships" xmlns:p="http://schemas.openxmlformats.org/presentationml/2006/main" showMasterSp="0" showMasterPhAnim="0">
   <p:cSld>
     <p:spTree>
       <p:nvGrpSpPr>
-        <p:cNvPr id="143" name="Shape 143"/>
+        <p:cNvPr id="1" name="Shape 143"/>
         <p:cNvGrpSpPr/>
         <p:nvPr/>
       </p:nvGrpSpPr>
@@ -1218,9 +1261,11 @@
       <p:sp>
         <p:nvSpPr>
           <p:cNvPr id="144" name="Google Shape;144;g5e15bb4503_0_94:notes"/>
-          <p:cNvSpPr/>
+          <p:cNvSpPr>
+            <a:spLocks noGrp="1" noRot="1" noChangeAspect="1"/>
+          </p:cNvSpPr>
           <p:nvPr>
-            <p:ph idx="2" type="sldImg"/>
+            <p:ph type="sldImg" idx="2"/>
           </p:nvPr>
         </p:nvSpPr>
         <p:spPr>
@@ -1229,9 +1274,13 @@
             <a:ext cx="6096000" cy="3429000"/>
           </a:xfrm>
           <a:custGeom>
-            <a:rect b="b" l="l" r="r" t="t"/>
+            <a:avLst/>
+            <a:gdLst/>
+            <a:ahLst/>
+            <a:cxnLst/>
+            <a:rect l="l" t="t" r="r" b="b"/>
             <a:pathLst>
-              <a:path extrusionOk="0" h="120000" w="120000">
+              <a:path w="120000" h="120000" extrusionOk="0">
                 <a:moveTo>
                   <a:pt x="0" y="0"/>
                 </a:moveTo>
@@ -1253,9 +1302,11 @@
       <p:sp>
         <p:nvSpPr>
           <p:cNvPr id="145" name="Google Shape;145;g5e15bb4503_0_94:notes"/>
-          <p:cNvSpPr txBox="1"/>
+          <p:cNvSpPr txBox="1">
+            <a:spLocks noGrp="1"/>
+          </p:cNvSpPr>
           <p:nvPr>
-            <p:ph idx="1" type="body"/>
+            <p:ph type="body" idx="1"/>
           </p:nvPr>
         </p:nvSpPr>
         <p:spPr>
@@ -1268,12 +1319,12 @@
           </a:prstGeom>
         </p:spPr>
         <p:txBody>
-          <a:bodyPr anchorCtr="0" anchor="t" bIns="91425" lIns="91425" spcFirstLastPara="1" rIns="91425" wrap="square" tIns="91425">
+          <a:bodyPr spcFirstLastPara="1" wrap="square" lIns="91425" tIns="91425" rIns="91425" bIns="91425" anchor="t" anchorCtr="0">
             <a:noAutofit/>
           </a:bodyPr>
           <a:lstStyle/>
           <a:p>
-            <a:pPr indent="0" lvl="0" marL="0" rtl="0" algn="l">
+            <a:pPr marL="0" lvl="0" indent="0" algn="l" rtl="0">
               <a:spcBef>
                 <a:spcPts val="0"/>
               </a:spcBef>
@@ -1282,9 +1333,6 @@
               </a:spcAft>
               <a:buNone/>
             </a:pPr>
-            <a:r>
-              <a:t/>
-            </a:r>
             <a:endParaRPr/>
           </a:p>
         </p:txBody>
@@ -1298,11 +1346,11 @@
 </file>
 
 <file path=ppt/notesSlides/notesSlide15.xml><?xml version="1.0" encoding="utf-8"?>
-<p:notes xmlns:a="http://schemas.openxmlformats.org/drawingml/2006/main" xmlns:r="http://schemas.openxmlformats.org/officeDocument/2006/relationships" xmlns:mc="http://schemas.openxmlformats.org/markup-compatibility/2006" xmlns:mv="urn:schemas-microsoft-com:mac:vml" xmlns:p="http://schemas.openxmlformats.org/presentationml/2006/main" xmlns:c="http://schemas.openxmlformats.org/drawingml/2006/chart" xmlns:dgm="http://schemas.openxmlformats.org/drawingml/2006/diagram" xmlns:o="urn:schemas-microsoft-com:office:office" xmlns:v="urn:schemas-microsoft-com:vml" xmlns:pvml="urn:schemas-microsoft-com:office:powerpoint" xmlns:com="http://schemas.openxmlformats.org/drawingml/2006/compatibility" xmlns:p14="http://schemas.microsoft.com/office/powerpoint/2010/main" xmlns:p15="http://schemas.microsoft.com/office/powerpoint/2012/main" showMasterPhAnim="0" showMasterSp="0">
+<p:notes xmlns:a="http://schemas.openxmlformats.org/drawingml/2006/main" xmlns:r="http://schemas.openxmlformats.org/officeDocument/2006/relationships" xmlns:p="http://schemas.openxmlformats.org/presentationml/2006/main" showMasterSp="0" showMasterPhAnim="0">
   <p:cSld>
     <p:spTree>
       <p:nvGrpSpPr>
-        <p:cNvPr id="149" name="Shape 149"/>
+        <p:cNvPr id="1" name="Shape 149"/>
         <p:cNvGrpSpPr/>
         <p:nvPr/>
       </p:nvGrpSpPr>
@@ -1317,9 +1365,11 @@
       <p:sp>
         <p:nvSpPr>
           <p:cNvPr id="150" name="Google Shape;150;g5e15bb4503_0_100:notes"/>
-          <p:cNvSpPr/>
+          <p:cNvSpPr>
+            <a:spLocks noGrp="1" noRot="1" noChangeAspect="1"/>
+          </p:cNvSpPr>
           <p:nvPr>
-            <p:ph idx="2" type="sldImg"/>
+            <p:ph type="sldImg" idx="2"/>
           </p:nvPr>
         </p:nvSpPr>
         <p:spPr>
@@ -1328,9 +1378,13 @@
             <a:ext cx="6096000" cy="3429000"/>
           </a:xfrm>
           <a:custGeom>
-            <a:rect b="b" l="l" r="r" t="t"/>
+            <a:avLst/>
+            <a:gdLst/>
+            <a:ahLst/>
+            <a:cxnLst/>
+            <a:rect l="l" t="t" r="r" b="b"/>
             <a:pathLst>
-              <a:path extrusionOk="0" h="120000" w="120000">
+              <a:path w="120000" h="120000" extrusionOk="0">
                 <a:moveTo>
                   <a:pt x="0" y="0"/>
                 </a:moveTo>
@@ -1352,9 +1406,11 @@
       <p:sp>
         <p:nvSpPr>
           <p:cNvPr id="151" name="Google Shape;151;g5e15bb4503_0_100:notes"/>
-          <p:cNvSpPr txBox="1"/>
+          <p:cNvSpPr txBox="1">
+            <a:spLocks noGrp="1"/>
+          </p:cNvSpPr>
           <p:nvPr>
-            <p:ph idx="1" type="body"/>
+            <p:ph type="body" idx="1"/>
           </p:nvPr>
         </p:nvSpPr>
         <p:spPr>
@@ -1367,12 +1423,12 @@
           </a:prstGeom>
         </p:spPr>
         <p:txBody>
-          <a:bodyPr anchorCtr="0" anchor="t" bIns="91425" lIns="91425" spcFirstLastPara="1" rIns="91425" wrap="square" tIns="91425">
+          <a:bodyPr spcFirstLastPara="1" wrap="square" lIns="91425" tIns="91425" rIns="91425" bIns="91425" anchor="t" anchorCtr="0">
             <a:noAutofit/>
           </a:bodyPr>
           <a:lstStyle/>
           <a:p>
-            <a:pPr indent="0" lvl="0" marL="0" rtl="0" algn="l">
+            <a:pPr marL="0" lvl="0" indent="0" algn="l" rtl="0">
               <a:spcBef>
                 <a:spcPts val="0"/>
               </a:spcBef>
@@ -1381,9 +1437,6 @@
               </a:spcAft>
               <a:buNone/>
             </a:pPr>
-            <a:r>
-              <a:t/>
-            </a:r>
             <a:endParaRPr/>
           </a:p>
         </p:txBody>
@@ -1397,11 +1450,11 @@
 </file>
 
 <file path=ppt/notesSlides/notesSlide16.xml><?xml version="1.0" encoding="utf-8"?>
-<p:notes xmlns:a="http://schemas.openxmlformats.org/drawingml/2006/main" xmlns:r="http://schemas.openxmlformats.org/officeDocument/2006/relationships" xmlns:mc="http://schemas.openxmlformats.org/markup-compatibility/2006" xmlns:mv="urn:schemas-microsoft-com:mac:vml" xmlns:p="http://schemas.openxmlformats.org/presentationml/2006/main" xmlns:c="http://schemas.openxmlformats.org/drawingml/2006/chart" xmlns:dgm="http://schemas.openxmlformats.org/drawingml/2006/diagram" xmlns:o="urn:schemas-microsoft-com:office:office" xmlns:v="urn:schemas-microsoft-com:vml" xmlns:pvml="urn:schemas-microsoft-com:office:powerpoint" xmlns:com="http://schemas.openxmlformats.org/drawingml/2006/compatibility" xmlns:p14="http://schemas.microsoft.com/office/powerpoint/2010/main" xmlns:p15="http://schemas.microsoft.com/office/powerpoint/2012/main" showMasterPhAnim="0" showMasterSp="0">
+<p:notes xmlns:a="http://schemas.openxmlformats.org/drawingml/2006/main" xmlns:r="http://schemas.openxmlformats.org/officeDocument/2006/relationships" xmlns:p="http://schemas.openxmlformats.org/presentationml/2006/main" showMasterSp="0" showMasterPhAnim="0">
   <p:cSld>
     <p:spTree>
       <p:nvGrpSpPr>
-        <p:cNvPr id="155" name="Shape 155"/>
+        <p:cNvPr id="1" name="Shape 155"/>
         <p:cNvGrpSpPr/>
         <p:nvPr/>
       </p:nvGrpSpPr>
@@ -1416,9 +1469,11 @@
       <p:sp>
         <p:nvSpPr>
           <p:cNvPr id="156" name="Google Shape;156;g5e15bb4503_0_119:notes"/>
-          <p:cNvSpPr/>
+          <p:cNvSpPr>
+            <a:spLocks noGrp="1" noRot="1" noChangeAspect="1"/>
+          </p:cNvSpPr>
           <p:nvPr>
-            <p:ph idx="2" type="sldImg"/>
+            <p:ph type="sldImg" idx="2"/>
           </p:nvPr>
         </p:nvSpPr>
         <p:spPr>
@@ -1427,9 +1482,13 @@
             <a:ext cx="6096000" cy="3429000"/>
           </a:xfrm>
           <a:custGeom>
-            <a:rect b="b" l="l" r="r" t="t"/>
+            <a:avLst/>
+            <a:gdLst/>
+            <a:ahLst/>
+            <a:cxnLst/>
+            <a:rect l="l" t="t" r="r" b="b"/>
             <a:pathLst>
-              <a:path extrusionOk="0" h="120000" w="120000">
+              <a:path w="120000" h="120000" extrusionOk="0">
                 <a:moveTo>
                   <a:pt x="0" y="0"/>
                 </a:moveTo>
@@ -1451,9 +1510,11 @@
       <p:sp>
         <p:nvSpPr>
           <p:cNvPr id="157" name="Google Shape;157;g5e15bb4503_0_119:notes"/>
-          <p:cNvSpPr txBox="1"/>
+          <p:cNvSpPr txBox="1">
+            <a:spLocks noGrp="1"/>
+          </p:cNvSpPr>
           <p:nvPr>
-            <p:ph idx="1" type="body"/>
+            <p:ph type="body" idx="1"/>
           </p:nvPr>
         </p:nvSpPr>
         <p:spPr>
@@ -1466,12 +1527,12 @@
           </a:prstGeom>
         </p:spPr>
         <p:txBody>
-          <a:bodyPr anchorCtr="0" anchor="t" bIns="91425" lIns="91425" spcFirstLastPara="1" rIns="91425" wrap="square" tIns="91425">
+          <a:bodyPr spcFirstLastPara="1" wrap="square" lIns="91425" tIns="91425" rIns="91425" bIns="91425" anchor="t" anchorCtr="0">
             <a:noAutofit/>
           </a:bodyPr>
           <a:lstStyle/>
           <a:p>
-            <a:pPr indent="0" lvl="0" marL="0" rtl="0" algn="l">
+            <a:pPr marL="0" lvl="0" indent="0" algn="l" rtl="0">
               <a:spcBef>
                 <a:spcPts val="0"/>
               </a:spcBef>
@@ -1480,9 +1541,6 @@
               </a:spcAft>
               <a:buNone/>
             </a:pPr>
-            <a:r>
-              <a:t/>
-            </a:r>
             <a:endParaRPr/>
           </a:p>
         </p:txBody>
@@ -1496,11 +1554,11 @@
 </file>
 
 <file path=ppt/notesSlides/notesSlide17.xml><?xml version="1.0" encoding="utf-8"?>
-<p:notes xmlns:a="http://schemas.openxmlformats.org/drawingml/2006/main" xmlns:r="http://schemas.openxmlformats.org/officeDocument/2006/relationships" xmlns:mc="http://schemas.openxmlformats.org/markup-compatibility/2006" xmlns:mv="urn:schemas-microsoft-com:mac:vml" xmlns:p="http://schemas.openxmlformats.org/presentationml/2006/main" xmlns:c="http://schemas.openxmlformats.org/drawingml/2006/chart" xmlns:dgm="http://schemas.openxmlformats.org/drawingml/2006/diagram" xmlns:o="urn:schemas-microsoft-com:office:office" xmlns:v="urn:schemas-microsoft-com:vml" xmlns:pvml="urn:schemas-microsoft-com:office:powerpoint" xmlns:com="http://schemas.openxmlformats.org/drawingml/2006/compatibility" xmlns:p14="http://schemas.microsoft.com/office/powerpoint/2010/main" xmlns:p15="http://schemas.microsoft.com/office/powerpoint/2012/main" showMasterPhAnim="0" showMasterSp="0">
+<p:notes xmlns:a="http://schemas.openxmlformats.org/drawingml/2006/main" xmlns:r="http://schemas.openxmlformats.org/officeDocument/2006/relationships" xmlns:p="http://schemas.openxmlformats.org/presentationml/2006/main" showMasterSp="0" showMasterPhAnim="0">
   <p:cSld>
     <p:spTree>
       <p:nvGrpSpPr>
-        <p:cNvPr id="161" name="Shape 161"/>
+        <p:cNvPr id="1" name="Shape 161"/>
         <p:cNvGrpSpPr/>
         <p:nvPr/>
       </p:nvGrpSpPr>
@@ -1515,9 +1573,11 @@
       <p:sp>
         <p:nvSpPr>
           <p:cNvPr id="162" name="Google Shape;162;g5e15bb4503_0_125:notes"/>
-          <p:cNvSpPr/>
+          <p:cNvSpPr>
+            <a:spLocks noGrp="1" noRot="1" noChangeAspect="1"/>
+          </p:cNvSpPr>
           <p:nvPr>
-            <p:ph idx="2" type="sldImg"/>
+            <p:ph type="sldImg" idx="2"/>
           </p:nvPr>
         </p:nvSpPr>
         <p:spPr>
@@ -1526,9 +1586,13 @@
             <a:ext cx="6096000" cy="3429000"/>
           </a:xfrm>
           <a:custGeom>
-            <a:rect b="b" l="l" r="r" t="t"/>
+            <a:avLst/>
+            <a:gdLst/>
+            <a:ahLst/>
+            <a:cxnLst/>
+            <a:rect l="l" t="t" r="r" b="b"/>
             <a:pathLst>
-              <a:path extrusionOk="0" h="120000" w="120000">
+              <a:path w="120000" h="120000" extrusionOk="0">
                 <a:moveTo>
                   <a:pt x="0" y="0"/>
                 </a:moveTo>
@@ -1550,9 +1614,11 @@
       <p:sp>
         <p:nvSpPr>
           <p:cNvPr id="163" name="Google Shape;163;g5e15bb4503_0_125:notes"/>
-          <p:cNvSpPr txBox="1"/>
+          <p:cNvSpPr txBox="1">
+            <a:spLocks noGrp="1"/>
+          </p:cNvSpPr>
           <p:nvPr>
-            <p:ph idx="1" type="body"/>
+            <p:ph type="body" idx="1"/>
           </p:nvPr>
         </p:nvSpPr>
         <p:spPr>
@@ -1565,12 +1631,12 @@
           </a:prstGeom>
         </p:spPr>
         <p:txBody>
-          <a:bodyPr anchorCtr="0" anchor="t" bIns="91425" lIns="91425" spcFirstLastPara="1" rIns="91425" wrap="square" tIns="91425">
+          <a:bodyPr spcFirstLastPara="1" wrap="square" lIns="91425" tIns="91425" rIns="91425" bIns="91425" anchor="t" anchorCtr="0">
             <a:noAutofit/>
           </a:bodyPr>
           <a:lstStyle/>
           <a:p>
-            <a:pPr indent="0" lvl="0" marL="0" rtl="0" algn="l">
+            <a:pPr marL="0" lvl="0" indent="0" algn="l" rtl="0">
               <a:spcBef>
                 <a:spcPts val="0"/>
               </a:spcBef>
@@ -1579,9 +1645,6 @@
               </a:spcAft>
               <a:buNone/>
             </a:pPr>
-            <a:r>
-              <a:t/>
-            </a:r>
             <a:endParaRPr/>
           </a:p>
         </p:txBody>
@@ -1595,11 +1658,11 @@
 </file>
 
 <file path=ppt/notesSlides/notesSlide18.xml><?xml version="1.0" encoding="utf-8"?>
-<p:notes xmlns:a="http://schemas.openxmlformats.org/drawingml/2006/main" xmlns:r="http://schemas.openxmlformats.org/officeDocument/2006/relationships" xmlns:mc="http://schemas.openxmlformats.org/markup-compatibility/2006" xmlns:mv="urn:schemas-microsoft-com:mac:vml" xmlns:p="http://schemas.openxmlformats.org/presentationml/2006/main" xmlns:c="http://schemas.openxmlformats.org/drawingml/2006/chart" xmlns:dgm="http://schemas.openxmlformats.org/drawingml/2006/diagram" xmlns:o="urn:schemas-microsoft-com:office:office" xmlns:v="urn:schemas-microsoft-com:vml" xmlns:pvml="urn:schemas-microsoft-com:office:powerpoint" xmlns:com="http://schemas.openxmlformats.org/drawingml/2006/compatibility" xmlns:p14="http://schemas.microsoft.com/office/powerpoint/2010/main" xmlns:p15="http://schemas.microsoft.com/office/powerpoint/2012/main" showMasterPhAnim="0" showMasterSp="0">
+<p:notes xmlns:a="http://schemas.openxmlformats.org/drawingml/2006/main" xmlns:r="http://schemas.openxmlformats.org/officeDocument/2006/relationships" xmlns:p="http://schemas.openxmlformats.org/presentationml/2006/main" showMasterSp="0" showMasterPhAnim="0">
   <p:cSld>
     <p:spTree>
       <p:nvGrpSpPr>
-        <p:cNvPr id="167" name="Shape 167"/>
+        <p:cNvPr id="1" name="Shape 167"/>
         <p:cNvGrpSpPr/>
         <p:nvPr/>
       </p:nvGrpSpPr>
@@ -1614,9 +1677,11 @@
       <p:sp>
         <p:nvSpPr>
           <p:cNvPr id="168" name="Google Shape;168;g5e1992ecfa_4_2:notes"/>
-          <p:cNvSpPr/>
+          <p:cNvSpPr>
+            <a:spLocks noGrp="1" noRot="1" noChangeAspect="1"/>
+          </p:cNvSpPr>
           <p:nvPr>
-            <p:ph idx="2" type="sldImg"/>
+            <p:ph type="sldImg" idx="2"/>
           </p:nvPr>
         </p:nvSpPr>
         <p:spPr>
@@ -1625,9 +1690,13 @@
             <a:ext cx="6096000" cy="3429000"/>
           </a:xfrm>
           <a:custGeom>
-            <a:rect b="b" l="l" r="r" t="t"/>
+            <a:avLst/>
+            <a:gdLst/>
+            <a:ahLst/>
+            <a:cxnLst/>
+            <a:rect l="l" t="t" r="r" b="b"/>
             <a:pathLst>
-              <a:path extrusionOk="0" h="120000" w="120000">
+              <a:path w="120000" h="120000" extrusionOk="0">
                 <a:moveTo>
                   <a:pt x="0" y="0"/>
                 </a:moveTo>
@@ -1649,9 +1718,11 @@
       <p:sp>
         <p:nvSpPr>
           <p:cNvPr id="169" name="Google Shape;169;g5e1992ecfa_4_2:notes"/>
-          <p:cNvSpPr txBox="1"/>
+          <p:cNvSpPr txBox="1">
+            <a:spLocks noGrp="1"/>
+          </p:cNvSpPr>
           <p:nvPr>
-            <p:ph idx="1" type="body"/>
+            <p:ph type="body" idx="1"/>
           </p:nvPr>
         </p:nvSpPr>
         <p:spPr>
@@ -1664,12 +1735,12 @@
           </a:prstGeom>
         </p:spPr>
         <p:txBody>
-          <a:bodyPr anchorCtr="0" anchor="t" bIns="91425" lIns="91425" spcFirstLastPara="1" rIns="91425" wrap="square" tIns="91425">
+          <a:bodyPr spcFirstLastPara="1" wrap="square" lIns="91425" tIns="91425" rIns="91425" bIns="91425" anchor="t" anchorCtr="0">
             <a:noAutofit/>
           </a:bodyPr>
           <a:lstStyle/>
           <a:p>
-            <a:pPr indent="0" lvl="0" marL="0" rtl="0" algn="l">
+            <a:pPr marL="0" lvl="0" indent="0" algn="l" rtl="0">
               <a:spcBef>
                 <a:spcPts val="0"/>
               </a:spcBef>
@@ -1678,9 +1749,6 @@
               </a:spcAft>
               <a:buNone/>
             </a:pPr>
-            <a:r>
-              <a:t/>
-            </a:r>
             <a:endParaRPr/>
           </a:p>
         </p:txBody>
@@ -1694,11 +1762,11 @@
 </file>
 
 <file path=ppt/notesSlides/notesSlide2.xml><?xml version="1.0" encoding="utf-8"?>
-<p:notes xmlns:a="http://schemas.openxmlformats.org/drawingml/2006/main" xmlns:r="http://schemas.openxmlformats.org/officeDocument/2006/relationships" xmlns:mc="http://schemas.openxmlformats.org/markup-compatibility/2006" xmlns:mv="urn:schemas-microsoft-com:mac:vml" xmlns:p="http://schemas.openxmlformats.org/presentationml/2006/main" xmlns:c="http://schemas.openxmlformats.org/drawingml/2006/chart" xmlns:dgm="http://schemas.openxmlformats.org/drawingml/2006/diagram" xmlns:o="urn:schemas-microsoft-com:office:office" xmlns:v="urn:schemas-microsoft-com:vml" xmlns:pvml="urn:schemas-microsoft-com:office:powerpoint" xmlns:com="http://schemas.openxmlformats.org/drawingml/2006/compatibility" xmlns:p14="http://schemas.microsoft.com/office/powerpoint/2010/main" xmlns:p15="http://schemas.microsoft.com/office/powerpoint/2012/main" showMasterPhAnim="0" showMasterSp="0">
+<p:notes xmlns:a="http://schemas.openxmlformats.org/drawingml/2006/main" xmlns:r="http://schemas.openxmlformats.org/officeDocument/2006/relationships" xmlns:p="http://schemas.openxmlformats.org/presentationml/2006/main" showMasterSp="0" showMasterPhAnim="0">
   <p:cSld>
     <p:spTree>
       <p:nvGrpSpPr>
-        <p:cNvPr id="57" name="Shape 57"/>
+        <p:cNvPr id="1" name="Shape 57"/>
         <p:cNvGrpSpPr/>
         <p:nvPr/>
       </p:nvGrpSpPr>
@@ -1713,9 +1781,11 @@
       <p:sp>
         <p:nvSpPr>
           <p:cNvPr id="58" name="Google Shape;58;g5e15bb4503_0_106:notes"/>
-          <p:cNvSpPr/>
+          <p:cNvSpPr>
+            <a:spLocks noGrp="1" noRot="1" noChangeAspect="1"/>
+          </p:cNvSpPr>
           <p:nvPr>
-            <p:ph idx="2" type="sldImg"/>
+            <p:ph type="sldImg" idx="2"/>
           </p:nvPr>
         </p:nvSpPr>
         <p:spPr>
@@ -1724,9 +1794,13 @@
             <a:ext cx="6096000" cy="3429000"/>
           </a:xfrm>
           <a:custGeom>
-            <a:rect b="b" l="l" r="r" t="t"/>
+            <a:avLst/>
+            <a:gdLst/>
+            <a:ahLst/>
+            <a:cxnLst/>
+            <a:rect l="l" t="t" r="r" b="b"/>
             <a:pathLst>
-              <a:path extrusionOk="0" h="120000" w="120000">
+              <a:path w="120000" h="120000" extrusionOk="0">
                 <a:moveTo>
                   <a:pt x="0" y="0"/>
                 </a:moveTo>
@@ -1748,9 +1822,11 @@
       <p:sp>
         <p:nvSpPr>
           <p:cNvPr id="59" name="Google Shape;59;g5e15bb4503_0_106:notes"/>
-          <p:cNvSpPr txBox="1"/>
+          <p:cNvSpPr txBox="1">
+            <a:spLocks noGrp="1"/>
+          </p:cNvSpPr>
           <p:nvPr>
-            <p:ph idx="1" type="body"/>
+            <p:ph type="body" idx="1"/>
           </p:nvPr>
         </p:nvSpPr>
         <p:spPr>
@@ -1763,12 +1839,12 @@
           </a:prstGeom>
         </p:spPr>
         <p:txBody>
-          <a:bodyPr anchorCtr="0" anchor="t" bIns="91425" lIns="91425" spcFirstLastPara="1" rIns="91425" wrap="square" tIns="91425">
+          <a:bodyPr spcFirstLastPara="1" wrap="square" lIns="91425" tIns="91425" rIns="91425" bIns="91425" anchor="t" anchorCtr="0">
             <a:noAutofit/>
           </a:bodyPr>
           <a:lstStyle/>
           <a:p>
-            <a:pPr indent="0" lvl="0" marL="0" rtl="0" algn="l">
+            <a:pPr marL="0" lvl="0" indent="0" algn="l" rtl="0">
               <a:spcBef>
                 <a:spcPts val="0"/>
               </a:spcBef>
@@ -1777,9 +1853,6 @@
               </a:spcAft>
               <a:buNone/>
             </a:pPr>
-            <a:r>
-              <a:t/>
-            </a:r>
             <a:endParaRPr/>
           </a:p>
         </p:txBody>
@@ -1793,11 +1866,11 @@
 </file>
 
 <file path=ppt/notesSlides/notesSlide3.xml><?xml version="1.0" encoding="utf-8"?>
-<p:notes xmlns:a="http://schemas.openxmlformats.org/drawingml/2006/main" xmlns:r="http://schemas.openxmlformats.org/officeDocument/2006/relationships" xmlns:mc="http://schemas.openxmlformats.org/markup-compatibility/2006" xmlns:mv="urn:schemas-microsoft-com:mac:vml" xmlns:p="http://schemas.openxmlformats.org/presentationml/2006/main" xmlns:c="http://schemas.openxmlformats.org/drawingml/2006/chart" xmlns:dgm="http://schemas.openxmlformats.org/drawingml/2006/diagram" xmlns:o="urn:schemas-microsoft-com:office:office" xmlns:v="urn:schemas-microsoft-com:vml" xmlns:pvml="urn:schemas-microsoft-com:office:powerpoint" xmlns:com="http://schemas.openxmlformats.org/drawingml/2006/compatibility" xmlns:p14="http://schemas.microsoft.com/office/powerpoint/2010/main" xmlns:p15="http://schemas.microsoft.com/office/powerpoint/2012/main" showMasterPhAnim="0" showMasterSp="0">
+<p:notes xmlns:a="http://schemas.openxmlformats.org/drawingml/2006/main" xmlns:r="http://schemas.openxmlformats.org/officeDocument/2006/relationships" xmlns:p="http://schemas.openxmlformats.org/presentationml/2006/main" showMasterSp="0" showMasterPhAnim="0">
   <p:cSld>
     <p:spTree>
       <p:nvGrpSpPr>
-        <p:cNvPr id="63" name="Shape 63"/>
+        <p:cNvPr id="1" name="Shape 63"/>
         <p:cNvGrpSpPr/>
         <p:nvPr/>
       </p:nvGrpSpPr>
@@ -1812,9 +1885,11 @@
       <p:sp>
         <p:nvSpPr>
           <p:cNvPr id="64" name="Google Shape;64;g5e15bb4503_0_112:notes"/>
-          <p:cNvSpPr/>
+          <p:cNvSpPr>
+            <a:spLocks noGrp="1" noRot="1" noChangeAspect="1"/>
+          </p:cNvSpPr>
           <p:nvPr>
-            <p:ph idx="2" type="sldImg"/>
+            <p:ph type="sldImg" idx="2"/>
           </p:nvPr>
         </p:nvSpPr>
         <p:spPr>
@@ -1823,9 +1898,13 @@
             <a:ext cx="6096000" cy="3429000"/>
           </a:xfrm>
           <a:custGeom>
-            <a:rect b="b" l="l" r="r" t="t"/>
+            <a:avLst/>
+            <a:gdLst/>
+            <a:ahLst/>
+            <a:cxnLst/>
+            <a:rect l="l" t="t" r="r" b="b"/>
             <a:pathLst>
-              <a:path extrusionOk="0" h="120000" w="120000">
+              <a:path w="120000" h="120000" extrusionOk="0">
                 <a:moveTo>
                   <a:pt x="0" y="0"/>
                 </a:moveTo>
@@ -1847,9 +1926,11 @@
       <p:sp>
         <p:nvSpPr>
           <p:cNvPr id="65" name="Google Shape;65;g5e15bb4503_0_112:notes"/>
-          <p:cNvSpPr txBox="1"/>
+          <p:cNvSpPr txBox="1">
+            <a:spLocks noGrp="1"/>
+          </p:cNvSpPr>
           <p:nvPr>
-            <p:ph idx="1" type="body"/>
+            <p:ph type="body" idx="1"/>
           </p:nvPr>
         </p:nvSpPr>
         <p:spPr>
@@ -1862,12 +1943,12 @@
           </a:prstGeom>
         </p:spPr>
         <p:txBody>
-          <a:bodyPr anchorCtr="0" anchor="t" bIns="91425" lIns="91425" spcFirstLastPara="1" rIns="91425" wrap="square" tIns="91425">
+          <a:bodyPr spcFirstLastPara="1" wrap="square" lIns="91425" tIns="91425" rIns="91425" bIns="91425" anchor="t" anchorCtr="0">
             <a:noAutofit/>
           </a:bodyPr>
           <a:lstStyle/>
           <a:p>
-            <a:pPr indent="0" lvl="0" marL="0" rtl="0" algn="l">
+            <a:pPr marL="0" lvl="0" indent="0" algn="l" rtl="0">
               <a:spcBef>
                 <a:spcPts val="0"/>
               </a:spcBef>
@@ -1876,9 +1957,6 @@
               </a:spcAft>
               <a:buNone/>
             </a:pPr>
-            <a:r>
-              <a:t/>
-            </a:r>
             <a:endParaRPr/>
           </a:p>
         </p:txBody>
@@ -1892,11 +1970,11 @@
 </file>
 
 <file path=ppt/notesSlides/notesSlide4.xml><?xml version="1.0" encoding="utf-8"?>
-<p:notes xmlns:a="http://schemas.openxmlformats.org/drawingml/2006/main" xmlns:r="http://schemas.openxmlformats.org/officeDocument/2006/relationships" xmlns:mc="http://schemas.openxmlformats.org/markup-compatibility/2006" xmlns:mv="urn:schemas-microsoft-com:mac:vml" xmlns:p="http://schemas.openxmlformats.org/presentationml/2006/main" xmlns:c="http://schemas.openxmlformats.org/drawingml/2006/chart" xmlns:dgm="http://schemas.openxmlformats.org/drawingml/2006/diagram" xmlns:o="urn:schemas-microsoft-com:office:office" xmlns:v="urn:schemas-microsoft-com:vml" xmlns:pvml="urn:schemas-microsoft-com:office:powerpoint" xmlns:com="http://schemas.openxmlformats.org/drawingml/2006/compatibility" xmlns:p14="http://schemas.microsoft.com/office/powerpoint/2010/main" xmlns:p15="http://schemas.microsoft.com/office/powerpoint/2012/main" showMasterPhAnim="0" showMasterSp="0">
+<p:notes xmlns:a="http://schemas.openxmlformats.org/drawingml/2006/main" xmlns:r="http://schemas.openxmlformats.org/officeDocument/2006/relationships" xmlns:p="http://schemas.openxmlformats.org/presentationml/2006/main" showMasterSp="0" showMasterPhAnim="0">
   <p:cSld>
     <p:spTree>
       <p:nvGrpSpPr>
-        <p:cNvPr id="69" name="Shape 69"/>
+        <p:cNvPr id="1" name="Shape 69"/>
         <p:cNvGrpSpPr/>
         <p:nvPr/>
       </p:nvGrpSpPr>
@@ -1911,9 +1989,11 @@
       <p:sp>
         <p:nvSpPr>
           <p:cNvPr id="70" name="Google Shape;70;g5e1992ecfa_4_7:notes"/>
-          <p:cNvSpPr/>
+          <p:cNvSpPr>
+            <a:spLocks noGrp="1" noRot="1" noChangeAspect="1"/>
+          </p:cNvSpPr>
           <p:nvPr>
-            <p:ph idx="2" type="sldImg"/>
+            <p:ph type="sldImg" idx="2"/>
           </p:nvPr>
         </p:nvSpPr>
         <p:spPr>
@@ -1922,9 +2002,13 @@
             <a:ext cx="6096000" cy="3429000"/>
           </a:xfrm>
           <a:custGeom>
-            <a:rect b="b" l="l" r="r" t="t"/>
+            <a:avLst/>
+            <a:gdLst/>
+            <a:ahLst/>
+            <a:cxnLst/>
+            <a:rect l="l" t="t" r="r" b="b"/>
             <a:pathLst>
-              <a:path extrusionOk="0" h="120000" w="120000">
+              <a:path w="120000" h="120000" extrusionOk="0">
                 <a:moveTo>
                   <a:pt x="0" y="0"/>
                 </a:moveTo>
@@ -1946,9 +2030,11 @@
       <p:sp>
         <p:nvSpPr>
           <p:cNvPr id="71" name="Google Shape;71;g5e1992ecfa_4_7:notes"/>
-          <p:cNvSpPr txBox="1"/>
+          <p:cNvSpPr txBox="1">
+            <a:spLocks noGrp="1"/>
+          </p:cNvSpPr>
           <p:nvPr>
-            <p:ph idx="1" type="body"/>
+            <p:ph type="body" idx="1"/>
           </p:nvPr>
         </p:nvSpPr>
         <p:spPr>
@@ -1961,12 +2047,12 @@
           </a:prstGeom>
         </p:spPr>
         <p:txBody>
-          <a:bodyPr anchorCtr="0" anchor="t" bIns="91425" lIns="91425" spcFirstLastPara="1" rIns="91425" wrap="square" tIns="91425">
+          <a:bodyPr spcFirstLastPara="1" wrap="square" lIns="91425" tIns="91425" rIns="91425" bIns="91425" anchor="t" anchorCtr="0">
             <a:noAutofit/>
           </a:bodyPr>
           <a:lstStyle/>
           <a:p>
-            <a:pPr indent="0" lvl="0" marL="0" rtl="0" algn="l">
+            <a:pPr marL="0" lvl="0" indent="0" algn="l" rtl="0">
               <a:spcBef>
                 <a:spcPts val="0"/>
               </a:spcBef>
@@ -1975,9 +2061,6 @@
               </a:spcAft>
               <a:buNone/>
             </a:pPr>
-            <a:r>
-              <a:t/>
-            </a:r>
             <a:endParaRPr/>
           </a:p>
         </p:txBody>
@@ -1991,11 +2074,11 @@
 </file>
 
 <file path=ppt/notesSlides/notesSlide5.xml><?xml version="1.0" encoding="utf-8"?>
-<p:notes xmlns:a="http://schemas.openxmlformats.org/drawingml/2006/main" xmlns:r="http://schemas.openxmlformats.org/officeDocument/2006/relationships" xmlns:mc="http://schemas.openxmlformats.org/markup-compatibility/2006" xmlns:mv="urn:schemas-microsoft-com:mac:vml" xmlns:p="http://schemas.openxmlformats.org/presentationml/2006/main" xmlns:c="http://schemas.openxmlformats.org/drawingml/2006/chart" xmlns:dgm="http://schemas.openxmlformats.org/drawingml/2006/diagram" xmlns:o="urn:schemas-microsoft-com:office:office" xmlns:v="urn:schemas-microsoft-com:vml" xmlns:pvml="urn:schemas-microsoft-com:office:powerpoint" xmlns:com="http://schemas.openxmlformats.org/drawingml/2006/compatibility" xmlns:p14="http://schemas.microsoft.com/office/powerpoint/2010/main" xmlns:p15="http://schemas.microsoft.com/office/powerpoint/2012/main" showMasterPhAnim="0" showMasterSp="0">
+<p:notes xmlns:a="http://schemas.openxmlformats.org/drawingml/2006/main" xmlns:r="http://schemas.openxmlformats.org/officeDocument/2006/relationships" xmlns:p="http://schemas.openxmlformats.org/presentationml/2006/main" showMasterSp="0" showMasterPhAnim="0">
   <p:cSld>
     <p:spTree>
       <p:nvGrpSpPr>
-        <p:cNvPr id="77" name="Shape 77"/>
+        <p:cNvPr id="1" name="Shape 77"/>
         <p:cNvGrpSpPr/>
         <p:nvPr/>
       </p:nvGrpSpPr>
@@ -2010,9 +2093,11 @@
       <p:sp>
         <p:nvSpPr>
           <p:cNvPr id="78" name="Google Shape;78;g5e1992ecfa_4_14:notes"/>
-          <p:cNvSpPr/>
+          <p:cNvSpPr>
+            <a:spLocks noGrp="1" noRot="1" noChangeAspect="1"/>
+          </p:cNvSpPr>
           <p:nvPr>
-            <p:ph idx="2" type="sldImg"/>
+            <p:ph type="sldImg" idx="2"/>
           </p:nvPr>
         </p:nvSpPr>
         <p:spPr>
@@ -2021,9 +2106,13 @@
             <a:ext cx="6096000" cy="3429000"/>
           </a:xfrm>
           <a:custGeom>
-            <a:rect b="b" l="l" r="r" t="t"/>
+            <a:avLst/>
+            <a:gdLst/>
+            <a:ahLst/>
+            <a:cxnLst/>
+            <a:rect l="l" t="t" r="r" b="b"/>
             <a:pathLst>
-              <a:path extrusionOk="0" h="120000" w="120000">
+              <a:path w="120000" h="120000" extrusionOk="0">
                 <a:moveTo>
                   <a:pt x="0" y="0"/>
                 </a:moveTo>
@@ -2045,9 +2134,11 @@
       <p:sp>
         <p:nvSpPr>
           <p:cNvPr id="79" name="Google Shape;79;g5e1992ecfa_4_14:notes"/>
-          <p:cNvSpPr txBox="1"/>
+          <p:cNvSpPr txBox="1">
+            <a:spLocks noGrp="1"/>
+          </p:cNvSpPr>
           <p:nvPr>
-            <p:ph idx="1" type="body"/>
+            <p:ph type="body" idx="1"/>
           </p:nvPr>
         </p:nvSpPr>
         <p:spPr>
@@ -2060,12 +2151,12 @@
           </a:prstGeom>
         </p:spPr>
         <p:txBody>
-          <a:bodyPr anchorCtr="0" anchor="t" bIns="91425" lIns="91425" spcFirstLastPara="1" rIns="91425" wrap="square" tIns="91425">
+          <a:bodyPr spcFirstLastPara="1" wrap="square" lIns="91425" tIns="91425" rIns="91425" bIns="91425" anchor="t" anchorCtr="0">
             <a:noAutofit/>
           </a:bodyPr>
           <a:lstStyle/>
           <a:p>
-            <a:pPr indent="0" lvl="0" marL="0" rtl="0" algn="l">
+            <a:pPr marL="0" lvl="0" indent="0" algn="l" rtl="0">
               <a:spcBef>
                 <a:spcPts val="0"/>
               </a:spcBef>
@@ -2074,9 +2165,6 @@
               </a:spcAft>
               <a:buNone/>
             </a:pPr>
-            <a:r>
-              <a:t/>
-            </a:r>
             <a:endParaRPr/>
           </a:p>
         </p:txBody>
@@ -2090,11 +2178,11 @@
 </file>
 
 <file path=ppt/notesSlides/notesSlide6.xml><?xml version="1.0" encoding="utf-8"?>
-<p:notes xmlns:a="http://schemas.openxmlformats.org/drawingml/2006/main" xmlns:r="http://schemas.openxmlformats.org/officeDocument/2006/relationships" xmlns:mc="http://schemas.openxmlformats.org/markup-compatibility/2006" xmlns:mv="urn:schemas-microsoft-com:mac:vml" xmlns:p="http://schemas.openxmlformats.org/presentationml/2006/main" xmlns:c="http://schemas.openxmlformats.org/drawingml/2006/chart" xmlns:dgm="http://schemas.openxmlformats.org/drawingml/2006/diagram" xmlns:o="urn:schemas-microsoft-com:office:office" xmlns:v="urn:schemas-microsoft-com:vml" xmlns:pvml="urn:schemas-microsoft-com:office:powerpoint" xmlns:com="http://schemas.openxmlformats.org/drawingml/2006/compatibility" xmlns:p14="http://schemas.microsoft.com/office/powerpoint/2010/main" xmlns:p15="http://schemas.microsoft.com/office/powerpoint/2012/main" showMasterPhAnim="0" showMasterSp="0">
+<p:notes xmlns:a="http://schemas.openxmlformats.org/drawingml/2006/main" xmlns:r="http://schemas.openxmlformats.org/officeDocument/2006/relationships" xmlns:p="http://schemas.openxmlformats.org/presentationml/2006/main" showMasterSp="0" showMasterPhAnim="0">
   <p:cSld>
     <p:spTree>
       <p:nvGrpSpPr>
-        <p:cNvPr id="83" name="Shape 83"/>
+        <p:cNvPr id="1" name="Shape 83"/>
         <p:cNvGrpSpPr/>
         <p:nvPr/>
       </p:nvGrpSpPr>
@@ -2109,9 +2197,11 @@
       <p:sp>
         <p:nvSpPr>
           <p:cNvPr id="84" name="Google Shape;84;g5e1992ecfa_4_20:notes"/>
-          <p:cNvSpPr/>
+          <p:cNvSpPr>
+            <a:spLocks noGrp="1" noRot="1" noChangeAspect="1"/>
+          </p:cNvSpPr>
           <p:nvPr>
-            <p:ph idx="2" type="sldImg"/>
+            <p:ph type="sldImg" idx="2"/>
           </p:nvPr>
         </p:nvSpPr>
         <p:spPr>
@@ -2120,9 +2210,13 @@
             <a:ext cx="6096000" cy="3429000"/>
           </a:xfrm>
           <a:custGeom>
-            <a:rect b="b" l="l" r="r" t="t"/>
+            <a:avLst/>
+            <a:gdLst/>
+            <a:ahLst/>
+            <a:cxnLst/>
+            <a:rect l="l" t="t" r="r" b="b"/>
             <a:pathLst>
-              <a:path extrusionOk="0" h="120000" w="120000">
+              <a:path w="120000" h="120000" extrusionOk="0">
                 <a:moveTo>
                   <a:pt x="0" y="0"/>
                 </a:moveTo>
@@ -2144,9 +2238,11 @@
       <p:sp>
         <p:nvSpPr>
           <p:cNvPr id="85" name="Google Shape;85;g5e1992ecfa_4_20:notes"/>
-          <p:cNvSpPr txBox="1"/>
+          <p:cNvSpPr txBox="1">
+            <a:spLocks noGrp="1"/>
+          </p:cNvSpPr>
           <p:nvPr>
-            <p:ph idx="1" type="body"/>
+            <p:ph type="body" idx="1"/>
           </p:nvPr>
         </p:nvSpPr>
         <p:spPr>
@@ -2159,12 +2255,12 @@
           </a:prstGeom>
         </p:spPr>
         <p:txBody>
-          <a:bodyPr anchorCtr="0" anchor="t" bIns="91425" lIns="91425" spcFirstLastPara="1" rIns="91425" wrap="square" tIns="91425">
+          <a:bodyPr spcFirstLastPara="1" wrap="square" lIns="91425" tIns="91425" rIns="91425" bIns="91425" anchor="t" anchorCtr="0">
             <a:noAutofit/>
           </a:bodyPr>
           <a:lstStyle/>
           <a:p>
-            <a:pPr indent="0" lvl="0" marL="0" rtl="0" algn="l">
+            <a:pPr marL="0" lvl="0" indent="0" algn="l" rtl="0">
               <a:spcBef>
                 <a:spcPts val="0"/>
               </a:spcBef>
@@ -2173,9 +2269,6 @@
               </a:spcAft>
               <a:buNone/>
             </a:pPr>
-            <a:r>
-              <a:t/>
-            </a:r>
             <a:endParaRPr/>
           </a:p>
         </p:txBody>
@@ -2189,11 +2282,11 @@
 </file>
 
 <file path=ppt/notesSlides/notesSlide7.xml><?xml version="1.0" encoding="utf-8"?>
-<p:notes xmlns:a="http://schemas.openxmlformats.org/drawingml/2006/main" xmlns:r="http://schemas.openxmlformats.org/officeDocument/2006/relationships" xmlns:mc="http://schemas.openxmlformats.org/markup-compatibility/2006" xmlns:mv="urn:schemas-microsoft-com:mac:vml" xmlns:p="http://schemas.openxmlformats.org/presentationml/2006/main" xmlns:c="http://schemas.openxmlformats.org/drawingml/2006/chart" xmlns:dgm="http://schemas.openxmlformats.org/drawingml/2006/diagram" xmlns:o="urn:schemas-microsoft-com:office:office" xmlns:v="urn:schemas-microsoft-com:vml" xmlns:pvml="urn:schemas-microsoft-com:office:powerpoint" xmlns:com="http://schemas.openxmlformats.org/drawingml/2006/compatibility" xmlns:p14="http://schemas.microsoft.com/office/powerpoint/2010/main" xmlns:p15="http://schemas.microsoft.com/office/powerpoint/2012/main" showMasterPhAnim="0" showMasterSp="0">
+<p:notes xmlns:a="http://schemas.openxmlformats.org/drawingml/2006/main" xmlns:r="http://schemas.openxmlformats.org/officeDocument/2006/relationships" xmlns:p="http://schemas.openxmlformats.org/presentationml/2006/main" showMasterSp="0" showMasterPhAnim="0">
   <p:cSld>
     <p:spTree>
       <p:nvGrpSpPr>
-        <p:cNvPr id="93" name="Shape 93"/>
+        <p:cNvPr id="1" name="Shape 93"/>
         <p:cNvGrpSpPr/>
         <p:nvPr/>
       </p:nvGrpSpPr>
@@ -2208,9 +2301,11 @@
       <p:sp>
         <p:nvSpPr>
           <p:cNvPr id="94" name="Google Shape;94;g5e1992ecfa_4_30:notes"/>
-          <p:cNvSpPr/>
+          <p:cNvSpPr>
+            <a:spLocks noGrp="1" noRot="1" noChangeAspect="1"/>
+          </p:cNvSpPr>
           <p:nvPr>
-            <p:ph idx="2" type="sldImg"/>
+            <p:ph type="sldImg" idx="2"/>
           </p:nvPr>
         </p:nvSpPr>
         <p:spPr>
@@ -2219,9 +2314,13 @@
             <a:ext cx="6096000" cy="3429000"/>
           </a:xfrm>
           <a:custGeom>
-            <a:rect b="b" l="l" r="r" t="t"/>
+            <a:avLst/>
+            <a:gdLst/>
+            <a:ahLst/>
+            <a:cxnLst/>
+            <a:rect l="l" t="t" r="r" b="b"/>
             <a:pathLst>
-              <a:path extrusionOk="0" h="120000" w="120000">
+              <a:path w="120000" h="120000" extrusionOk="0">
                 <a:moveTo>
                   <a:pt x="0" y="0"/>
                 </a:moveTo>
@@ -2243,9 +2342,11 @@
       <p:sp>
         <p:nvSpPr>
           <p:cNvPr id="95" name="Google Shape;95;g5e1992ecfa_4_30:notes"/>
-          <p:cNvSpPr txBox="1"/>
+          <p:cNvSpPr txBox="1">
+            <a:spLocks noGrp="1"/>
+          </p:cNvSpPr>
           <p:nvPr>
-            <p:ph idx="1" type="body"/>
+            <p:ph type="body" idx="1"/>
           </p:nvPr>
         </p:nvSpPr>
         <p:spPr>
@@ -2258,12 +2359,12 @@
           </a:prstGeom>
         </p:spPr>
         <p:txBody>
-          <a:bodyPr anchorCtr="0" anchor="t" bIns="91425" lIns="91425" spcFirstLastPara="1" rIns="91425" wrap="square" tIns="91425">
+          <a:bodyPr spcFirstLastPara="1" wrap="square" lIns="91425" tIns="91425" rIns="91425" bIns="91425" anchor="t" anchorCtr="0">
             <a:noAutofit/>
           </a:bodyPr>
           <a:lstStyle/>
           <a:p>
-            <a:pPr indent="0" lvl="0" marL="0" rtl="0" algn="l">
+            <a:pPr marL="0" lvl="0" indent="0" algn="l" rtl="0">
               <a:spcBef>
                 <a:spcPts val="0"/>
               </a:spcBef>
@@ -2272,9 +2373,6 @@
               </a:spcAft>
               <a:buNone/>
             </a:pPr>
-            <a:r>
-              <a:t/>
-            </a:r>
             <a:endParaRPr/>
           </a:p>
         </p:txBody>
@@ -2288,11 +2386,11 @@
 </file>
 
 <file path=ppt/notesSlides/notesSlide8.xml><?xml version="1.0" encoding="utf-8"?>
-<p:notes xmlns:a="http://schemas.openxmlformats.org/drawingml/2006/main" xmlns:r="http://schemas.openxmlformats.org/officeDocument/2006/relationships" xmlns:mc="http://schemas.openxmlformats.org/markup-compatibility/2006" xmlns:mv="urn:schemas-microsoft-com:mac:vml" xmlns:p="http://schemas.openxmlformats.org/presentationml/2006/main" xmlns:c="http://schemas.openxmlformats.org/drawingml/2006/chart" xmlns:dgm="http://schemas.openxmlformats.org/drawingml/2006/diagram" xmlns:o="urn:schemas-microsoft-com:office:office" xmlns:v="urn:schemas-microsoft-com:vml" xmlns:pvml="urn:schemas-microsoft-com:office:powerpoint" xmlns:com="http://schemas.openxmlformats.org/drawingml/2006/compatibility" xmlns:p14="http://schemas.microsoft.com/office/powerpoint/2010/main" xmlns:p15="http://schemas.microsoft.com/office/powerpoint/2012/main" showMasterPhAnim="0" showMasterSp="0">
+<p:notes xmlns:a="http://schemas.openxmlformats.org/drawingml/2006/main" xmlns:r="http://schemas.openxmlformats.org/officeDocument/2006/relationships" xmlns:p="http://schemas.openxmlformats.org/presentationml/2006/main" showMasterSp="0" showMasterPhAnim="0">
   <p:cSld>
     <p:spTree>
       <p:nvGrpSpPr>
-        <p:cNvPr id="101" name="Shape 101"/>
+        <p:cNvPr id="1" name="Shape 101"/>
         <p:cNvGrpSpPr/>
         <p:nvPr/>
       </p:nvGrpSpPr>
@@ -2307,9 +2405,11 @@
       <p:sp>
         <p:nvSpPr>
           <p:cNvPr id="102" name="Google Shape;102;g5e1992ecfa_4_38:notes"/>
-          <p:cNvSpPr/>
+          <p:cNvSpPr>
+            <a:spLocks noGrp="1" noRot="1" noChangeAspect="1"/>
+          </p:cNvSpPr>
           <p:nvPr>
-            <p:ph idx="2" type="sldImg"/>
+            <p:ph type="sldImg" idx="2"/>
           </p:nvPr>
         </p:nvSpPr>
         <p:spPr>
@@ -2318,9 +2418,13 @@
             <a:ext cx="6096000" cy="3429000"/>
           </a:xfrm>
           <a:custGeom>
-            <a:rect b="b" l="l" r="r" t="t"/>
+            <a:avLst/>
+            <a:gdLst/>
+            <a:ahLst/>
+            <a:cxnLst/>
+            <a:rect l="l" t="t" r="r" b="b"/>
             <a:pathLst>
-              <a:path extrusionOk="0" h="120000" w="120000">
+              <a:path w="120000" h="120000" extrusionOk="0">
                 <a:moveTo>
                   <a:pt x="0" y="0"/>
                 </a:moveTo>
@@ -2342,9 +2446,11 @@
       <p:sp>
         <p:nvSpPr>
           <p:cNvPr id="103" name="Google Shape;103;g5e1992ecfa_4_38:notes"/>
-          <p:cNvSpPr txBox="1"/>
+          <p:cNvSpPr txBox="1">
+            <a:spLocks noGrp="1"/>
+          </p:cNvSpPr>
           <p:nvPr>
-            <p:ph idx="1" type="body"/>
+            <p:ph type="body" idx="1"/>
           </p:nvPr>
         </p:nvSpPr>
         <p:spPr>
@@ -2357,12 +2463,12 @@
           </a:prstGeom>
         </p:spPr>
         <p:txBody>
-          <a:bodyPr anchorCtr="0" anchor="t" bIns="91425" lIns="91425" spcFirstLastPara="1" rIns="91425" wrap="square" tIns="91425">
+          <a:bodyPr spcFirstLastPara="1" wrap="square" lIns="91425" tIns="91425" rIns="91425" bIns="91425" anchor="t" anchorCtr="0">
             <a:noAutofit/>
           </a:bodyPr>
           <a:lstStyle/>
           <a:p>
-            <a:pPr indent="0" lvl="0" marL="0" rtl="0" algn="l">
+            <a:pPr marL="0" lvl="0" indent="0" algn="l" rtl="0">
               <a:spcBef>
                 <a:spcPts val="0"/>
               </a:spcBef>
@@ -2371,9 +2477,6 @@
               </a:spcAft>
               <a:buNone/>
             </a:pPr>
-            <a:r>
-              <a:t/>
-            </a:r>
             <a:endParaRPr/>
           </a:p>
         </p:txBody>
@@ -2387,11 +2490,11 @@
 </file>
 
 <file path=ppt/notesSlides/notesSlide9.xml><?xml version="1.0" encoding="utf-8"?>
-<p:notes xmlns:a="http://schemas.openxmlformats.org/drawingml/2006/main" xmlns:r="http://schemas.openxmlformats.org/officeDocument/2006/relationships" xmlns:mc="http://schemas.openxmlformats.org/markup-compatibility/2006" xmlns:mv="urn:schemas-microsoft-com:mac:vml" xmlns:p="http://schemas.openxmlformats.org/presentationml/2006/main" xmlns:c="http://schemas.openxmlformats.org/drawingml/2006/chart" xmlns:dgm="http://schemas.openxmlformats.org/drawingml/2006/diagram" xmlns:o="urn:schemas-microsoft-com:office:office" xmlns:v="urn:schemas-microsoft-com:vml" xmlns:pvml="urn:schemas-microsoft-com:office:powerpoint" xmlns:com="http://schemas.openxmlformats.org/drawingml/2006/compatibility" xmlns:p14="http://schemas.microsoft.com/office/powerpoint/2010/main" xmlns:p15="http://schemas.microsoft.com/office/powerpoint/2012/main" showMasterPhAnim="0" showMasterSp="0">
+<p:notes xmlns:a="http://schemas.openxmlformats.org/drawingml/2006/main" xmlns:r="http://schemas.openxmlformats.org/officeDocument/2006/relationships" xmlns:p="http://schemas.openxmlformats.org/presentationml/2006/main" showMasterSp="0" showMasterPhAnim="0">
   <p:cSld>
     <p:spTree>
       <p:nvGrpSpPr>
-        <p:cNvPr id="109" name="Shape 109"/>
+        <p:cNvPr id="1" name="Shape 109"/>
         <p:cNvGrpSpPr/>
         <p:nvPr/>
       </p:nvGrpSpPr>
@@ -2406,20 +2509,26 @@
       <p:sp>
         <p:nvSpPr>
           <p:cNvPr id="110" name="Google Shape;110;g5e1992ecfa_1_0:notes"/>
-          <p:cNvSpPr/>
+          <p:cNvSpPr>
+            <a:spLocks noGrp="1" noRot="1" noChangeAspect="1"/>
+          </p:cNvSpPr>
           <p:nvPr>
-            <p:ph idx="2" type="sldImg"/>
+            <p:ph type="sldImg" idx="2"/>
           </p:nvPr>
         </p:nvSpPr>
         <p:spPr>
           <a:xfrm>
-            <a:off x="381300" y="685800"/>
+            <a:off x="381000" y="685800"/>
             <a:ext cx="6096000" cy="3429000"/>
           </a:xfrm>
           <a:custGeom>
-            <a:rect b="b" l="l" r="r" t="t"/>
+            <a:avLst/>
+            <a:gdLst/>
+            <a:ahLst/>
+            <a:cxnLst/>
+            <a:rect l="l" t="t" r="r" b="b"/>
             <a:pathLst>
-              <a:path extrusionOk="0" h="120000" w="120000">
+              <a:path w="120000" h="120000" extrusionOk="0">
                 <a:moveTo>
                   <a:pt x="0" y="0"/>
                 </a:moveTo>
@@ -2441,9 +2550,11 @@
       <p:sp>
         <p:nvSpPr>
           <p:cNvPr id="111" name="Google Shape;111;g5e1992ecfa_1_0:notes"/>
-          <p:cNvSpPr txBox="1"/>
+          <p:cNvSpPr txBox="1">
+            <a:spLocks noGrp="1"/>
+          </p:cNvSpPr>
           <p:nvPr>
-            <p:ph idx="1" type="body"/>
+            <p:ph type="body" idx="1"/>
           </p:nvPr>
         </p:nvSpPr>
         <p:spPr>
@@ -2456,12 +2567,12 @@
           </a:prstGeom>
         </p:spPr>
         <p:txBody>
-          <a:bodyPr anchorCtr="0" anchor="t" bIns="91425" lIns="91425" spcFirstLastPara="1" rIns="91425" wrap="square" tIns="91425">
+          <a:bodyPr spcFirstLastPara="1" wrap="square" lIns="91425" tIns="91425" rIns="91425" bIns="91425" anchor="t" anchorCtr="0">
             <a:noAutofit/>
           </a:bodyPr>
           <a:lstStyle/>
           <a:p>
-            <a:pPr indent="0" lvl="0" marL="0" rtl="0" algn="l">
+            <a:pPr marL="0" lvl="0" indent="0" algn="l" rtl="0">
               <a:spcBef>
                 <a:spcPts val="0"/>
               </a:spcBef>
@@ -2470,9 +2581,6 @@
               </a:spcAft>
               <a:buNone/>
             </a:pPr>
-            <a:r>
-              <a:t/>
-            </a:r>
             <a:endParaRPr/>
           </a:p>
         </p:txBody>
@@ -2486,11 +2594,11 @@
 </file>
 
 <file path=ppt/slideLayouts/slideLayout1.xml><?xml version="1.0" encoding="utf-8"?>
-<p:sldLayout xmlns:a="http://schemas.openxmlformats.org/drawingml/2006/main" xmlns:r="http://schemas.openxmlformats.org/officeDocument/2006/relationships" xmlns:mc="http://schemas.openxmlformats.org/markup-compatibility/2006" xmlns:mv="urn:schemas-microsoft-com:mac:vml" xmlns:p="http://schemas.openxmlformats.org/presentationml/2006/main" xmlns:c="http://schemas.openxmlformats.org/drawingml/2006/chart" xmlns:dgm="http://schemas.openxmlformats.org/drawingml/2006/diagram" xmlns:o="urn:schemas-microsoft-com:office:office" xmlns:v="urn:schemas-microsoft-com:vml" xmlns:pvml="urn:schemas-microsoft-com:office:powerpoint" xmlns:com="http://schemas.openxmlformats.org/drawingml/2006/compatibility" xmlns:p14="http://schemas.microsoft.com/office/powerpoint/2010/main" xmlns:p15="http://schemas.microsoft.com/office/powerpoint/2012/main" matchingName="Title slide" type="title">
+<p:sldLayout xmlns:a="http://schemas.openxmlformats.org/drawingml/2006/main" xmlns:r="http://schemas.openxmlformats.org/officeDocument/2006/relationships" xmlns:p="http://schemas.openxmlformats.org/presentationml/2006/main" matchingName="Title slide" type="title">
   <p:cSld name="TITLE">
     <p:spTree>
       <p:nvGrpSpPr>
-        <p:cNvPr id="9" name="Shape 9"/>
+        <p:cNvPr id="1" name="Shape 9"/>
         <p:cNvGrpSpPr/>
         <p:nvPr/>
       </p:nvGrpSpPr>
@@ -2505,7 +2613,9 @@
       <p:sp>
         <p:nvSpPr>
           <p:cNvPr id="10" name="Google Shape;10;p2"/>
-          <p:cNvSpPr txBox="1"/>
+          <p:cNvSpPr txBox="1">
+            <a:spLocks noGrp="1"/>
+          </p:cNvSpPr>
           <p:nvPr>
             <p:ph type="ctrTitle"/>
           </p:nvPr>
@@ -2520,11 +2630,11 @@
           </a:prstGeom>
         </p:spPr>
         <p:txBody>
-          <a:bodyPr anchorCtr="0" anchor="b" bIns="91425" lIns="91425" spcFirstLastPara="1" rIns="91425" wrap="square" tIns="91425">
+          <a:bodyPr spcFirstLastPara="1" wrap="square" lIns="91425" tIns="91425" rIns="91425" bIns="91425" anchor="b" anchorCtr="0">
             <a:noAutofit/>
           </a:bodyPr>
           <a:lstStyle>
-            <a:lvl1pPr lvl="0" rtl="0" algn="ctr">
+            <a:lvl1pPr lvl="0" algn="ctr" rtl="0">
               <a:spcBef>
                 <a:spcPts val="0"/>
               </a:spcBef>
@@ -2535,7 +2645,7 @@
               <a:buNone/>
               <a:defRPr sz="5200"/>
             </a:lvl1pPr>
-            <a:lvl2pPr lvl="1" rtl="0" algn="ctr">
+            <a:lvl2pPr lvl="1" algn="ctr" rtl="0">
               <a:spcBef>
                 <a:spcPts val="0"/>
               </a:spcBef>
@@ -2546,7 +2656,7 @@
               <a:buNone/>
               <a:defRPr sz="5200"/>
             </a:lvl2pPr>
-            <a:lvl3pPr lvl="2" rtl="0" algn="ctr">
+            <a:lvl3pPr lvl="2" algn="ctr" rtl="0">
               <a:spcBef>
                 <a:spcPts val="0"/>
               </a:spcBef>
@@ -2557,7 +2667,7 @@
               <a:buNone/>
               <a:defRPr sz="5200"/>
             </a:lvl3pPr>
-            <a:lvl4pPr lvl="3" rtl="0" algn="ctr">
+            <a:lvl4pPr lvl="3" algn="ctr" rtl="0">
               <a:spcBef>
                 <a:spcPts val="0"/>
               </a:spcBef>
@@ -2568,7 +2678,7 @@
               <a:buNone/>
               <a:defRPr sz="5200"/>
             </a:lvl4pPr>
-            <a:lvl5pPr lvl="4" rtl="0" algn="ctr">
+            <a:lvl5pPr lvl="4" algn="ctr" rtl="0">
               <a:spcBef>
                 <a:spcPts val="0"/>
               </a:spcBef>
@@ -2579,7 +2689,7 @@
               <a:buNone/>
               <a:defRPr sz="5200"/>
             </a:lvl5pPr>
-            <a:lvl6pPr lvl="5" rtl="0" algn="ctr">
+            <a:lvl6pPr lvl="5" algn="ctr" rtl="0">
               <a:spcBef>
                 <a:spcPts val="0"/>
               </a:spcBef>
@@ -2590,7 +2700,7 @@
               <a:buNone/>
               <a:defRPr sz="5200"/>
             </a:lvl6pPr>
-            <a:lvl7pPr lvl="6" rtl="0" algn="ctr">
+            <a:lvl7pPr lvl="6" algn="ctr" rtl="0">
               <a:spcBef>
                 <a:spcPts val="0"/>
               </a:spcBef>
@@ -2601,7 +2711,7 @@
               <a:buNone/>
               <a:defRPr sz="5200"/>
             </a:lvl7pPr>
-            <a:lvl8pPr lvl="7" rtl="0" algn="ctr">
+            <a:lvl8pPr lvl="7" algn="ctr" rtl="0">
               <a:spcBef>
                 <a:spcPts val="0"/>
               </a:spcBef>
@@ -2612,7 +2722,7 @@
               <a:buNone/>
               <a:defRPr sz="5200"/>
             </a:lvl8pPr>
-            <a:lvl9pPr lvl="8" rtl="0" algn="ctr">
+            <a:lvl9pPr lvl="8" algn="ctr" rtl="0">
               <a:spcBef>
                 <a:spcPts val="0"/>
               </a:spcBef>
@@ -2624,15 +2734,19 @@
               <a:defRPr sz="5200"/>
             </a:lvl9pPr>
           </a:lstStyle>
-          <a:p/>
+          <a:p>
+            <a:endParaRPr/>
+          </a:p>
         </p:txBody>
       </p:sp>
       <p:sp>
         <p:nvSpPr>
           <p:cNvPr id="11" name="Google Shape;11;p2"/>
-          <p:cNvSpPr txBox="1"/>
+          <p:cNvSpPr txBox="1">
+            <a:spLocks noGrp="1"/>
+          </p:cNvSpPr>
           <p:nvPr>
-            <p:ph idx="1" type="subTitle"/>
+            <p:ph type="subTitle" idx="1"/>
           </p:nvPr>
         </p:nvSpPr>
         <p:spPr>
@@ -2645,11 +2759,11 @@
           </a:prstGeom>
         </p:spPr>
         <p:txBody>
-          <a:bodyPr anchorCtr="0" anchor="t" bIns="91425" lIns="91425" spcFirstLastPara="1" rIns="91425" wrap="square" tIns="91425">
+          <a:bodyPr spcFirstLastPara="1" wrap="square" lIns="91425" tIns="91425" rIns="91425" bIns="91425" anchor="t" anchorCtr="0">
             <a:noAutofit/>
           </a:bodyPr>
           <a:lstStyle>
-            <a:lvl1pPr lvl="0" rtl="0" algn="ctr">
+            <a:lvl1pPr lvl="0" algn="ctr" rtl="0">
               <a:lnSpc>
                 <a:spcPct val="100000"/>
               </a:lnSpc>
@@ -2663,7 +2777,7 @@
               <a:buNone/>
               <a:defRPr sz="2800"/>
             </a:lvl1pPr>
-            <a:lvl2pPr lvl="1" rtl="0" algn="ctr">
+            <a:lvl2pPr lvl="1" algn="ctr" rtl="0">
               <a:lnSpc>
                 <a:spcPct val="100000"/>
               </a:lnSpc>
@@ -2677,7 +2791,7 @@
               <a:buNone/>
               <a:defRPr sz="2800"/>
             </a:lvl2pPr>
-            <a:lvl3pPr lvl="2" rtl="0" algn="ctr">
+            <a:lvl3pPr lvl="2" algn="ctr" rtl="0">
               <a:lnSpc>
                 <a:spcPct val="100000"/>
               </a:lnSpc>
@@ -2691,7 +2805,7 @@
               <a:buNone/>
               <a:defRPr sz="2800"/>
             </a:lvl3pPr>
-            <a:lvl4pPr lvl="3" rtl="0" algn="ctr">
+            <a:lvl4pPr lvl="3" algn="ctr" rtl="0">
               <a:lnSpc>
                 <a:spcPct val="100000"/>
               </a:lnSpc>
@@ -2705,7 +2819,7 @@
               <a:buNone/>
               <a:defRPr sz="2800"/>
             </a:lvl4pPr>
-            <a:lvl5pPr lvl="4" rtl="0" algn="ctr">
+            <a:lvl5pPr lvl="4" algn="ctr" rtl="0">
               <a:lnSpc>
                 <a:spcPct val="100000"/>
               </a:lnSpc>
@@ -2719,7 +2833,7 @@
               <a:buNone/>
               <a:defRPr sz="2800"/>
             </a:lvl5pPr>
-            <a:lvl6pPr lvl="5" rtl="0" algn="ctr">
+            <a:lvl6pPr lvl="5" algn="ctr" rtl="0">
               <a:lnSpc>
                 <a:spcPct val="100000"/>
               </a:lnSpc>
@@ -2733,7 +2847,7 @@
               <a:buNone/>
               <a:defRPr sz="2800"/>
             </a:lvl6pPr>
-            <a:lvl7pPr lvl="6" rtl="0" algn="ctr">
+            <a:lvl7pPr lvl="6" algn="ctr" rtl="0">
               <a:lnSpc>
                 <a:spcPct val="100000"/>
               </a:lnSpc>
@@ -2747,7 +2861,7 @@
               <a:buNone/>
               <a:defRPr sz="2800"/>
             </a:lvl7pPr>
-            <a:lvl8pPr lvl="7" rtl="0" algn="ctr">
+            <a:lvl8pPr lvl="7" algn="ctr" rtl="0">
               <a:lnSpc>
                 <a:spcPct val="100000"/>
               </a:lnSpc>
@@ -2761,7 +2875,7 @@
               <a:buNone/>
               <a:defRPr sz="2800"/>
             </a:lvl8pPr>
-            <a:lvl9pPr lvl="8" rtl="0" algn="ctr">
+            <a:lvl9pPr lvl="8" algn="ctr" rtl="0">
               <a:lnSpc>
                 <a:spcPct val="100000"/>
               </a:lnSpc>
@@ -2776,15 +2890,19 @@
               <a:defRPr sz="2800"/>
             </a:lvl9pPr>
           </a:lstStyle>
-          <a:p/>
+          <a:p>
+            <a:endParaRPr/>
+          </a:p>
         </p:txBody>
       </p:sp>
       <p:sp>
         <p:nvSpPr>
           <p:cNvPr id="12" name="Google Shape;12;p2"/>
-          <p:cNvSpPr txBox="1"/>
+          <p:cNvSpPr txBox="1">
+            <a:spLocks noGrp="1"/>
+          </p:cNvSpPr>
           <p:nvPr>
-            <p:ph idx="12" type="sldNum"/>
+            <p:ph type="sldNum" idx="12"/>
           </p:nvPr>
         </p:nvSpPr>
         <p:spPr>
@@ -2797,7 +2915,7 @@
           </a:prstGeom>
         </p:spPr>
         <p:txBody>
-          <a:bodyPr anchorCtr="0" anchor="ctr" bIns="91425" lIns="91425" spcFirstLastPara="1" rIns="91425" wrap="square" tIns="91425">
+          <a:bodyPr spcFirstLastPara="1" wrap="square" lIns="91425" tIns="91425" rIns="91425" bIns="91425" anchor="ctr" anchorCtr="0">
             <a:noAutofit/>
           </a:bodyPr>
           <a:lstStyle>
@@ -2839,7 +2957,7 @@
             </a:lvl9pPr>
           </a:lstStyle>
           <a:p>
-            <a:pPr indent="0" lvl="0" marL="0" rtl="0" algn="r">
+            <a:pPr marL="0" lvl="0" indent="0" algn="r" rtl="0">
               <a:spcBef>
                 <a:spcPts val="0"/>
               </a:spcBef>
@@ -2865,11 +2983,11 @@
 </file>
 
 <file path=ppt/slideLayouts/slideLayout10.xml><?xml version="1.0" encoding="utf-8"?>
-<p:sldLayout xmlns:a="http://schemas.openxmlformats.org/drawingml/2006/main" xmlns:r="http://schemas.openxmlformats.org/officeDocument/2006/relationships" xmlns:mc="http://schemas.openxmlformats.org/markup-compatibility/2006" xmlns:mv="urn:schemas-microsoft-com:mac:vml" xmlns:p="http://schemas.openxmlformats.org/presentationml/2006/main" xmlns:c="http://schemas.openxmlformats.org/drawingml/2006/chart" xmlns:dgm="http://schemas.openxmlformats.org/drawingml/2006/diagram" xmlns:o="urn:schemas-microsoft-com:office:office" xmlns:v="urn:schemas-microsoft-com:vml" xmlns:pvml="urn:schemas-microsoft-com:office:powerpoint" xmlns:com="http://schemas.openxmlformats.org/drawingml/2006/compatibility" xmlns:p14="http://schemas.microsoft.com/office/powerpoint/2010/main" xmlns:p15="http://schemas.microsoft.com/office/powerpoint/2012/main" matchingName="Big number">
+<p:sldLayout xmlns:a="http://schemas.openxmlformats.org/drawingml/2006/main" xmlns:r="http://schemas.openxmlformats.org/officeDocument/2006/relationships" xmlns:p="http://schemas.openxmlformats.org/presentationml/2006/main" matchingName="Big number">
   <p:cSld name="BIG_NUMBER">
     <p:spTree>
       <p:nvGrpSpPr>
-        <p:cNvPr id="44" name="Shape 44"/>
+        <p:cNvPr id="1" name="Shape 44"/>
         <p:cNvGrpSpPr/>
         <p:nvPr/>
       </p:nvGrpSpPr>
@@ -2884,9 +3002,11 @@
       <p:sp>
         <p:nvSpPr>
           <p:cNvPr id="45" name="Google Shape;45;p11"/>
-          <p:cNvSpPr txBox="1"/>
+          <p:cNvSpPr txBox="1">
+            <a:spLocks noGrp="1"/>
+          </p:cNvSpPr>
           <p:nvPr>
-            <p:ph hasCustomPrompt="1" type="title"/>
+            <p:ph type="title" hasCustomPrompt="1"/>
           </p:nvPr>
         </p:nvSpPr>
         <p:spPr>
@@ -2899,11 +3019,11 @@
           </a:prstGeom>
         </p:spPr>
         <p:txBody>
-          <a:bodyPr anchorCtr="0" anchor="b" bIns="91425" lIns="91425" spcFirstLastPara="1" rIns="91425" wrap="square" tIns="91425">
+          <a:bodyPr spcFirstLastPara="1" wrap="square" lIns="91425" tIns="91425" rIns="91425" bIns="91425" anchor="b" anchorCtr="0">
             <a:noAutofit/>
           </a:bodyPr>
           <a:lstStyle>
-            <a:lvl1pPr lvl="0" rtl="0" algn="ctr">
+            <a:lvl1pPr lvl="0" algn="ctr" rtl="0">
               <a:spcBef>
                 <a:spcPts val="0"/>
               </a:spcBef>
@@ -2914,7 +3034,7 @@
               <a:buNone/>
               <a:defRPr sz="12000"/>
             </a:lvl1pPr>
-            <a:lvl2pPr lvl="1" rtl="0" algn="ctr">
+            <a:lvl2pPr lvl="1" algn="ctr" rtl="0">
               <a:spcBef>
                 <a:spcPts val="0"/>
               </a:spcBef>
@@ -2925,7 +3045,7 @@
               <a:buNone/>
               <a:defRPr sz="12000"/>
             </a:lvl2pPr>
-            <a:lvl3pPr lvl="2" rtl="0" algn="ctr">
+            <a:lvl3pPr lvl="2" algn="ctr" rtl="0">
               <a:spcBef>
                 <a:spcPts val="0"/>
               </a:spcBef>
@@ -2936,7 +3056,7 @@
               <a:buNone/>
               <a:defRPr sz="12000"/>
             </a:lvl3pPr>
-            <a:lvl4pPr lvl="3" rtl="0" algn="ctr">
+            <a:lvl4pPr lvl="3" algn="ctr" rtl="0">
               <a:spcBef>
                 <a:spcPts val="0"/>
               </a:spcBef>
@@ -2947,7 +3067,7 @@
               <a:buNone/>
               <a:defRPr sz="12000"/>
             </a:lvl4pPr>
-            <a:lvl5pPr lvl="4" rtl="0" algn="ctr">
+            <a:lvl5pPr lvl="4" algn="ctr" rtl="0">
               <a:spcBef>
                 <a:spcPts val="0"/>
               </a:spcBef>
@@ -2958,7 +3078,7 @@
               <a:buNone/>
               <a:defRPr sz="12000"/>
             </a:lvl5pPr>
-            <a:lvl6pPr lvl="5" rtl="0" algn="ctr">
+            <a:lvl6pPr lvl="5" algn="ctr" rtl="0">
               <a:spcBef>
                 <a:spcPts val="0"/>
               </a:spcBef>
@@ -2969,7 +3089,7 @@
               <a:buNone/>
               <a:defRPr sz="12000"/>
             </a:lvl6pPr>
-            <a:lvl7pPr lvl="6" rtl="0" algn="ctr">
+            <a:lvl7pPr lvl="6" algn="ctr" rtl="0">
               <a:spcBef>
                 <a:spcPts val="0"/>
               </a:spcBef>
@@ -2980,7 +3100,7 @@
               <a:buNone/>
               <a:defRPr sz="12000"/>
             </a:lvl7pPr>
-            <a:lvl8pPr lvl="7" rtl="0" algn="ctr">
+            <a:lvl8pPr lvl="7" algn="ctr" rtl="0">
               <a:spcBef>
                 <a:spcPts val="0"/>
               </a:spcBef>
@@ -2991,7 +3111,7 @@
               <a:buNone/>
               <a:defRPr sz="12000"/>
             </a:lvl8pPr>
-            <a:lvl9pPr lvl="8" rtl="0" algn="ctr">
+            <a:lvl9pPr lvl="8" algn="ctr" rtl="0">
               <a:spcBef>
                 <a:spcPts val="0"/>
               </a:spcBef>
@@ -3013,9 +3133,11 @@
       <p:sp>
         <p:nvSpPr>
           <p:cNvPr id="46" name="Google Shape;46;p11"/>
-          <p:cNvSpPr txBox="1"/>
+          <p:cNvSpPr txBox="1">
+            <a:spLocks noGrp="1"/>
+          </p:cNvSpPr>
           <p:nvPr>
-            <p:ph idx="1" type="body"/>
+            <p:ph type="body" idx="1"/>
           </p:nvPr>
         </p:nvSpPr>
         <p:spPr>
@@ -3028,11 +3150,11 @@
           </a:prstGeom>
         </p:spPr>
         <p:txBody>
-          <a:bodyPr anchorCtr="0" anchor="t" bIns="91425" lIns="91425" spcFirstLastPara="1" rIns="91425" wrap="square" tIns="91425">
+          <a:bodyPr spcFirstLastPara="1" wrap="square" lIns="91425" tIns="91425" rIns="91425" bIns="91425" anchor="t" anchorCtr="0">
             <a:noAutofit/>
           </a:bodyPr>
           <a:lstStyle>
-            <a:lvl1pPr indent="-342900" lvl="0" marL="457200" rtl="0" algn="ctr">
+            <a:lvl1pPr marL="457200" lvl="0" indent="-342900" algn="ctr" rtl="0">
               <a:spcBef>
                 <a:spcPts val="0"/>
               </a:spcBef>
@@ -3043,7 +3165,7 @@
               <a:buChar char="●"/>
               <a:defRPr/>
             </a:lvl1pPr>
-            <a:lvl2pPr indent="-317500" lvl="1" marL="914400" rtl="0" algn="ctr">
+            <a:lvl2pPr marL="914400" lvl="1" indent="-317500" algn="ctr" rtl="0">
               <a:spcBef>
                 <a:spcPts val="1600"/>
               </a:spcBef>
@@ -3054,7 +3176,7 @@
               <a:buChar char="○"/>
               <a:defRPr/>
             </a:lvl2pPr>
-            <a:lvl3pPr indent="-317500" lvl="2" marL="1371600" rtl="0" algn="ctr">
+            <a:lvl3pPr marL="1371600" lvl="2" indent="-317500" algn="ctr" rtl="0">
               <a:spcBef>
                 <a:spcPts val="1600"/>
               </a:spcBef>
@@ -3065,7 +3187,7 @@
               <a:buChar char="■"/>
               <a:defRPr/>
             </a:lvl3pPr>
-            <a:lvl4pPr indent="-317500" lvl="3" marL="1828800" rtl="0" algn="ctr">
+            <a:lvl4pPr marL="1828800" lvl="3" indent="-317500" algn="ctr" rtl="0">
               <a:spcBef>
                 <a:spcPts val="1600"/>
               </a:spcBef>
@@ -3076,7 +3198,7 @@
               <a:buChar char="●"/>
               <a:defRPr/>
             </a:lvl4pPr>
-            <a:lvl5pPr indent="-317500" lvl="4" marL="2286000" rtl="0" algn="ctr">
+            <a:lvl5pPr marL="2286000" lvl="4" indent="-317500" algn="ctr" rtl="0">
               <a:spcBef>
                 <a:spcPts val="1600"/>
               </a:spcBef>
@@ -3087,7 +3209,7 @@
               <a:buChar char="○"/>
               <a:defRPr/>
             </a:lvl5pPr>
-            <a:lvl6pPr indent="-317500" lvl="5" marL="2743200" rtl="0" algn="ctr">
+            <a:lvl6pPr marL="2743200" lvl="5" indent="-317500" algn="ctr" rtl="0">
               <a:spcBef>
                 <a:spcPts val="1600"/>
               </a:spcBef>
@@ -3098,7 +3220,7 @@
               <a:buChar char="■"/>
               <a:defRPr/>
             </a:lvl6pPr>
-            <a:lvl7pPr indent="-317500" lvl="6" marL="3200400" rtl="0" algn="ctr">
+            <a:lvl7pPr marL="3200400" lvl="6" indent="-317500" algn="ctr" rtl="0">
               <a:spcBef>
                 <a:spcPts val="1600"/>
               </a:spcBef>
@@ -3109,7 +3231,7 @@
               <a:buChar char="●"/>
               <a:defRPr/>
             </a:lvl7pPr>
-            <a:lvl8pPr indent="-317500" lvl="7" marL="3657600" rtl="0" algn="ctr">
+            <a:lvl8pPr marL="3657600" lvl="7" indent="-317500" algn="ctr" rtl="0">
               <a:spcBef>
                 <a:spcPts val="1600"/>
               </a:spcBef>
@@ -3120,7 +3242,7 @@
               <a:buChar char="○"/>
               <a:defRPr/>
             </a:lvl8pPr>
-            <a:lvl9pPr indent="-317500" lvl="8" marL="4114800" rtl="0" algn="ctr">
+            <a:lvl9pPr marL="4114800" lvl="8" indent="-317500" algn="ctr" rtl="0">
               <a:spcBef>
                 <a:spcPts val="1600"/>
               </a:spcBef>
@@ -3132,15 +3254,19 @@
               <a:defRPr/>
             </a:lvl9pPr>
           </a:lstStyle>
-          <a:p/>
+          <a:p>
+            <a:endParaRPr/>
+          </a:p>
         </p:txBody>
       </p:sp>
       <p:sp>
         <p:nvSpPr>
           <p:cNvPr id="47" name="Google Shape;47;p11"/>
-          <p:cNvSpPr txBox="1"/>
+          <p:cNvSpPr txBox="1">
+            <a:spLocks noGrp="1"/>
+          </p:cNvSpPr>
           <p:nvPr>
-            <p:ph idx="12" type="sldNum"/>
+            <p:ph type="sldNum" idx="12"/>
           </p:nvPr>
         </p:nvSpPr>
         <p:spPr>
@@ -3153,7 +3279,7 @@
           </a:prstGeom>
         </p:spPr>
         <p:txBody>
-          <a:bodyPr anchorCtr="0" anchor="ctr" bIns="91425" lIns="91425" spcFirstLastPara="1" rIns="91425" wrap="square" tIns="91425">
+          <a:bodyPr spcFirstLastPara="1" wrap="square" lIns="91425" tIns="91425" rIns="91425" bIns="91425" anchor="ctr" anchorCtr="0">
             <a:noAutofit/>
           </a:bodyPr>
           <a:lstStyle>
@@ -3195,7 +3321,7 @@
             </a:lvl9pPr>
           </a:lstStyle>
           <a:p>
-            <a:pPr indent="0" lvl="0" marL="0" rtl="0" algn="r">
+            <a:pPr marL="0" lvl="0" indent="0" algn="r" rtl="0">
               <a:spcBef>
                 <a:spcPts val="0"/>
               </a:spcBef>
@@ -3221,11 +3347,11 @@
 </file>
 
 <file path=ppt/slideLayouts/slideLayout11.xml><?xml version="1.0" encoding="utf-8"?>
-<p:sldLayout xmlns:a="http://schemas.openxmlformats.org/drawingml/2006/main" xmlns:r="http://schemas.openxmlformats.org/officeDocument/2006/relationships" xmlns:mc="http://schemas.openxmlformats.org/markup-compatibility/2006" xmlns:mv="urn:schemas-microsoft-com:mac:vml" xmlns:p="http://schemas.openxmlformats.org/presentationml/2006/main" xmlns:c="http://schemas.openxmlformats.org/drawingml/2006/chart" xmlns:dgm="http://schemas.openxmlformats.org/drawingml/2006/diagram" xmlns:o="urn:schemas-microsoft-com:office:office" xmlns:v="urn:schemas-microsoft-com:vml" xmlns:pvml="urn:schemas-microsoft-com:office:powerpoint" xmlns:com="http://schemas.openxmlformats.org/drawingml/2006/compatibility" xmlns:p14="http://schemas.microsoft.com/office/powerpoint/2010/main" xmlns:p15="http://schemas.microsoft.com/office/powerpoint/2012/main" matchingName="Blank" type="blank">
+<p:sldLayout xmlns:a="http://schemas.openxmlformats.org/drawingml/2006/main" xmlns:r="http://schemas.openxmlformats.org/officeDocument/2006/relationships" xmlns:p="http://schemas.openxmlformats.org/presentationml/2006/main" matchingName="Blank" type="blank">
   <p:cSld name="BLANK">
     <p:spTree>
       <p:nvGrpSpPr>
-        <p:cNvPr id="48" name="Shape 48"/>
+        <p:cNvPr id="1" name="Shape 48"/>
         <p:cNvGrpSpPr/>
         <p:nvPr/>
       </p:nvGrpSpPr>
@@ -3240,9 +3366,11 @@
       <p:sp>
         <p:nvSpPr>
           <p:cNvPr id="49" name="Google Shape;49;p12"/>
-          <p:cNvSpPr txBox="1"/>
+          <p:cNvSpPr txBox="1">
+            <a:spLocks noGrp="1"/>
+          </p:cNvSpPr>
           <p:nvPr>
-            <p:ph idx="12" type="sldNum"/>
+            <p:ph type="sldNum" idx="12"/>
           </p:nvPr>
         </p:nvSpPr>
         <p:spPr>
@@ -3255,7 +3383,7 @@
           </a:prstGeom>
         </p:spPr>
         <p:txBody>
-          <a:bodyPr anchorCtr="0" anchor="ctr" bIns="91425" lIns="91425" spcFirstLastPara="1" rIns="91425" wrap="square" tIns="91425">
+          <a:bodyPr spcFirstLastPara="1" wrap="square" lIns="91425" tIns="91425" rIns="91425" bIns="91425" anchor="ctr" anchorCtr="0">
             <a:noAutofit/>
           </a:bodyPr>
           <a:lstStyle>
@@ -3297,7 +3425,7 @@
             </a:lvl9pPr>
           </a:lstStyle>
           <a:p>
-            <a:pPr indent="0" lvl="0" marL="0" rtl="0" algn="r">
+            <a:pPr marL="0" lvl="0" indent="0" algn="r" rtl="0">
               <a:spcBef>
                 <a:spcPts val="0"/>
               </a:spcBef>
@@ -3323,11 +3451,11 @@
 </file>
 
 <file path=ppt/slideLayouts/slideLayout2.xml><?xml version="1.0" encoding="utf-8"?>
-<p:sldLayout xmlns:a="http://schemas.openxmlformats.org/drawingml/2006/main" xmlns:r="http://schemas.openxmlformats.org/officeDocument/2006/relationships" xmlns:mc="http://schemas.openxmlformats.org/markup-compatibility/2006" xmlns:mv="urn:schemas-microsoft-com:mac:vml" xmlns:p="http://schemas.openxmlformats.org/presentationml/2006/main" xmlns:c="http://schemas.openxmlformats.org/drawingml/2006/chart" xmlns:dgm="http://schemas.openxmlformats.org/drawingml/2006/diagram" xmlns:o="urn:schemas-microsoft-com:office:office" xmlns:v="urn:schemas-microsoft-com:vml" xmlns:pvml="urn:schemas-microsoft-com:office:powerpoint" xmlns:com="http://schemas.openxmlformats.org/drawingml/2006/compatibility" xmlns:p14="http://schemas.microsoft.com/office/powerpoint/2010/main" xmlns:p15="http://schemas.microsoft.com/office/powerpoint/2012/main" matchingName="Section header" type="secHead">
+<p:sldLayout xmlns:a="http://schemas.openxmlformats.org/drawingml/2006/main" xmlns:r="http://schemas.openxmlformats.org/officeDocument/2006/relationships" xmlns:p="http://schemas.openxmlformats.org/presentationml/2006/main" matchingName="Section header" type="secHead">
   <p:cSld name="SECTION_HEADER">
     <p:spTree>
       <p:nvGrpSpPr>
-        <p:cNvPr id="13" name="Shape 13"/>
+        <p:cNvPr id="1" name="Shape 13"/>
         <p:cNvGrpSpPr/>
         <p:nvPr/>
       </p:nvGrpSpPr>
@@ -3342,7 +3470,9 @@
       <p:sp>
         <p:nvSpPr>
           <p:cNvPr id="14" name="Google Shape;14;p3"/>
-          <p:cNvSpPr txBox="1"/>
+          <p:cNvSpPr txBox="1">
+            <a:spLocks noGrp="1"/>
+          </p:cNvSpPr>
           <p:nvPr>
             <p:ph type="title"/>
           </p:nvPr>
@@ -3357,11 +3487,11 @@
           </a:prstGeom>
         </p:spPr>
         <p:txBody>
-          <a:bodyPr anchorCtr="0" anchor="ctr" bIns="91425" lIns="91425" spcFirstLastPara="1" rIns="91425" wrap="square" tIns="91425">
+          <a:bodyPr spcFirstLastPara="1" wrap="square" lIns="91425" tIns="91425" rIns="91425" bIns="91425" anchor="ctr" anchorCtr="0">
             <a:noAutofit/>
           </a:bodyPr>
           <a:lstStyle>
-            <a:lvl1pPr lvl="0" rtl="0" algn="ctr">
+            <a:lvl1pPr lvl="0" algn="ctr" rtl="0">
               <a:spcBef>
                 <a:spcPts val="0"/>
               </a:spcBef>
@@ -3372,7 +3502,7 @@
               <a:buNone/>
               <a:defRPr sz="3600"/>
             </a:lvl1pPr>
-            <a:lvl2pPr lvl="1" rtl="0" algn="ctr">
+            <a:lvl2pPr lvl="1" algn="ctr" rtl="0">
               <a:spcBef>
                 <a:spcPts val="0"/>
               </a:spcBef>
@@ -3383,7 +3513,7 @@
               <a:buNone/>
               <a:defRPr sz="3600"/>
             </a:lvl2pPr>
-            <a:lvl3pPr lvl="2" rtl="0" algn="ctr">
+            <a:lvl3pPr lvl="2" algn="ctr" rtl="0">
               <a:spcBef>
                 <a:spcPts val="0"/>
               </a:spcBef>
@@ -3394,7 +3524,7 @@
               <a:buNone/>
               <a:defRPr sz="3600"/>
             </a:lvl3pPr>
-            <a:lvl4pPr lvl="3" rtl="0" algn="ctr">
+            <a:lvl4pPr lvl="3" algn="ctr" rtl="0">
               <a:spcBef>
                 <a:spcPts val="0"/>
               </a:spcBef>
@@ -3405,7 +3535,7 @@
               <a:buNone/>
               <a:defRPr sz="3600"/>
             </a:lvl4pPr>
-            <a:lvl5pPr lvl="4" rtl="0" algn="ctr">
+            <a:lvl5pPr lvl="4" algn="ctr" rtl="0">
               <a:spcBef>
                 <a:spcPts val="0"/>
               </a:spcBef>
@@ -3416,7 +3546,7 @@
               <a:buNone/>
               <a:defRPr sz="3600"/>
             </a:lvl5pPr>
-            <a:lvl6pPr lvl="5" rtl="0" algn="ctr">
+            <a:lvl6pPr lvl="5" algn="ctr" rtl="0">
               <a:spcBef>
                 <a:spcPts val="0"/>
               </a:spcBef>
@@ -3427,7 +3557,7 @@
               <a:buNone/>
               <a:defRPr sz="3600"/>
             </a:lvl6pPr>
-            <a:lvl7pPr lvl="6" rtl="0" algn="ctr">
+            <a:lvl7pPr lvl="6" algn="ctr" rtl="0">
               <a:spcBef>
                 <a:spcPts val="0"/>
               </a:spcBef>
@@ -3438,7 +3568,7 @@
               <a:buNone/>
               <a:defRPr sz="3600"/>
             </a:lvl7pPr>
-            <a:lvl8pPr lvl="7" rtl="0" algn="ctr">
+            <a:lvl8pPr lvl="7" algn="ctr" rtl="0">
               <a:spcBef>
                 <a:spcPts val="0"/>
               </a:spcBef>
@@ -3449,7 +3579,7 @@
               <a:buNone/>
               <a:defRPr sz="3600"/>
             </a:lvl8pPr>
-            <a:lvl9pPr lvl="8" rtl="0" algn="ctr">
+            <a:lvl9pPr lvl="8" algn="ctr" rtl="0">
               <a:spcBef>
                 <a:spcPts val="0"/>
               </a:spcBef>
@@ -3461,15 +3591,19 @@
               <a:defRPr sz="3600"/>
             </a:lvl9pPr>
           </a:lstStyle>
-          <a:p/>
+          <a:p>
+            <a:endParaRPr/>
+          </a:p>
         </p:txBody>
       </p:sp>
       <p:sp>
         <p:nvSpPr>
           <p:cNvPr id="15" name="Google Shape;15;p3"/>
-          <p:cNvSpPr txBox="1"/>
+          <p:cNvSpPr txBox="1">
+            <a:spLocks noGrp="1"/>
+          </p:cNvSpPr>
           <p:nvPr>
-            <p:ph idx="12" type="sldNum"/>
+            <p:ph type="sldNum" idx="12"/>
           </p:nvPr>
         </p:nvSpPr>
         <p:spPr>
@@ -3482,7 +3616,7 @@
           </a:prstGeom>
         </p:spPr>
         <p:txBody>
-          <a:bodyPr anchorCtr="0" anchor="ctr" bIns="91425" lIns="91425" spcFirstLastPara="1" rIns="91425" wrap="square" tIns="91425">
+          <a:bodyPr spcFirstLastPara="1" wrap="square" lIns="91425" tIns="91425" rIns="91425" bIns="91425" anchor="ctr" anchorCtr="0">
             <a:noAutofit/>
           </a:bodyPr>
           <a:lstStyle>
@@ -3524,7 +3658,7 @@
             </a:lvl9pPr>
           </a:lstStyle>
           <a:p>
-            <a:pPr indent="0" lvl="0" marL="0" rtl="0" algn="r">
+            <a:pPr marL="0" lvl="0" indent="0" algn="r" rtl="0">
               <a:spcBef>
                 <a:spcPts val="0"/>
               </a:spcBef>
@@ -3550,11 +3684,11 @@
 </file>
 
 <file path=ppt/slideLayouts/slideLayout3.xml><?xml version="1.0" encoding="utf-8"?>
-<p:sldLayout xmlns:a="http://schemas.openxmlformats.org/drawingml/2006/main" xmlns:r="http://schemas.openxmlformats.org/officeDocument/2006/relationships" xmlns:mc="http://schemas.openxmlformats.org/markup-compatibility/2006" xmlns:mv="urn:schemas-microsoft-com:mac:vml" xmlns:p="http://schemas.openxmlformats.org/presentationml/2006/main" xmlns:c="http://schemas.openxmlformats.org/drawingml/2006/chart" xmlns:dgm="http://schemas.openxmlformats.org/drawingml/2006/diagram" xmlns:o="urn:schemas-microsoft-com:office:office" xmlns:v="urn:schemas-microsoft-com:vml" xmlns:pvml="urn:schemas-microsoft-com:office:powerpoint" xmlns:com="http://schemas.openxmlformats.org/drawingml/2006/compatibility" xmlns:p14="http://schemas.microsoft.com/office/powerpoint/2010/main" xmlns:p15="http://schemas.microsoft.com/office/powerpoint/2012/main" matchingName="Title and body" type="tx">
+<p:sldLayout xmlns:a="http://schemas.openxmlformats.org/drawingml/2006/main" xmlns:r="http://schemas.openxmlformats.org/officeDocument/2006/relationships" xmlns:p="http://schemas.openxmlformats.org/presentationml/2006/main" matchingName="Title and body" type="tx">
   <p:cSld name="TITLE_AND_BODY">
     <p:spTree>
       <p:nvGrpSpPr>
-        <p:cNvPr id="16" name="Shape 16"/>
+        <p:cNvPr id="1" name="Shape 16"/>
         <p:cNvGrpSpPr/>
         <p:nvPr/>
       </p:nvGrpSpPr>
@@ -3569,7 +3703,9 @@
       <p:sp>
         <p:nvSpPr>
           <p:cNvPr id="17" name="Google Shape;17;p4"/>
-          <p:cNvSpPr txBox="1"/>
+          <p:cNvSpPr txBox="1">
+            <a:spLocks noGrp="1"/>
+          </p:cNvSpPr>
           <p:nvPr>
             <p:ph type="title"/>
           </p:nvPr>
@@ -3584,7 +3720,7 @@
           </a:prstGeom>
         </p:spPr>
         <p:txBody>
-          <a:bodyPr anchorCtr="0" anchor="t" bIns="91425" lIns="91425" spcFirstLastPara="1" rIns="91425" wrap="square" tIns="91425">
+          <a:bodyPr spcFirstLastPara="1" wrap="square" lIns="91425" tIns="91425" rIns="91425" bIns="91425" anchor="t" anchorCtr="0">
             <a:noAutofit/>
           </a:bodyPr>
           <a:lstStyle>
@@ -3688,15 +3824,19 @@
               <a:defRPr/>
             </a:lvl9pPr>
           </a:lstStyle>
-          <a:p/>
+          <a:p>
+            <a:endParaRPr/>
+          </a:p>
         </p:txBody>
       </p:sp>
       <p:sp>
         <p:nvSpPr>
           <p:cNvPr id="18" name="Google Shape;18;p4"/>
-          <p:cNvSpPr txBox="1"/>
+          <p:cNvSpPr txBox="1">
+            <a:spLocks noGrp="1"/>
+          </p:cNvSpPr>
           <p:nvPr>
-            <p:ph idx="1" type="body"/>
+            <p:ph type="body" idx="1"/>
           </p:nvPr>
         </p:nvSpPr>
         <p:spPr>
@@ -3709,11 +3849,11 @@
           </a:prstGeom>
         </p:spPr>
         <p:txBody>
-          <a:bodyPr anchorCtr="0" anchor="t" bIns="91425" lIns="91425" spcFirstLastPara="1" rIns="91425" wrap="square" tIns="91425">
+          <a:bodyPr spcFirstLastPara="1" wrap="square" lIns="91425" tIns="91425" rIns="91425" bIns="91425" anchor="t" anchorCtr="0">
             <a:noAutofit/>
           </a:bodyPr>
           <a:lstStyle>
-            <a:lvl1pPr indent="-342900" lvl="0" marL="457200" rtl="0">
+            <a:lvl1pPr marL="457200" lvl="0" indent="-342900" rtl="0">
               <a:spcBef>
                 <a:spcPts val="0"/>
               </a:spcBef>
@@ -3724,7 +3864,7 @@
               <a:buChar char="●"/>
               <a:defRPr/>
             </a:lvl1pPr>
-            <a:lvl2pPr indent="-317500" lvl="1" marL="914400" rtl="0">
+            <a:lvl2pPr marL="914400" lvl="1" indent="-317500" rtl="0">
               <a:spcBef>
                 <a:spcPts val="1600"/>
               </a:spcBef>
@@ -3735,7 +3875,7 @@
               <a:buChar char="○"/>
               <a:defRPr/>
             </a:lvl2pPr>
-            <a:lvl3pPr indent="-317500" lvl="2" marL="1371600" rtl="0">
+            <a:lvl3pPr marL="1371600" lvl="2" indent="-317500" rtl="0">
               <a:spcBef>
                 <a:spcPts val="1600"/>
               </a:spcBef>
@@ -3746,7 +3886,7 @@
               <a:buChar char="■"/>
               <a:defRPr/>
             </a:lvl3pPr>
-            <a:lvl4pPr indent="-317500" lvl="3" marL="1828800" rtl="0">
+            <a:lvl4pPr marL="1828800" lvl="3" indent="-317500" rtl="0">
               <a:spcBef>
                 <a:spcPts val="1600"/>
               </a:spcBef>
@@ -3757,7 +3897,7 @@
               <a:buChar char="●"/>
               <a:defRPr/>
             </a:lvl4pPr>
-            <a:lvl5pPr indent="-317500" lvl="4" marL="2286000" rtl="0">
+            <a:lvl5pPr marL="2286000" lvl="4" indent="-317500" rtl="0">
               <a:spcBef>
                 <a:spcPts val="1600"/>
               </a:spcBef>
@@ -3768,7 +3908,7 @@
               <a:buChar char="○"/>
               <a:defRPr/>
             </a:lvl5pPr>
-            <a:lvl6pPr indent="-317500" lvl="5" marL="2743200" rtl="0">
+            <a:lvl6pPr marL="2743200" lvl="5" indent="-317500" rtl="0">
               <a:spcBef>
                 <a:spcPts val="1600"/>
               </a:spcBef>
@@ -3779,7 +3919,7 @@
               <a:buChar char="■"/>
               <a:defRPr/>
             </a:lvl6pPr>
-            <a:lvl7pPr indent="-317500" lvl="6" marL="3200400" rtl="0">
+            <a:lvl7pPr marL="3200400" lvl="6" indent="-317500" rtl="0">
               <a:spcBef>
                 <a:spcPts val="1600"/>
               </a:spcBef>
@@ -3790,7 +3930,7 @@
               <a:buChar char="●"/>
               <a:defRPr/>
             </a:lvl7pPr>
-            <a:lvl8pPr indent="-317500" lvl="7" marL="3657600" rtl="0">
+            <a:lvl8pPr marL="3657600" lvl="7" indent="-317500" rtl="0">
               <a:spcBef>
                 <a:spcPts val="1600"/>
               </a:spcBef>
@@ -3801,7 +3941,7 @@
               <a:buChar char="○"/>
               <a:defRPr/>
             </a:lvl8pPr>
-            <a:lvl9pPr indent="-317500" lvl="8" marL="4114800" rtl="0">
+            <a:lvl9pPr marL="4114800" lvl="8" indent="-317500" rtl="0">
               <a:spcBef>
                 <a:spcPts val="1600"/>
               </a:spcBef>
@@ -3813,15 +3953,19 @@
               <a:defRPr/>
             </a:lvl9pPr>
           </a:lstStyle>
-          <a:p/>
+          <a:p>
+            <a:endParaRPr/>
+          </a:p>
         </p:txBody>
       </p:sp>
       <p:sp>
         <p:nvSpPr>
           <p:cNvPr id="19" name="Google Shape;19;p4"/>
-          <p:cNvSpPr txBox="1"/>
+          <p:cNvSpPr txBox="1">
+            <a:spLocks noGrp="1"/>
+          </p:cNvSpPr>
           <p:nvPr>
-            <p:ph idx="12" type="sldNum"/>
+            <p:ph type="sldNum" idx="12"/>
           </p:nvPr>
         </p:nvSpPr>
         <p:spPr>
@@ -3834,7 +3978,7 @@
           </a:prstGeom>
         </p:spPr>
         <p:txBody>
-          <a:bodyPr anchorCtr="0" anchor="ctr" bIns="91425" lIns="91425" spcFirstLastPara="1" rIns="91425" wrap="square" tIns="91425">
+          <a:bodyPr spcFirstLastPara="1" wrap="square" lIns="91425" tIns="91425" rIns="91425" bIns="91425" anchor="ctr" anchorCtr="0">
             <a:noAutofit/>
           </a:bodyPr>
           <a:lstStyle>
@@ -3876,7 +4020,7 @@
             </a:lvl9pPr>
           </a:lstStyle>
           <a:p>
-            <a:pPr indent="0" lvl="0" marL="0" rtl="0" algn="r">
+            <a:pPr marL="0" lvl="0" indent="0" algn="r" rtl="0">
               <a:spcBef>
                 <a:spcPts val="0"/>
               </a:spcBef>
@@ -3902,11 +4046,11 @@
 </file>
 
 <file path=ppt/slideLayouts/slideLayout4.xml><?xml version="1.0" encoding="utf-8"?>
-<p:sldLayout xmlns:a="http://schemas.openxmlformats.org/drawingml/2006/main" xmlns:r="http://schemas.openxmlformats.org/officeDocument/2006/relationships" xmlns:mc="http://schemas.openxmlformats.org/markup-compatibility/2006" xmlns:mv="urn:schemas-microsoft-com:mac:vml" xmlns:p="http://schemas.openxmlformats.org/presentationml/2006/main" xmlns:c="http://schemas.openxmlformats.org/drawingml/2006/chart" xmlns:dgm="http://schemas.openxmlformats.org/drawingml/2006/diagram" xmlns:o="urn:schemas-microsoft-com:office:office" xmlns:v="urn:schemas-microsoft-com:vml" xmlns:pvml="urn:schemas-microsoft-com:office:powerpoint" xmlns:com="http://schemas.openxmlformats.org/drawingml/2006/compatibility" xmlns:p14="http://schemas.microsoft.com/office/powerpoint/2010/main" xmlns:p15="http://schemas.microsoft.com/office/powerpoint/2012/main" matchingName="Title and two columns" type="twoColTx">
+<p:sldLayout xmlns:a="http://schemas.openxmlformats.org/drawingml/2006/main" xmlns:r="http://schemas.openxmlformats.org/officeDocument/2006/relationships" xmlns:p="http://schemas.openxmlformats.org/presentationml/2006/main" matchingName="Title and two columns" type="twoColTx">
   <p:cSld name="TITLE_AND_TWO_COLUMNS">
     <p:spTree>
       <p:nvGrpSpPr>
-        <p:cNvPr id="20" name="Shape 20"/>
+        <p:cNvPr id="1" name="Shape 20"/>
         <p:cNvGrpSpPr/>
         <p:nvPr/>
       </p:nvGrpSpPr>
@@ -3921,7 +4065,9 @@
       <p:sp>
         <p:nvSpPr>
           <p:cNvPr id="21" name="Google Shape;21;p5"/>
-          <p:cNvSpPr txBox="1"/>
+          <p:cNvSpPr txBox="1">
+            <a:spLocks noGrp="1"/>
+          </p:cNvSpPr>
           <p:nvPr>
             <p:ph type="title"/>
           </p:nvPr>
@@ -3936,7 +4082,7 @@
           </a:prstGeom>
         </p:spPr>
         <p:txBody>
-          <a:bodyPr anchorCtr="0" anchor="t" bIns="91425" lIns="91425" spcFirstLastPara="1" rIns="91425" wrap="square" tIns="91425">
+          <a:bodyPr spcFirstLastPara="1" wrap="square" lIns="91425" tIns="91425" rIns="91425" bIns="91425" anchor="t" anchorCtr="0">
             <a:noAutofit/>
           </a:bodyPr>
           <a:lstStyle>
@@ -4040,15 +4186,19 @@
               <a:defRPr/>
             </a:lvl9pPr>
           </a:lstStyle>
-          <a:p/>
+          <a:p>
+            <a:endParaRPr/>
+          </a:p>
         </p:txBody>
       </p:sp>
       <p:sp>
         <p:nvSpPr>
           <p:cNvPr id="22" name="Google Shape;22;p5"/>
-          <p:cNvSpPr txBox="1"/>
+          <p:cNvSpPr txBox="1">
+            <a:spLocks noGrp="1"/>
+          </p:cNvSpPr>
           <p:nvPr>
-            <p:ph idx="1" type="body"/>
+            <p:ph type="body" idx="1"/>
           </p:nvPr>
         </p:nvSpPr>
         <p:spPr>
@@ -4061,11 +4211,11 @@
           </a:prstGeom>
         </p:spPr>
         <p:txBody>
-          <a:bodyPr anchorCtr="0" anchor="t" bIns="91425" lIns="91425" spcFirstLastPara="1" rIns="91425" wrap="square" tIns="91425">
+          <a:bodyPr spcFirstLastPara="1" wrap="square" lIns="91425" tIns="91425" rIns="91425" bIns="91425" anchor="t" anchorCtr="0">
             <a:noAutofit/>
           </a:bodyPr>
           <a:lstStyle>
-            <a:lvl1pPr indent="-317500" lvl="0" marL="457200" rtl="0">
+            <a:lvl1pPr marL="457200" lvl="0" indent="-317500" rtl="0">
               <a:spcBef>
                 <a:spcPts val="0"/>
               </a:spcBef>
@@ -4076,7 +4226,7 @@
               <a:buChar char="●"/>
               <a:defRPr sz="1400"/>
             </a:lvl1pPr>
-            <a:lvl2pPr indent="-304800" lvl="1" marL="914400" rtl="0">
+            <a:lvl2pPr marL="914400" lvl="1" indent="-304800" rtl="0">
               <a:spcBef>
                 <a:spcPts val="1600"/>
               </a:spcBef>
@@ -4087,7 +4237,7 @@
               <a:buChar char="○"/>
               <a:defRPr sz="1200"/>
             </a:lvl2pPr>
-            <a:lvl3pPr indent="-304800" lvl="2" marL="1371600" rtl="0">
+            <a:lvl3pPr marL="1371600" lvl="2" indent="-304800" rtl="0">
               <a:spcBef>
                 <a:spcPts val="1600"/>
               </a:spcBef>
@@ -4098,7 +4248,7 @@
               <a:buChar char="■"/>
               <a:defRPr sz="1200"/>
             </a:lvl3pPr>
-            <a:lvl4pPr indent="-304800" lvl="3" marL="1828800" rtl="0">
+            <a:lvl4pPr marL="1828800" lvl="3" indent="-304800" rtl="0">
               <a:spcBef>
                 <a:spcPts val="1600"/>
               </a:spcBef>
@@ -4109,7 +4259,7 @@
               <a:buChar char="●"/>
               <a:defRPr sz="1200"/>
             </a:lvl4pPr>
-            <a:lvl5pPr indent="-304800" lvl="4" marL="2286000" rtl="0">
+            <a:lvl5pPr marL="2286000" lvl="4" indent="-304800" rtl="0">
               <a:spcBef>
                 <a:spcPts val="1600"/>
               </a:spcBef>
@@ -4120,7 +4270,7 @@
               <a:buChar char="○"/>
               <a:defRPr sz="1200"/>
             </a:lvl5pPr>
-            <a:lvl6pPr indent="-304800" lvl="5" marL="2743200" rtl="0">
+            <a:lvl6pPr marL="2743200" lvl="5" indent="-304800" rtl="0">
               <a:spcBef>
                 <a:spcPts val="1600"/>
               </a:spcBef>
@@ -4131,7 +4281,7 @@
               <a:buChar char="■"/>
               <a:defRPr sz="1200"/>
             </a:lvl6pPr>
-            <a:lvl7pPr indent="-304800" lvl="6" marL="3200400" rtl="0">
+            <a:lvl7pPr marL="3200400" lvl="6" indent="-304800" rtl="0">
               <a:spcBef>
                 <a:spcPts val="1600"/>
               </a:spcBef>
@@ -4142,7 +4292,7 @@
               <a:buChar char="●"/>
               <a:defRPr sz="1200"/>
             </a:lvl7pPr>
-            <a:lvl8pPr indent="-304800" lvl="7" marL="3657600" rtl="0">
+            <a:lvl8pPr marL="3657600" lvl="7" indent="-304800" rtl="0">
               <a:spcBef>
                 <a:spcPts val="1600"/>
               </a:spcBef>
@@ -4153,7 +4303,7 @@
               <a:buChar char="○"/>
               <a:defRPr sz="1200"/>
             </a:lvl8pPr>
-            <a:lvl9pPr indent="-304800" lvl="8" marL="4114800" rtl="0">
+            <a:lvl9pPr marL="4114800" lvl="8" indent="-304800" rtl="0">
               <a:spcBef>
                 <a:spcPts val="1600"/>
               </a:spcBef>
@@ -4165,15 +4315,19 @@
               <a:defRPr sz="1200"/>
             </a:lvl9pPr>
           </a:lstStyle>
-          <a:p/>
+          <a:p>
+            <a:endParaRPr/>
+          </a:p>
         </p:txBody>
       </p:sp>
       <p:sp>
         <p:nvSpPr>
           <p:cNvPr id="23" name="Google Shape;23;p5"/>
-          <p:cNvSpPr txBox="1"/>
+          <p:cNvSpPr txBox="1">
+            <a:spLocks noGrp="1"/>
+          </p:cNvSpPr>
           <p:nvPr>
-            <p:ph idx="2" type="body"/>
+            <p:ph type="body" idx="2"/>
           </p:nvPr>
         </p:nvSpPr>
         <p:spPr>
@@ -4186,11 +4340,11 @@
           </a:prstGeom>
         </p:spPr>
         <p:txBody>
-          <a:bodyPr anchorCtr="0" anchor="t" bIns="91425" lIns="91425" spcFirstLastPara="1" rIns="91425" wrap="square" tIns="91425">
+          <a:bodyPr spcFirstLastPara="1" wrap="square" lIns="91425" tIns="91425" rIns="91425" bIns="91425" anchor="t" anchorCtr="0">
             <a:noAutofit/>
           </a:bodyPr>
           <a:lstStyle>
-            <a:lvl1pPr indent="-317500" lvl="0" marL="457200" rtl="0">
+            <a:lvl1pPr marL="457200" lvl="0" indent="-317500" rtl="0">
               <a:spcBef>
                 <a:spcPts val="0"/>
               </a:spcBef>
@@ -4201,7 +4355,7 @@
               <a:buChar char="●"/>
               <a:defRPr sz="1400"/>
             </a:lvl1pPr>
-            <a:lvl2pPr indent="-304800" lvl="1" marL="914400" rtl="0">
+            <a:lvl2pPr marL="914400" lvl="1" indent="-304800" rtl="0">
               <a:spcBef>
                 <a:spcPts val="1600"/>
               </a:spcBef>
@@ -4212,7 +4366,7 @@
               <a:buChar char="○"/>
               <a:defRPr sz="1200"/>
             </a:lvl2pPr>
-            <a:lvl3pPr indent="-304800" lvl="2" marL="1371600" rtl="0">
+            <a:lvl3pPr marL="1371600" lvl="2" indent="-304800" rtl="0">
               <a:spcBef>
                 <a:spcPts val="1600"/>
               </a:spcBef>
@@ -4223,7 +4377,7 @@
               <a:buChar char="■"/>
               <a:defRPr sz="1200"/>
             </a:lvl3pPr>
-            <a:lvl4pPr indent="-304800" lvl="3" marL="1828800" rtl="0">
+            <a:lvl4pPr marL="1828800" lvl="3" indent="-304800" rtl="0">
               <a:spcBef>
                 <a:spcPts val="1600"/>
               </a:spcBef>
@@ -4234,7 +4388,7 @@
               <a:buChar char="●"/>
               <a:defRPr sz="1200"/>
             </a:lvl4pPr>
-            <a:lvl5pPr indent="-304800" lvl="4" marL="2286000" rtl="0">
+            <a:lvl5pPr marL="2286000" lvl="4" indent="-304800" rtl="0">
               <a:spcBef>
                 <a:spcPts val="1600"/>
               </a:spcBef>
@@ -4245,7 +4399,7 @@
               <a:buChar char="○"/>
               <a:defRPr sz="1200"/>
             </a:lvl5pPr>
-            <a:lvl6pPr indent="-304800" lvl="5" marL="2743200" rtl="0">
+            <a:lvl6pPr marL="2743200" lvl="5" indent="-304800" rtl="0">
               <a:spcBef>
                 <a:spcPts val="1600"/>
               </a:spcBef>
@@ -4256,7 +4410,7 @@
               <a:buChar char="■"/>
               <a:defRPr sz="1200"/>
             </a:lvl6pPr>
-            <a:lvl7pPr indent="-304800" lvl="6" marL="3200400" rtl="0">
+            <a:lvl7pPr marL="3200400" lvl="6" indent="-304800" rtl="0">
               <a:spcBef>
                 <a:spcPts val="1600"/>
               </a:spcBef>
@@ -4267,7 +4421,7 @@
               <a:buChar char="●"/>
               <a:defRPr sz="1200"/>
             </a:lvl7pPr>
-            <a:lvl8pPr indent="-304800" lvl="7" marL="3657600" rtl="0">
+            <a:lvl8pPr marL="3657600" lvl="7" indent="-304800" rtl="0">
               <a:spcBef>
                 <a:spcPts val="1600"/>
               </a:spcBef>
@@ -4278,7 +4432,7 @@
               <a:buChar char="○"/>
               <a:defRPr sz="1200"/>
             </a:lvl8pPr>
-            <a:lvl9pPr indent="-304800" lvl="8" marL="4114800" rtl="0">
+            <a:lvl9pPr marL="4114800" lvl="8" indent="-304800" rtl="0">
               <a:spcBef>
                 <a:spcPts val="1600"/>
               </a:spcBef>
@@ -4290,15 +4444,19 @@
               <a:defRPr sz="1200"/>
             </a:lvl9pPr>
           </a:lstStyle>
-          <a:p/>
+          <a:p>
+            <a:endParaRPr/>
+          </a:p>
         </p:txBody>
       </p:sp>
       <p:sp>
         <p:nvSpPr>
           <p:cNvPr id="24" name="Google Shape;24;p5"/>
-          <p:cNvSpPr txBox="1"/>
+          <p:cNvSpPr txBox="1">
+            <a:spLocks noGrp="1"/>
+          </p:cNvSpPr>
           <p:nvPr>
-            <p:ph idx="12" type="sldNum"/>
+            <p:ph type="sldNum" idx="12"/>
           </p:nvPr>
         </p:nvSpPr>
         <p:spPr>
@@ -4311,7 +4469,7 @@
           </a:prstGeom>
         </p:spPr>
         <p:txBody>
-          <a:bodyPr anchorCtr="0" anchor="ctr" bIns="91425" lIns="91425" spcFirstLastPara="1" rIns="91425" wrap="square" tIns="91425">
+          <a:bodyPr spcFirstLastPara="1" wrap="square" lIns="91425" tIns="91425" rIns="91425" bIns="91425" anchor="ctr" anchorCtr="0">
             <a:noAutofit/>
           </a:bodyPr>
           <a:lstStyle>
@@ -4353,7 +4511,7 @@
             </a:lvl9pPr>
           </a:lstStyle>
           <a:p>
-            <a:pPr indent="0" lvl="0" marL="0" rtl="0" algn="r">
+            <a:pPr marL="0" lvl="0" indent="0" algn="r" rtl="0">
               <a:spcBef>
                 <a:spcPts val="0"/>
               </a:spcBef>
@@ -4379,11 +4537,11 @@
 </file>
 
 <file path=ppt/slideLayouts/slideLayout5.xml><?xml version="1.0" encoding="utf-8"?>
-<p:sldLayout xmlns:a="http://schemas.openxmlformats.org/drawingml/2006/main" xmlns:r="http://schemas.openxmlformats.org/officeDocument/2006/relationships" xmlns:mc="http://schemas.openxmlformats.org/markup-compatibility/2006" xmlns:mv="urn:schemas-microsoft-com:mac:vml" xmlns:p="http://schemas.openxmlformats.org/presentationml/2006/main" xmlns:c="http://schemas.openxmlformats.org/drawingml/2006/chart" xmlns:dgm="http://schemas.openxmlformats.org/drawingml/2006/diagram" xmlns:o="urn:schemas-microsoft-com:office:office" xmlns:v="urn:schemas-microsoft-com:vml" xmlns:pvml="urn:schemas-microsoft-com:office:powerpoint" xmlns:com="http://schemas.openxmlformats.org/drawingml/2006/compatibility" xmlns:p14="http://schemas.microsoft.com/office/powerpoint/2010/main" xmlns:p15="http://schemas.microsoft.com/office/powerpoint/2012/main" matchingName="Title only" type="titleOnly">
+<p:sldLayout xmlns:a="http://schemas.openxmlformats.org/drawingml/2006/main" xmlns:r="http://schemas.openxmlformats.org/officeDocument/2006/relationships" xmlns:p="http://schemas.openxmlformats.org/presentationml/2006/main" matchingName="Title only" type="titleOnly">
   <p:cSld name="TITLE_ONLY">
     <p:spTree>
       <p:nvGrpSpPr>
-        <p:cNvPr id="25" name="Shape 25"/>
+        <p:cNvPr id="1" name="Shape 25"/>
         <p:cNvGrpSpPr/>
         <p:nvPr/>
       </p:nvGrpSpPr>
@@ -4398,7 +4556,9 @@
       <p:sp>
         <p:nvSpPr>
           <p:cNvPr id="26" name="Google Shape;26;p6"/>
-          <p:cNvSpPr txBox="1"/>
+          <p:cNvSpPr txBox="1">
+            <a:spLocks noGrp="1"/>
+          </p:cNvSpPr>
           <p:nvPr>
             <p:ph type="title"/>
           </p:nvPr>
@@ -4413,7 +4573,7 @@
           </a:prstGeom>
         </p:spPr>
         <p:txBody>
-          <a:bodyPr anchorCtr="0" anchor="t" bIns="91425" lIns="91425" spcFirstLastPara="1" rIns="91425" wrap="square" tIns="91425">
+          <a:bodyPr spcFirstLastPara="1" wrap="square" lIns="91425" tIns="91425" rIns="91425" bIns="91425" anchor="t" anchorCtr="0">
             <a:noAutofit/>
           </a:bodyPr>
           <a:lstStyle>
@@ -4517,15 +4677,19 @@
               <a:defRPr/>
             </a:lvl9pPr>
           </a:lstStyle>
-          <a:p/>
+          <a:p>
+            <a:endParaRPr/>
+          </a:p>
         </p:txBody>
       </p:sp>
       <p:sp>
         <p:nvSpPr>
           <p:cNvPr id="27" name="Google Shape;27;p6"/>
-          <p:cNvSpPr txBox="1"/>
+          <p:cNvSpPr txBox="1">
+            <a:spLocks noGrp="1"/>
+          </p:cNvSpPr>
           <p:nvPr>
-            <p:ph idx="12" type="sldNum"/>
+            <p:ph type="sldNum" idx="12"/>
           </p:nvPr>
         </p:nvSpPr>
         <p:spPr>
@@ -4538,7 +4702,7 @@
           </a:prstGeom>
         </p:spPr>
         <p:txBody>
-          <a:bodyPr anchorCtr="0" anchor="ctr" bIns="91425" lIns="91425" spcFirstLastPara="1" rIns="91425" wrap="square" tIns="91425">
+          <a:bodyPr spcFirstLastPara="1" wrap="square" lIns="91425" tIns="91425" rIns="91425" bIns="91425" anchor="ctr" anchorCtr="0">
             <a:noAutofit/>
           </a:bodyPr>
           <a:lstStyle>
@@ -4580,7 +4744,7 @@
             </a:lvl9pPr>
           </a:lstStyle>
           <a:p>
-            <a:pPr indent="0" lvl="0" marL="0" rtl="0" algn="r">
+            <a:pPr marL="0" lvl="0" indent="0" algn="r" rtl="0">
               <a:spcBef>
                 <a:spcPts val="0"/>
               </a:spcBef>
@@ -4606,11 +4770,11 @@
 </file>
 
 <file path=ppt/slideLayouts/slideLayout6.xml><?xml version="1.0" encoding="utf-8"?>
-<p:sldLayout xmlns:a="http://schemas.openxmlformats.org/drawingml/2006/main" xmlns:r="http://schemas.openxmlformats.org/officeDocument/2006/relationships" xmlns:mc="http://schemas.openxmlformats.org/markup-compatibility/2006" xmlns:mv="urn:schemas-microsoft-com:mac:vml" xmlns:p="http://schemas.openxmlformats.org/presentationml/2006/main" xmlns:c="http://schemas.openxmlformats.org/drawingml/2006/chart" xmlns:dgm="http://schemas.openxmlformats.org/drawingml/2006/diagram" xmlns:o="urn:schemas-microsoft-com:office:office" xmlns:v="urn:schemas-microsoft-com:vml" xmlns:pvml="urn:schemas-microsoft-com:office:powerpoint" xmlns:com="http://schemas.openxmlformats.org/drawingml/2006/compatibility" xmlns:p14="http://schemas.microsoft.com/office/powerpoint/2010/main" xmlns:p15="http://schemas.microsoft.com/office/powerpoint/2012/main" matchingName="One column text">
+<p:sldLayout xmlns:a="http://schemas.openxmlformats.org/drawingml/2006/main" xmlns:r="http://schemas.openxmlformats.org/officeDocument/2006/relationships" xmlns:p="http://schemas.openxmlformats.org/presentationml/2006/main" matchingName="One column text">
   <p:cSld name="ONE_COLUMN_TEXT">
     <p:spTree>
       <p:nvGrpSpPr>
-        <p:cNvPr id="28" name="Shape 28"/>
+        <p:cNvPr id="1" name="Shape 28"/>
         <p:cNvGrpSpPr/>
         <p:nvPr/>
       </p:nvGrpSpPr>
@@ -4625,7 +4789,9 @@
       <p:sp>
         <p:nvSpPr>
           <p:cNvPr id="29" name="Google Shape;29;p7"/>
-          <p:cNvSpPr txBox="1"/>
+          <p:cNvSpPr txBox="1">
+            <a:spLocks noGrp="1"/>
+          </p:cNvSpPr>
           <p:nvPr>
             <p:ph type="title"/>
           </p:nvPr>
@@ -4640,7 +4806,7 @@
           </a:prstGeom>
         </p:spPr>
         <p:txBody>
-          <a:bodyPr anchorCtr="0" anchor="b" bIns="91425" lIns="91425" spcFirstLastPara="1" rIns="91425" wrap="square" tIns="91425">
+          <a:bodyPr spcFirstLastPara="1" wrap="square" lIns="91425" tIns="91425" rIns="91425" bIns="91425" anchor="b" anchorCtr="0">
             <a:noAutofit/>
           </a:bodyPr>
           <a:lstStyle>
@@ -4744,15 +4910,19 @@
               <a:defRPr sz="2400"/>
             </a:lvl9pPr>
           </a:lstStyle>
-          <a:p/>
+          <a:p>
+            <a:endParaRPr/>
+          </a:p>
         </p:txBody>
       </p:sp>
       <p:sp>
         <p:nvSpPr>
           <p:cNvPr id="30" name="Google Shape;30;p7"/>
-          <p:cNvSpPr txBox="1"/>
+          <p:cNvSpPr txBox="1">
+            <a:spLocks noGrp="1"/>
+          </p:cNvSpPr>
           <p:nvPr>
-            <p:ph idx="1" type="body"/>
+            <p:ph type="body" idx="1"/>
           </p:nvPr>
         </p:nvSpPr>
         <p:spPr>
@@ -4765,11 +4935,11 @@
           </a:prstGeom>
         </p:spPr>
         <p:txBody>
-          <a:bodyPr anchorCtr="0" anchor="t" bIns="91425" lIns="91425" spcFirstLastPara="1" rIns="91425" wrap="square" tIns="91425">
+          <a:bodyPr spcFirstLastPara="1" wrap="square" lIns="91425" tIns="91425" rIns="91425" bIns="91425" anchor="t" anchorCtr="0">
             <a:noAutofit/>
           </a:bodyPr>
           <a:lstStyle>
-            <a:lvl1pPr indent="-304800" lvl="0" marL="457200" rtl="0">
+            <a:lvl1pPr marL="457200" lvl="0" indent="-304800" rtl="0">
               <a:spcBef>
                 <a:spcPts val="0"/>
               </a:spcBef>
@@ -4780,7 +4950,7 @@
               <a:buChar char="●"/>
               <a:defRPr sz="1200"/>
             </a:lvl1pPr>
-            <a:lvl2pPr indent="-304800" lvl="1" marL="914400" rtl="0">
+            <a:lvl2pPr marL="914400" lvl="1" indent="-304800" rtl="0">
               <a:spcBef>
                 <a:spcPts val="1600"/>
               </a:spcBef>
@@ -4791,7 +4961,7 @@
               <a:buChar char="○"/>
               <a:defRPr sz="1200"/>
             </a:lvl2pPr>
-            <a:lvl3pPr indent="-304800" lvl="2" marL="1371600" rtl="0">
+            <a:lvl3pPr marL="1371600" lvl="2" indent="-304800" rtl="0">
               <a:spcBef>
                 <a:spcPts val="1600"/>
               </a:spcBef>
@@ -4802,7 +4972,7 @@
               <a:buChar char="■"/>
               <a:defRPr sz="1200"/>
             </a:lvl3pPr>
-            <a:lvl4pPr indent="-304800" lvl="3" marL="1828800" rtl="0">
+            <a:lvl4pPr marL="1828800" lvl="3" indent="-304800" rtl="0">
               <a:spcBef>
                 <a:spcPts val="1600"/>
               </a:spcBef>
@@ -4813,7 +4983,7 @@
               <a:buChar char="●"/>
               <a:defRPr sz="1200"/>
             </a:lvl4pPr>
-            <a:lvl5pPr indent="-304800" lvl="4" marL="2286000" rtl="0">
+            <a:lvl5pPr marL="2286000" lvl="4" indent="-304800" rtl="0">
               <a:spcBef>
                 <a:spcPts val="1600"/>
               </a:spcBef>
@@ -4824,7 +4994,7 @@
               <a:buChar char="○"/>
               <a:defRPr sz="1200"/>
             </a:lvl5pPr>
-            <a:lvl6pPr indent="-304800" lvl="5" marL="2743200" rtl="0">
+            <a:lvl6pPr marL="2743200" lvl="5" indent="-304800" rtl="0">
               <a:spcBef>
                 <a:spcPts val="1600"/>
               </a:spcBef>
@@ -4835,7 +5005,7 @@
               <a:buChar char="■"/>
               <a:defRPr sz="1200"/>
             </a:lvl6pPr>
-            <a:lvl7pPr indent="-304800" lvl="6" marL="3200400" rtl="0">
+            <a:lvl7pPr marL="3200400" lvl="6" indent="-304800" rtl="0">
               <a:spcBef>
                 <a:spcPts val="1600"/>
               </a:spcBef>
@@ -4846,7 +5016,7 @@
               <a:buChar char="●"/>
               <a:defRPr sz="1200"/>
             </a:lvl7pPr>
-            <a:lvl8pPr indent="-304800" lvl="7" marL="3657600" rtl="0">
+            <a:lvl8pPr marL="3657600" lvl="7" indent="-304800" rtl="0">
               <a:spcBef>
                 <a:spcPts val="1600"/>
               </a:spcBef>
@@ -4857,7 +5027,7 @@
               <a:buChar char="○"/>
               <a:defRPr sz="1200"/>
             </a:lvl8pPr>
-            <a:lvl9pPr indent="-304800" lvl="8" marL="4114800" rtl="0">
+            <a:lvl9pPr marL="4114800" lvl="8" indent="-304800" rtl="0">
               <a:spcBef>
                 <a:spcPts val="1600"/>
               </a:spcBef>
@@ -4869,15 +5039,19 @@
               <a:defRPr sz="1200"/>
             </a:lvl9pPr>
           </a:lstStyle>
-          <a:p/>
+          <a:p>
+            <a:endParaRPr/>
+          </a:p>
         </p:txBody>
       </p:sp>
       <p:sp>
         <p:nvSpPr>
           <p:cNvPr id="31" name="Google Shape;31;p7"/>
-          <p:cNvSpPr txBox="1"/>
+          <p:cNvSpPr txBox="1">
+            <a:spLocks noGrp="1"/>
+          </p:cNvSpPr>
           <p:nvPr>
-            <p:ph idx="12" type="sldNum"/>
+            <p:ph type="sldNum" idx="12"/>
           </p:nvPr>
         </p:nvSpPr>
         <p:spPr>
@@ -4890,7 +5064,7 @@
           </a:prstGeom>
         </p:spPr>
         <p:txBody>
-          <a:bodyPr anchorCtr="0" anchor="ctr" bIns="91425" lIns="91425" spcFirstLastPara="1" rIns="91425" wrap="square" tIns="91425">
+          <a:bodyPr spcFirstLastPara="1" wrap="square" lIns="91425" tIns="91425" rIns="91425" bIns="91425" anchor="ctr" anchorCtr="0">
             <a:noAutofit/>
           </a:bodyPr>
           <a:lstStyle>
@@ -4932,7 +5106,7 @@
             </a:lvl9pPr>
           </a:lstStyle>
           <a:p>
-            <a:pPr indent="0" lvl="0" marL="0" rtl="0" algn="r">
+            <a:pPr marL="0" lvl="0" indent="0" algn="r" rtl="0">
               <a:spcBef>
                 <a:spcPts val="0"/>
               </a:spcBef>
@@ -4958,11 +5132,11 @@
 </file>
 
 <file path=ppt/slideLayouts/slideLayout7.xml><?xml version="1.0" encoding="utf-8"?>
-<p:sldLayout xmlns:a="http://schemas.openxmlformats.org/drawingml/2006/main" xmlns:r="http://schemas.openxmlformats.org/officeDocument/2006/relationships" xmlns:mc="http://schemas.openxmlformats.org/markup-compatibility/2006" xmlns:mv="urn:schemas-microsoft-com:mac:vml" xmlns:p="http://schemas.openxmlformats.org/presentationml/2006/main" xmlns:c="http://schemas.openxmlformats.org/drawingml/2006/chart" xmlns:dgm="http://schemas.openxmlformats.org/drawingml/2006/diagram" xmlns:o="urn:schemas-microsoft-com:office:office" xmlns:v="urn:schemas-microsoft-com:vml" xmlns:pvml="urn:schemas-microsoft-com:office:powerpoint" xmlns:com="http://schemas.openxmlformats.org/drawingml/2006/compatibility" xmlns:p14="http://schemas.microsoft.com/office/powerpoint/2010/main" xmlns:p15="http://schemas.microsoft.com/office/powerpoint/2012/main" matchingName="Main point">
+<p:sldLayout xmlns:a="http://schemas.openxmlformats.org/drawingml/2006/main" xmlns:r="http://schemas.openxmlformats.org/officeDocument/2006/relationships" xmlns:p="http://schemas.openxmlformats.org/presentationml/2006/main" matchingName="Main point">
   <p:cSld name="MAIN_POINT">
     <p:spTree>
       <p:nvGrpSpPr>
-        <p:cNvPr id="32" name="Shape 32"/>
+        <p:cNvPr id="1" name="Shape 32"/>
         <p:cNvGrpSpPr/>
         <p:nvPr/>
       </p:nvGrpSpPr>
@@ -4977,7 +5151,9 @@
       <p:sp>
         <p:nvSpPr>
           <p:cNvPr id="33" name="Google Shape;33;p8"/>
-          <p:cNvSpPr txBox="1"/>
+          <p:cNvSpPr txBox="1">
+            <a:spLocks noGrp="1"/>
+          </p:cNvSpPr>
           <p:nvPr>
             <p:ph type="title"/>
           </p:nvPr>
@@ -4992,7 +5168,7 @@
           </a:prstGeom>
         </p:spPr>
         <p:txBody>
-          <a:bodyPr anchorCtr="0" anchor="ctr" bIns="91425" lIns="91425" spcFirstLastPara="1" rIns="91425" wrap="square" tIns="91425">
+          <a:bodyPr spcFirstLastPara="1" wrap="square" lIns="91425" tIns="91425" rIns="91425" bIns="91425" anchor="ctr" anchorCtr="0">
             <a:noAutofit/>
           </a:bodyPr>
           <a:lstStyle>
@@ -5096,15 +5272,19 @@
               <a:defRPr sz="4800"/>
             </a:lvl9pPr>
           </a:lstStyle>
-          <a:p/>
+          <a:p>
+            <a:endParaRPr/>
+          </a:p>
         </p:txBody>
       </p:sp>
       <p:sp>
         <p:nvSpPr>
           <p:cNvPr id="34" name="Google Shape;34;p8"/>
-          <p:cNvSpPr txBox="1"/>
+          <p:cNvSpPr txBox="1">
+            <a:spLocks noGrp="1"/>
+          </p:cNvSpPr>
           <p:nvPr>
-            <p:ph idx="12" type="sldNum"/>
+            <p:ph type="sldNum" idx="12"/>
           </p:nvPr>
         </p:nvSpPr>
         <p:spPr>
@@ -5117,7 +5297,7 @@
           </a:prstGeom>
         </p:spPr>
         <p:txBody>
-          <a:bodyPr anchorCtr="0" anchor="ctr" bIns="91425" lIns="91425" spcFirstLastPara="1" rIns="91425" wrap="square" tIns="91425">
+          <a:bodyPr spcFirstLastPara="1" wrap="square" lIns="91425" tIns="91425" rIns="91425" bIns="91425" anchor="ctr" anchorCtr="0">
             <a:noAutofit/>
           </a:bodyPr>
           <a:lstStyle>
@@ -5159,7 +5339,7 @@
             </a:lvl9pPr>
           </a:lstStyle>
           <a:p>
-            <a:pPr indent="0" lvl="0" marL="0" rtl="0" algn="r">
+            <a:pPr marL="0" lvl="0" indent="0" algn="r" rtl="0">
               <a:spcBef>
                 <a:spcPts val="0"/>
               </a:spcBef>
@@ -5185,11 +5365,11 @@
 </file>
 
 <file path=ppt/slideLayouts/slideLayout8.xml><?xml version="1.0" encoding="utf-8"?>
-<p:sldLayout xmlns:a="http://schemas.openxmlformats.org/drawingml/2006/main" xmlns:r="http://schemas.openxmlformats.org/officeDocument/2006/relationships" xmlns:mc="http://schemas.openxmlformats.org/markup-compatibility/2006" xmlns:mv="urn:schemas-microsoft-com:mac:vml" xmlns:p="http://schemas.openxmlformats.org/presentationml/2006/main" xmlns:c="http://schemas.openxmlformats.org/drawingml/2006/chart" xmlns:dgm="http://schemas.openxmlformats.org/drawingml/2006/diagram" xmlns:o="urn:schemas-microsoft-com:office:office" xmlns:v="urn:schemas-microsoft-com:vml" xmlns:pvml="urn:schemas-microsoft-com:office:powerpoint" xmlns:com="http://schemas.openxmlformats.org/drawingml/2006/compatibility" xmlns:p14="http://schemas.microsoft.com/office/powerpoint/2010/main" xmlns:p15="http://schemas.microsoft.com/office/powerpoint/2012/main" matchingName="Section title and description">
+<p:sldLayout xmlns:a="http://schemas.openxmlformats.org/drawingml/2006/main" xmlns:r="http://schemas.openxmlformats.org/officeDocument/2006/relationships" xmlns:p="http://schemas.openxmlformats.org/presentationml/2006/main" matchingName="Section title and description">
   <p:cSld name="SECTION_TITLE_AND_DESCRIPTION">
     <p:spTree>
       <p:nvGrpSpPr>
-        <p:cNvPr id="35" name="Shape 35"/>
+        <p:cNvPr id="1" name="Shape 35"/>
         <p:cNvGrpSpPr/>
         <p:nvPr/>
       </p:nvGrpSpPr>
@@ -5223,12 +5403,12 @@
           </a:ln>
         </p:spPr>
         <p:txBody>
-          <a:bodyPr anchorCtr="0" anchor="ctr" bIns="91425" lIns="91425" spcFirstLastPara="1" rIns="91425" wrap="square" tIns="91425">
+          <a:bodyPr spcFirstLastPara="1" wrap="square" lIns="91425" tIns="91425" rIns="91425" bIns="91425" anchor="ctr" anchorCtr="0">
             <a:noAutofit/>
           </a:bodyPr>
           <a:lstStyle/>
           <a:p>
-            <a:pPr indent="0" lvl="0" marL="0" rtl="0" algn="l">
+            <a:pPr marL="0" lvl="0" indent="0" algn="l" rtl="0">
               <a:spcBef>
                 <a:spcPts val="0"/>
               </a:spcBef>
@@ -5237,9 +5417,6 @@
               </a:spcAft>
               <a:buNone/>
             </a:pPr>
-            <a:r>
-              <a:t/>
-            </a:r>
             <a:endParaRPr/>
           </a:p>
         </p:txBody>
@@ -5247,7 +5424,9 @@
       <p:sp>
         <p:nvSpPr>
           <p:cNvPr id="37" name="Google Shape;37;p9"/>
-          <p:cNvSpPr txBox="1"/>
+          <p:cNvSpPr txBox="1">
+            <a:spLocks noGrp="1"/>
+          </p:cNvSpPr>
           <p:nvPr>
             <p:ph type="title"/>
           </p:nvPr>
@@ -5262,11 +5441,11 @@
           </a:prstGeom>
         </p:spPr>
         <p:txBody>
-          <a:bodyPr anchorCtr="0" anchor="b" bIns="91425" lIns="91425" spcFirstLastPara="1" rIns="91425" wrap="square" tIns="91425">
+          <a:bodyPr spcFirstLastPara="1" wrap="square" lIns="91425" tIns="91425" rIns="91425" bIns="91425" anchor="b" anchorCtr="0">
             <a:noAutofit/>
           </a:bodyPr>
           <a:lstStyle>
-            <a:lvl1pPr lvl="0" rtl="0" algn="ctr">
+            <a:lvl1pPr lvl="0" algn="ctr" rtl="0">
               <a:spcBef>
                 <a:spcPts val="0"/>
               </a:spcBef>
@@ -5277,7 +5456,7 @@
               <a:buNone/>
               <a:defRPr sz="4200"/>
             </a:lvl1pPr>
-            <a:lvl2pPr lvl="1" rtl="0" algn="ctr">
+            <a:lvl2pPr lvl="1" algn="ctr" rtl="0">
               <a:spcBef>
                 <a:spcPts val="0"/>
               </a:spcBef>
@@ -5288,7 +5467,7 @@
               <a:buNone/>
               <a:defRPr sz="4200"/>
             </a:lvl2pPr>
-            <a:lvl3pPr lvl="2" rtl="0" algn="ctr">
+            <a:lvl3pPr lvl="2" algn="ctr" rtl="0">
               <a:spcBef>
                 <a:spcPts val="0"/>
               </a:spcBef>
@@ -5299,7 +5478,7 @@
               <a:buNone/>
               <a:defRPr sz="4200"/>
             </a:lvl3pPr>
-            <a:lvl4pPr lvl="3" rtl="0" algn="ctr">
+            <a:lvl4pPr lvl="3" algn="ctr" rtl="0">
               <a:spcBef>
                 <a:spcPts val="0"/>
               </a:spcBef>
@@ -5310,7 +5489,7 @@
               <a:buNone/>
               <a:defRPr sz="4200"/>
             </a:lvl4pPr>
-            <a:lvl5pPr lvl="4" rtl="0" algn="ctr">
+            <a:lvl5pPr lvl="4" algn="ctr" rtl="0">
               <a:spcBef>
                 <a:spcPts val="0"/>
               </a:spcBef>
@@ -5321,7 +5500,7 @@
               <a:buNone/>
               <a:defRPr sz="4200"/>
             </a:lvl5pPr>
-            <a:lvl6pPr lvl="5" rtl="0" algn="ctr">
+            <a:lvl6pPr lvl="5" algn="ctr" rtl="0">
               <a:spcBef>
                 <a:spcPts val="0"/>
               </a:spcBef>
@@ -5332,7 +5511,7 @@
               <a:buNone/>
               <a:defRPr sz="4200"/>
             </a:lvl6pPr>
-            <a:lvl7pPr lvl="6" rtl="0" algn="ctr">
+            <a:lvl7pPr lvl="6" algn="ctr" rtl="0">
               <a:spcBef>
                 <a:spcPts val="0"/>
               </a:spcBef>
@@ -5343,7 +5522,7 @@
               <a:buNone/>
               <a:defRPr sz="4200"/>
             </a:lvl7pPr>
-            <a:lvl8pPr lvl="7" rtl="0" algn="ctr">
+            <a:lvl8pPr lvl="7" algn="ctr" rtl="0">
               <a:spcBef>
                 <a:spcPts val="0"/>
               </a:spcBef>
@@ -5354,7 +5533,7 @@
               <a:buNone/>
               <a:defRPr sz="4200"/>
             </a:lvl8pPr>
-            <a:lvl9pPr lvl="8" rtl="0" algn="ctr">
+            <a:lvl9pPr lvl="8" algn="ctr" rtl="0">
               <a:spcBef>
                 <a:spcPts val="0"/>
               </a:spcBef>
@@ -5366,15 +5545,19 @@
               <a:defRPr sz="4200"/>
             </a:lvl9pPr>
           </a:lstStyle>
-          <a:p/>
+          <a:p>
+            <a:endParaRPr/>
+          </a:p>
         </p:txBody>
       </p:sp>
       <p:sp>
         <p:nvSpPr>
           <p:cNvPr id="38" name="Google Shape;38;p9"/>
-          <p:cNvSpPr txBox="1"/>
+          <p:cNvSpPr txBox="1">
+            <a:spLocks noGrp="1"/>
+          </p:cNvSpPr>
           <p:nvPr>
-            <p:ph idx="1" type="subTitle"/>
+            <p:ph type="subTitle" idx="1"/>
           </p:nvPr>
         </p:nvSpPr>
         <p:spPr>
@@ -5387,11 +5570,11 @@
           </a:prstGeom>
         </p:spPr>
         <p:txBody>
-          <a:bodyPr anchorCtr="0" anchor="t" bIns="91425" lIns="91425" spcFirstLastPara="1" rIns="91425" wrap="square" tIns="91425">
+          <a:bodyPr spcFirstLastPara="1" wrap="square" lIns="91425" tIns="91425" rIns="91425" bIns="91425" anchor="t" anchorCtr="0">
             <a:noAutofit/>
           </a:bodyPr>
           <a:lstStyle>
-            <a:lvl1pPr lvl="0" rtl="0" algn="ctr">
+            <a:lvl1pPr lvl="0" algn="ctr" rtl="0">
               <a:lnSpc>
                 <a:spcPct val="100000"/>
               </a:lnSpc>
@@ -5405,7 +5588,7 @@
               <a:buNone/>
               <a:defRPr sz="2100"/>
             </a:lvl1pPr>
-            <a:lvl2pPr lvl="1" rtl="0" algn="ctr">
+            <a:lvl2pPr lvl="1" algn="ctr" rtl="0">
               <a:lnSpc>
                 <a:spcPct val="100000"/>
               </a:lnSpc>
@@ -5419,7 +5602,7 @@
               <a:buNone/>
               <a:defRPr sz="2100"/>
             </a:lvl2pPr>
-            <a:lvl3pPr lvl="2" rtl="0" algn="ctr">
+            <a:lvl3pPr lvl="2" algn="ctr" rtl="0">
               <a:lnSpc>
                 <a:spcPct val="100000"/>
               </a:lnSpc>
@@ -5433,7 +5616,7 @@
               <a:buNone/>
               <a:defRPr sz="2100"/>
             </a:lvl3pPr>
-            <a:lvl4pPr lvl="3" rtl="0" algn="ctr">
+            <a:lvl4pPr lvl="3" algn="ctr" rtl="0">
               <a:lnSpc>
                 <a:spcPct val="100000"/>
               </a:lnSpc>
@@ -5447,7 +5630,7 @@
               <a:buNone/>
               <a:defRPr sz="2100"/>
             </a:lvl4pPr>
-            <a:lvl5pPr lvl="4" rtl="0" algn="ctr">
+            <a:lvl5pPr lvl="4" algn="ctr" rtl="0">
               <a:lnSpc>
                 <a:spcPct val="100000"/>
               </a:lnSpc>
@@ -5461,7 +5644,7 @@
               <a:buNone/>
               <a:defRPr sz="2100"/>
             </a:lvl5pPr>
-            <a:lvl6pPr lvl="5" rtl="0" algn="ctr">
+            <a:lvl6pPr lvl="5" algn="ctr" rtl="0">
               <a:lnSpc>
                 <a:spcPct val="100000"/>
               </a:lnSpc>
@@ -5475,7 +5658,7 @@
               <a:buNone/>
               <a:defRPr sz="2100"/>
             </a:lvl6pPr>
-            <a:lvl7pPr lvl="6" rtl="0" algn="ctr">
+            <a:lvl7pPr lvl="6" algn="ctr" rtl="0">
               <a:lnSpc>
                 <a:spcPct val="100000"/>
               </a:lnSpc>
@@ -5489,7 +5672,7 @@
               <a:buNone/>
               <a:defRPr sz="2100"/>
             </a:lvl7pPr>
-            <a:lvl8pPr lvl="7" rtl="0" algn="ctr">
+            <a:lvl8pPr lvl="7" algn="ctr" rtl="0">
               <a:lnSpc>
                 <a:spcPct val="100000"/>
               </a:lnSpc>
@@ -5503,7 +5686,7 @@
               <a:buNone/>
               <a:defRPr sz="2100"/>
             </a:lvl8pPr>
-            <a:lvl9pPr lvl="8" rtl="0" algn="ctr">
+            <a:lvl9pPr lvl="8" algn="ctr" rtl="0">
               <a:lnSpc>
                 <a:spcPct val="100000"/>
               </a:lnSpc>
@@ -5518,15 +5701,19 @@
               <a:defRPr sz="2100"/>
             </a:lvl9pPr>
           </a:lstStyle>
-          <a:p/>
+          <a:p>
+            <a:endParaRPr/>
+          </a:p>
         </p:txBody>
       </p:sp>
       <p:sp>
         <p:nvSpPr>
           <p:cNvPr id="39" name="Google Shape;39;p9"/>
-          <p:cNvSpPr txBox="1"/>
+          <p:cNvSpPr txBox="1">
+            <a:spLocks noGrp="1"/>
+          </p:cNvSpPr>
           <p:nvPr>
-            <p:ph idx="2" type="body"/>
+            <p:ph type="body" idx="2"/>
           </p:nvPr>
         </p:nvSpPr>
         <p:spPr>
@@ -5539,11 +5726,11 @@
           </a:prstGeom>
         </p:spPr>
         <p:txBody>
-          <a:bodyPr anchorCtr="0" anchor="ctr" bIns="91425" lIns="91425" spcFirstLastPara="1" rIns="91425" wrap="square" tIns="91425">
+          <a:bodyPr spcFirstLastPara="1" wrap="square" lIns="91425" tIns="91425" rIns="91425" bIns="91425" anchor="ctr" anchorCtr="0">
             <a:noAutofit/>
           </a:bodyPr>
           <a:lstStyle>
-            <a:lvl1pPr indent="-342900" lvl="0" marL="457200" rtl="0">
+            <a:lvl1pPr marL="457200" lvl="0" indent="-342900" rtl="0">
               <a:spcBef>
                 <a:spcPts val="0"/>
               </a:spcBef>
@@ -5554,7 +5741,7 @@
               <a:buChar char="●"/>
               <a:defRPr/>
             </a:lvl1pPr>
-            <a:lvl2pPr indent="-317500" lvl="1" marL="914400" rtl="0">
+            <a:lvl2pPr marL="914400" lvl="1" indent="-317500" rtl="0">
               <a:spcBef>
                 <a:spcPts val="1600"/>
               </a:spcBef>
@@ -5565,7 +5752,7 @@
               <a:buChar char="○"/>
               <a:defRPr/>
             </a:lvl2pPr>
-            <a:lvl3pPr indent="-317500" lvl="2" marL="1371600" rtl="0">
+            <a:lvl3pPr marL="1371600" lvl="2" indent="-317500" rtl="0">
               <a:spcBef>
                 <a:spcPts val="1600"/>
               </a:spcBef>
@@ -5576,7 +5763,7 @@
               <a:buChar char="■"/>
               <a:defRPr/>
             </a:lvl3pPr>
-            <a:lvl4pPr indent="-317500" lvl="3" marL="1828800" rtl="0">
+            <a:lvl4pPr marL="1828800" lvl="3" indent="-317500" rtl="0">
               <a:spcBef>
                 <a:spcPts val="1600"/>
               </a:spcBef>
@@ -5587,7 +5774,7 @@
               <a:buChar char="●"/>
               <a:defRPr/>
             </a:lvl4pPr>
-            <a:lvl5pPr indent="-317500" lvl="4" marL="2286000" rtl="0">
+            <a:lvl5pPr marL="2286000" lvl="4" indent="-317500" rtl="0">
               <a:spcBef>
                 <a:spcPts val="1600"/>
               </a:spcBef>
@@ -5598,7 +5785,7 @@
               <a:buChar char="○"/>
               <a:defRPr/>
             </a:lvl5pPr>
-            <a:lvl6pPr indent="-317500" lvl="5" marL="2743200" rtl="0">
+            <a:lvl6pPr marL="2743200" lvl="5" indent="-317500" rtl="0">
               <a:spcBef>
                 <a:spcPts val="1600"/>
               </a:spcBef>
@@ -5609,7 +5796,7 @@
               <a:buChar char="■"/>
               <a:defRPr/>
             </a:lvl6pPr>
-            <a:lvl7pPr indent="-317500" lvl="6" marL="3200400" rtl="0">
+            <a:lvl7pPr marL="3200400" lvl="6" indent="-317500" rtl="0">
               <a:spcBef>
                 <a:spcPts val="1600"/>
               </a:spcBef>
@@ -5620,7 +5807,7 @@
               <a:buChar char="●"/>
               <a:defRPr/>
             </a:lvl7pPr>
-            <a:lvl8pPr indent="-317500" lvl="7" marL="3657600" rtl="0">
+            <a:lvl8pPr marL="3657600" lvl="7" indent="-317500" rtl="0">
               <a:spcBef>
                 <a:spcPts val="1600"/>
               </a:spcBef>
@@ -5631,7 +5818,7 @@
               <a:buChar char="○"/>
               <a:defRPr/>
             </a:lvl8pPr>
-            <a:lvl9pPr indent="-317500" lvl="8" marL="4114800" rtl="0">
+            <a:lvl9pPr marL="4114800" lvl="8" indent="-317500" rtl="0">
               <a:spcBef>
                 <a:spcPts val="1600"/>
               </a:spcBef>
@@ -5643,15 +5830,19 @@
               <a:defRPr/>
             </a:lvl9pPr>
           </a:lstStyle>
-          <a:p/>
+          <a:p>
+            <a:endParaRPr/>
+          </a:p>
         </p:txBody>
       </p:sp>
       <p:sp>
         <p:nvSpPr>
           <p:cNvPr id="40" name="Google Shape;40;p9"/>
-          <p:cNvSpPr txBox="1"/>
+          <p:cNvSpPr txBox="1">
+            <a:spLocks noGrp="1"/>
+          </p:cNvSpPr>
           <p:nvPr>
-            <p:ph idx="12" type="sldNum"/>
+            <p:ph type="sldNum" idx="12"/>
           </p:nvPr>
         </p:nvSpPr>
         <p:spPr>
@@ -5664,7 +5855,7 @@
           </a:prstGeom>
         </p:spPr>
         <p:txBody>
-          <a:bodyPr anchorCtr="0" anchor="ctr" bIns="91425" lIns="91425" spcFirstLastPara="1" rIns="91425" wrap="square" tIns="91425">
+          <a:bodyPr spcFirstLastPara="1" wrap="square" lIns="91425" tIns="91425" rIns="91425" bIns="91425" anchor="ctr" anchorCtr="0">
             <a:noAutofit/>
           </a:bodyPr>
           <a:lstStyle>
@@ -5706,7 +5897,7 @@
             </a:lvl9pPr>
           </a:lstStyle>
           <a:p>
-            <a:pPr indent="0" lvl="0" marL="0" rtl="0" algn="r">
+            <a:pPr marL="0" lvl="0" indent="0" algn="r" rtl="0">
               <a:spcBef>
                 <a:spcPts val="0"/>
               </a:spcBef>
@@ -5732,11 +5923,11 @@
 </file>
 
 <file path=ppt/slideLayouts/slideLayout9.xml><?xml version="1.0" encoding="utf-8"?>
-<p:sldLayout xmlns:a="http://schemas.openxmlformats.org/drawingml/2006/main" xmlns:r="http://schemas.openxmlformats.org/officeDocument/2006/relationships" xmlns:mc="http://schemas.openxmlformats.org/markup-compatibility/2006" xmlns:mv="urn:schemas-microsoft-com:mac:vml" xmlns:p="http://schemas.openxmlformats.org/presentationml/2006/main" xmlns:c="http://schemas.openxmlformats.org/drawingml/2006/chart" xmlns:dgm="http://schemas.openxmlformats.org/drawingml/2006/diagram" xmlns:o="urn:schemas-microsoft-com:office:office" xmlns:v="urn:schemas-microsoft-com:vml" xmlns:pvml="urn:schemas-microsoft-com:office:powerpoint" xmlns:com="http://schemas.openxmlformats.org/drawingml/2006/compatibility" xmlns:p14="http://schemas.microsoft.com/office/powerpoint/2010/main" xmlns:p15="http://schemas.microsoft.com/office/powerpoint/2012/main" matchingName="Caption">
+<p:sldLayout xmlns:a="http://schemas.openxmlformats.org/drawingml/2006/main" xmlns:r="http://schemas.openxmlformats.org/officeDocument/2006/relationships" xmlns:p="http://schemas.openxmlformats.org/presentationml/2006/main" matchingName="Caption">
   <p:cSld name="CAPTION_ONLY">
     <p:spTree>
       <p:nvGrpSpPr>
-        <p:cNvPr id="41" name="Shape 41"/>
+        <p:cNvPr id="1" name="Shape 41"/>
         <p:cNvGrpSpPr/>
         <p:nvPr/>
       </p:nvGrpSpPr>
@@ -5751,9 +5942,11 @@
       <p:sp>
         <p:nvSpPr>
           <p:cNvPr id="42" name="Google Shape;42;p10"/>
-          <p:cNvSpPr txBox="1"/>
+          <p:cNvSpPr txBox="1">
+            <a:spLocks noGrp="1"/>
+          </p:cNvSpPr>
           <p:nvPr>
-            <p:ph idx="1" type="body"/>
+            <p:ph type="body" idx="1"/>
           </p:nvPr>
         </p:nvSpPr>
         <p:spPr>
@@ -5766,11 +5959,11 @@
           </a:prstGeom>
         </p:spPr>
         <p:txBody>
-          <a:bodyPr anchorCtr="0" anchor="ctr" bIns="91425" lIns="91425" spcFirstLastPara="1" rIns="91425" wrap="square" tIns="91425">
+          <a:bodyPr spcFirstLastPara="1" wrap="square" lIns="91425" tIns="91425" rIns="91425" bIns="91425" anchor="ctr" anchorCtr="0">
             <a:noAutofit/>
           </a:bodyPr>
           <a:lstStyle>
-            <a:lvl1pPr indent="-228600" lvl="0" marL="457200" rtl="0">
+            <a:lvl1pPr marL="457200" lvl="0" indent="-228600" rtl="0">
               <a:lnSpc>
                 <a:spcPct val="100000"/>
               </a:lnSpc>
@@ -5785,15 +5978,19 @@
               <a:defRPr/>
             </a:lvl1pPr>
           </a:lstStyle>
-          <a:p/>
+          <a:p>
+            <a:endParaRPr/>
+          </a:p>
         </p:txBody>
       </p:sp>
       <p:sp>
         <p:nvSpPr>
           <p:cNvPr id="43" name="Google Shape;43;p10"/>
-          <p:cNvSpPr txBox="1"/>
+          <p:cNvSpPr txBox="1">
+            <a:spLocks noGrp="1"/>
+          </p:cNvSpPr>
           <p:nvPr>
-            <p:ph idx="12" type="sldNum"/>
+            <p:ph type="sldNum" idx="12"/>
           </p:nvPr>
         </p:nvSpPr>
         <p:spPr>
@@ -5806,7 +6003,7 @@
           </a:prstGeom>
         </p:spPr>
         <p:txBody>
-          <a:bodyPr anchorCtr="0" anchor="ctr" bIns="91425" lIns="91425" spcFirstLastPara="1" rIns="91425" wrap="square" tIns="91425">
+          <a:bodyPr spcFirstLastPara="1" wrap="square" lIns="91425" tIns="91425" rIns="91425" bIns="91425" anchor="ctr" anchorCtr="0">
             <a:noAutofit/>
           </a:bodyPr>
           <a:lstStyle>
@@ -5848,7 +6045,7 @@
             </a:lvl9pPr>
           </a:lstStyle>
           <a:p>
-            <a:pPr indent="0" lvl="0" marL="0" rtl="0" algn="r">
+            <a:pPr marL="0" lvl="0" indent="0" algn="r" rtl="0">
               <a:spcBef>
                 <a:spcPts val="0"/>
               </a:spcBef>
@@ -5874,18 +6071,19 @@
 </file>
 
 <file path=ppt/slideMasters/slideMaster1.xml><?xml version="1.0" encoding="utf-8"?>
-<p:sldMaster xmlns:a="http://schemas.openxmlformats.org/drawingml/2006/main" xmlns:r="http://schemas.openxmlformats.org/officeDocument/2006/relationships" xmlns:mc="http://schemas.openxmlformats.org/markup-compatibility/2006" xmlns:mv="urn:schemas-microsoft-com:mac:vml" xmlns:p="http://schemas.openxmlformats.org/presentationml/2006/main" xmlns:c="http://schemas.openxmlformats.org/drawingml/2006/chart" xmlns:dgm="http://schemas.openxmlformats.org/drawingml/2006/diagram" xmlns:o="urn:schemas-microsoft-com:office:office" xmlns:v="urn:schemas-microsoft-com:vml" xmlns:pvml="urn:schemas-microsoft-com:office:powerpoint" xmlns:com="http://schemas.openxmlformats.org/drawingml/2006/compatibility" xmlns:p14="http://schemas.microsoft.com/office/powerpoint/2010/main" xmlns:p15="http://schemas.microsoft.com/office/powerpoint/2012/main">
+<p:sldMaster xmlns:a="http://schemas.openxmlformats.org/drawingml/2006/main" xmlns:r="http://schemas.openxmlformats.org/officeDocument/2006/relationships" xmlns:p="http://schemas.openxmlformats.org/presentationml/2006/main">
   <p:cSld name="simple-light-2">
     <p:bg>
       <p:bgPr>
         <a:solidFill>
           <a:schemeClr val="lt1"/>
         </a:solidFill>
+        <a:effectLst/>
       </p:bgPr>
     </p:bg>
     <p:spTree>
       <p:nvGrpSpPr>
-        <p:cNvPr id="5" name="Shape 5"/>
+        <p:cNvPr id="1" name="Shape 5"/>
         <p:cNvGrpSpPr/>
         <p:nvPr/>
       </p:nvGrpSpPr>
@@ -5900,7 +6098,9 @@
       <p:sp>
         <p:nvSpPr>
           <p:cNvPr id="6" name="Google Shape;6;p1"/>
-          <p:cNvSpPr txBox="1"/>
+          <p:cNvSpPr txBox="1">
+            <a:spLocks noGrp="1"/>
+          </p:cNvSpPr>
           <p:nvPr>
             <p:ph type="title"/>
           </p:nvPr>
@@ -5919,7 +6119,7 @@
           </a:ln>
         </p:spPr>
         <p:txBody>
-          <a:bodyPr anchorCtr="0" anchor="t" bIns="91425" lIns="91425" spcFirstLastPara="1" rIns="91425" wrap="square" tIns="91425">
+          <a:bodyPr spcFirstLastPara="1" wrap="square" lIns="91425" tIns="91425" rIns="91425" bIns="91425" anchor="t" anchorCtr="0">
             <a:noAutofit/>
           </a:bodyPr>
           <a:lstStyle>
@@ -6086,15 +6286,19 @@
               </a:defRPr>
             </a:lvl9pPr>
           </a:lstStyle>
-          <a:p/>
+          <a:p>
+            <a:endParaRPr/>
+          </a:p>
         </p:txBody>
       </p:sp>
       <p:sp>
         <p:nvSpPr>
           <p:cNvPr id="7" name="Google Shape;7;p1"/>
-          <p:cNvSpPr txBox="1"/>
+          <p:cNvSpPr txBox="1">
+            <a:spLocks noGrp="1"/>
+          </p:cNvSpPr>
           <p:nvPr>
-            <p:ph idx="1" type="body"/>
+            <p:ph type="body" idx="1"/>
           </p:nvPr>
         </p:nvSpPr>
         <p:spPr>
@@ -6111,11 +6315,11 @@
           </a:ln>
         </p:spPr>
         <p:txBody>
-          <a:bodyPr anchorCtr="0" anchor="t" bIns="91425" lIns="91425" spcFirstLastPara="1" rIns="91425" wrap="square" tIns="91425">
+          <a:bodyPr spcFirstLastPara="1" wrap="square" lIns="91425" tIns="91425" rIns="91425" bIns="91425" anchor="t" anchorCtr="0">
             <a:noAutofit/>
           </a:bodyPr>
           <a:lstStyle>
-            <a:lvl1pPr indent="-342900" lvl="0" marL="457200" rtl="0">
+            <a:lvl1pPr marL="457200" lvl="0" indent="-342900" rtl="0">
               <a:lnSpc>
                 <a:spcPct val="115000"/>
               </a:lnSpc>
@@ -6136,7 +6340,7 @@
                 </a:solidFill>
               </a:defRPr>
             </a:lvl1pPr>
-            <a:lvl2pPr indent="-317500" lvl="1" marL="914400" rtl="0">
+            <a:lvl2pPr marL="914400" lvl="1" indent="-317500" rtl="0">
               <a:lnSpc>
                 <a:spcPct val="115000"/>
               </a:lnSpc>
@@ -6157,7 +6361,7 @@
                 </a:solidFill>
               </a:defRPr>
             </a:lvl2pPr>
-            <a:lvl3pPr indent="-317500" lvl="2" marL="1371600" rtl="0">
+            <a:lvl3pPr marL="1371600" lvl="2" indent="-317500" rtl="0">
               <a:lnSpc>
                 <a:spcPct val="115000"/>
               </a:lnSpc>
@@ -6178,7 +6382,7 @@
                 </a:solidFill>
               </a:defRPr>
             </a:lvl3pPr>
-            <a:lvl4pPr indent="-317500" lvl="3" marL="1828800" rtl="0">
+            <a:lvl4pPr marL="1828800" lvl="3" indent="-317500" rtl="0">
               <a:lnSpc>
                 <a:spcPct val="115000"/>
               </a:lnSpc>
@@ -6199,7 +6403,7 @@
                 </a:solidFill>
               </a:defRPr>
             </a:lvl4pPr>
-            <a:lvl5pPr indent="-317500" lvl="4" marL="2286000" rtl="0">
+            <a:lvl5pPr marL="2286000" lvl="4" indent="-317500" rtl="0">
               <a:lnSpc>
                 <a:spcPct val="115000"/>
               </a:lnSpc>
@@ -6220,7 +6424,7 @@
                 </a:solidFill>
               </a:defRPr>
             </a:lvl5pPr>
-            <a:lvl6pPr indent="-317500" lvl="5" marL="2743200" rtl="0">
+            <a:lvl6pPr marL="2743200" lvl="5" indent="-317500" rtl="0">
               <a:lnSpc>
                 <a:spcPct val="115000"/>
               </a:lnSpc>
@@ -6241,7 +6445,7 @@
                 </a:solidFill>
               </a:defRPr>
             </a:lvl6pPr>
-            <a:lvl7pPr indent="-317500" lvl="6" marL="3200400" rtl="0">
+            <a:lvl7pPr marL="3200400" lvl="6" indent="-317500" rtl="0">
               <a:lnSpc>
                 <a:spcPct val="115000"/>
               </a:lnSpc>
@@ -6262,7 +6466,7 @@
                 </a:solidFill>
               </a:defRPr>
             </a:lvl7pPr>
-            <a:lvl8pPr indent="-317500" lvl="7" marL="3657600" rtl="0">
+            <a:lvl8pPr marL="3657600" lvl="7" indent="-317500" rtl="0">
               <a:lnSpc>
                 <a:spcPct val="115000"/>
               </a:lnSpc>
@@ -6283,7 +6487,7 @@
                 </a:solidFill>
               </a:defRPr>
             </a:lvl8pPr>
-            <a:lvl9pPr indent="-317500" lvl="8" marL="4114800" rtl="0">
+            <a:lvl9pPr marL="4114800" lvl="8" indent="-317500" rtl="0">
               <a:lnSpc>
                 <a:spcPct val="115000"/>
               </a:lnSpc>
@@ -6305,15 +6509,19 @@
               </a:defRPr>
             </a:lvl9pPr>
           </a:lstStyle>
-          <a:p/>
+          <a:p>
+            <a:endParaRPr/>
+          </a:p>
         </p:txBody>
       </p:sp>
       <p:sp>
         <p:nvSpPr>
           <p:cNvPr id="8" name="Google Shape;8;p1"/>
-          <p:cNvSpPr txBox="1"/>
+          <p:cNvSpPr txBox="1">
+            <a:spLocks noGrp="1"/>
+          </p:cNvSpPr>
           <p:nvPr>
-            <p:ph idx="12" type="sldNum"/>
+            <p:ph type="sldNum" idx="12"/>
           </p:nvPr>
         </p:nvSpPr>
         <p:spPr>
@@ -6330,11 +6538,11 @@
           </a:ln>
         </p:spPr>
         <p:txBody>
-          <a:bodyPr anchorCtr="0" anchor="ctr" bIns="91425" lIns="91425" spcFirstLastPara="1" rIns="91425" wrap="square" tIns="91425">
+          <a:bodyPr spcFirstLastPara="1" wrap="square" lIns="91425" tIns="91425" rIns="91425" bIns="91425" anchor="ctr" anchorCtr="0">
             <a:noAutofit/>
           </a:bodyPr>
           <a:lstStyle>
-            <a:lvl1pPr lvl="0" rtl="0" algn="r">
+            <a:lvl1pPr lvl="0" algn="r" rtl="0">
               <a:buNone/>
               <a:defRPr sz="1000">
                 <a:solidFill>
@@ -6342,7 +6550,7 @@
                 </a:solidFill>
               </a:defRPr>
             </a:lvl1pPr>
-            <a:lvl2pPr lvl="1" rtl="0" algn="r">
+            <a:lvl2pPr lvl="1" algn="r" rtl="0">
               <a:buNone/>
               <a:defRPr sz="1000">
                 <a:solidFill>
@@ -6350,7 +6558,7 @@
                 </a:solidFill>
               </a:defRPr>
             </a:lvl2pPr>
-            <a:lvl3pPr lvl="2" rtl="0" algn="r">
+            <a:lvl3pPr lvl="2" algn="r" rtl="0">
               <a:buNone/>
               <a:defRPr sz="1000">
                 <a:solidFill>
@@ -6358,7 +6566,7 @@
                 </a:solidFill>
               </a:defRPr>
             </a:lvl3pPr>
-            <a:lvl4pPr lvl="3" rtl="0" algn="r">
+            <a:lvl4pPr lvl="3" algn="r" rtl="0">
               <a:buNone/>
               <a:defRPr sz="1000">
                 <a:solidFill>
@@ -6366,7 +6574,7 @@
                 </a:solidFill>
               </a:defRPr>
             </a:lvl4pPr>
-            <a:lvl5pPr lvl="4" rtl="0" algn="r">
+            <a:lvl5pPr lvl="4" algn="r" rtl="0">
               <a:buNone/>
               <a:defRPr sz="1000">
                 <a:solidFill>
@@ -6374,7 +6582,7 @@
                 </a:solidFill>
               </a:defRPr>
             </a:lvl5pPr>
-            <a:lvl6pPr lvl="5" rtl="0" algn="r">
+            <a:lvl6pPr lvl="5" algn="r" rtl="0">
               <a:buNone/>
               <a:defRPr sz="1000">
                 <a:solidFill>
@@ -6382,7 +6590,7 @@
                 </a:solidFill>
               </a:defRPr>
             </a:lvl6pPr>
-            <a:lvl7pPr lvl="6" rtl="0" algn="r">
+            <a:lvl7pPr lvl="6" algn="r" rtl="0">
               <a:buNone/>
               <a:defRPr sz="1000">
                 <a:solidFill>
@@ -6390,7 +6598,7 @@
                 </a:solidFill>
               </a:defRPr>
             </a:lvl7pPr>
-            <a:lvl8pPr lvl="7" rtl="0" algn="r">
+            <a:lvl8pPr lvl="7" algn="r" rtl="0">
               <a:buNone/>
               <a:defRPr sz="1000">
                 <a:solidFill>
@@ -6398,7 +6606,7 @@
                 </a:solidFill>
               </a:defRPr>
             </a:lvl8pPr>
-            <a:lvl9pPr lvl="8" rtl="0" algn="r">
+            <a:lvl9pPr lvl="8" algn="r" rtl="0">
               <a:buNone/>
               <a:defRPr sz="1000">
                 <a:solidFill>
@@ -6408,7 +6616,7 @@
             </a:lvl9pPr>
           </a:lstStyle>
           <a:p>
-            <a:pPr indent="0" lvl="0" marL="0" rtl="0" algn="r">
+            <a:pPr marL="0" lvl="0" indent="0" algn="r" rtl="0">
               <a:spcBef>
                 <a:spcPts val="0"/>
               </a:spcBef>
@@ -6427,7 +6635,7 @@
       </p:sp>
     </p:spTree>
   </p:cSld>
-  <p:clrMap accent1="accent1" accent2="accent2" accent3="accent3" accent4="accent4" accent5="accent5" accent6="accent6" bg1="lt1" bg2="dk2" tx1="dk1" tx2="lt2" folHlink="folHlink" hlink="hlink"/>
+  <p:clrMap bg1="lt1" tx1="dk1" bg2="dk2" tx2="lt2" accent1="accent1" accent2="accent2" accent3="accent3" accent4="accent4" accent5="accent5" accent6="accent6" hlink="hlink" folHlink="folHlink"/>
   <p:sldLayoutIdLst>
     <p:sldLayoutId id="2147483648" r:id="rId1"/>
     <p:sldLayoutId id="2147483649" r:id="rId2"/>
@@ -6441,10 +6649,10 @@
     <p:sldLayoutId id="2147483657" r:id="rId10"/>
     <p:sldLayoutId id="2147483658" r:id="rId11"/>
   </p:sldLayoutIdLst>
-  <p:hf dt="0" ftr="0" hdr="0" sldNum="0"/>
+  <p:hf sldNum="0" hdr="0" ftr="0" dt="0"/>
   <p:txStyles>
     <p:titleStyle>
-      <a:defPPr lvl="0" marR="0" rtl="0" algn="l">
+      <a:defPPr marR="0" lvl="0" algn="l" rtl="0">
         <a:lnSpc>
           <a:spcPct val="100000"/>
         </a:lnSpc>
@@ -6455,7 +6663,7 @@
           <a:spcPts val="0"/>
         </a:spcAft>
       </a:defPPr>
-      <a:lvl1pPr lvl="0" marR="0" rtl="0" algn="l">
+      <a:lvl1pPr marR="0" lvl="0" algn="l" rtl="0">
         <a:lnSpc>
           <a:spcPct val="100000"/>
         </a:lnSpc>
@@ -6469,7 +6677,7 @@
           <a:srgbClr val="000000"/>
         </a:buClr>
         <a:buFont typeface="Arial"/>
-        <a:defRPr b="0" i="0" sz="1400" u="none" cap="none" strike="noStrike">
+        <a:defRPr sz="1400" b="0" i="0" u="none" strike="noStrike" cap="none">
           <a:solidFill>
             <a:srgbClr val="000000"/>
           </a:solidFill>
@@ -6479,7 +6687,7 @@
           <a:sym typeface="Arial"/>
         </a:defRPr>
       </a:lvl1pPr>
-      <a:lvl2pPr lvl="1" marR="0" rtl="0" algn="l">
+      <a:lvl2pPr marR="0" lvl="1" algn="l" rtl="0">
         <a:lnSpc>
           <a:spcPct val="100000"/>
         </a:lnSpc>
@@ -6493,7 +6701,7 @@
           <a:srgbClr val="000000"/>
         </a:buClr>
         <a:buFont typeface="Arial"/>
-        <a:defRPr b="0" i="0" sz="1400" u="none" cap="none" strike="noStrike">
+        <a:defRPr sz="1400" b="0" i="0" u="none" strike="noStrike" cap="none">
           <a:solidFill>
             <a:srgbClr val="000000"/>
           </a:solidFill>
@@ -6503,7 +6711,7 @@
           <a:sym typeface="Arial"/>
         </a:defRPr>
       </a:lvl2pPr>
-      <a:lvl3pPr lvl="2" marR="0" rtl="0" algn="l">
+      <a:lvl3pPr marR="0" lvl="2" algn="l" rtl="0">
         <a:lnSpc>
           <a:spcPct val="100000"/>
         </a:lnSpc>
@@ -6517,7 +6725,7 @@
           <a:srgbClr val="000000"/>
         </a:buClr>
         <a:buFont typeface="Arial"/>
-        <a:defRPr b="0" i="0" sz="1400" u="none" cap="none" strike="noStrike">
+        <a:defRPr sz="1400" b="0" i="0" u="none" strike="noStrike" cap="none">
           <a:solidFill>
             <a:srgbClr val="000000"/>
           </a:solidFill>
@@ -6527,7 +6735,7 @@
           <a:sym typeface="Arial"/>
         </a:defRPr>
       </a:lvl3pPr>
-      <a:lvl4pPr lvl="3" marR="0" rtl="0" algn="l">
+      <a:lvl4pPr marR="0" lvl="3" algn="l" rtl="0">
         <a:lnSpc>
           <a:spcPct val="100000"/>
         </a:lnSpc>
@@ -6541,7 +6749,7 @@
           <a:srgbClr val="000000"/>
         </a:buClr>
         <a:buFont typeface="Arial"/>
-        <a:defRPr b="0" i="0" sz="1400" u="none" cap="none" strike="noStrike">
+        <a:defRPr sz="1400" b="0" i="0" u="none" strike="noStrike" cap="none">
           <a:solidFill>
             <a:srgbClr val="000000"/>
           </a:solidFill>
@@ -6551,7 +6759,7 @@
           <a:sym typeface="Arial"/>
         </a:defRPr>
       </a:lvl4pPr>
-      <a:lvl5pPr lvl="4" marR="0" rtl="0" algn="l">
+      <a:lvl5pPr marR="0" lvl="4" algn="l" rtl="0">
         <a:lnSpc>
           <a:spcPct val="100000"/>
         </a:lnSpc>
@@ -6565,7 +6773,7 @@
           <a:srgbClr val="000000"/>
         </a:buClr>
         <a:buFont typeface="Arial"/>
-        <a:defRPr b="0" i="0" sz="1400" u="none" cap="none" strike="noStrike">
+        <a:defRPr sz="1400" b="0" i="0" u="none" strike="noStrike" cap="none">
           <a:solidFill>
             <a:srgbClr val="000000"/>
           </a:solidFill>
@@ -6575,7 +6783,7 @@
           <a:sym typeface="Arial"/>
         </a:defRPr>
       </a:lvl5pPr>
-      <a:lvl6pPr lvl="5" marR="0" rtl="0" algn="l">
+      <a:lvl6pPr marR="0" lvl="5" algn="l" rtl="0">
         <a:lnSpc>
           <a:spcPct val="100000"/>
         </a:lnSpc>
@@ -6589,7 +6797,7 @@
           <a:srgbClr val="000000"/>
         </a:buClr>
         <a:buFont typeface="Arial"/>
-        <a:defRPr b="0" i="0" sz="1400" u="none" cap="none" strike="noStrike">
+        <a:defRPr sz="1400" b="0" i="0" u="none" strike="noStrike" cap="none">
           <a:solidFill>
             <a:srgbClr val="000000"/>
           </a:solidFill>
@@ -6599,7 +6807,7 @@
           <a:sym typeface="Arial"/>
         </a:defRPr>
       </a:lvl6pPr>
-      <a:lvl7pPr lvl="6" marR="0" rtl="0" algn="l">
+      <a:lvl7pPr marR="0" lvl="6" algn="l" rtl="0">
         <a:lnSpc>
           <a:spcPct val="100000"/>
         </a:lnSpc>
@@ -6613,7 +6821,7 @@
           <a:srgbClr val="000000"/>
         </a:buClr>
         <a:buFont typeface="Arial"/>
-        <a:defRPr b="0" i="0" sz="1400" u="none" cap="none" strike="noStrike">
+        <a:defRPr sz="1400" b="0" i="0" u="none" strike="noStrike" cap="none">
           <a:solidFill>
             <a:srgbClr val="000000"/>
           </a:solidFill>
@@ -6623,7 +6831,7 @@
           <a:sym typeface="Arial"/>
         </a:defRPr>
       </a:lvl7pPr>
-      <a:lvl8pPr lvl="7" marR="0" rtl="0" algn="l">
+      <a:lvl8pPr marR="0" lvl="7" algn="l" rtl="0">
         <a:lnSpc>
           <a:spcPct val="100000"/>
         </a:lnSpc>
@@ -6637,7 +6845,7 @@
           <a:srgbClr val="000000"/>
         </a:buClr>
         <a:buFont typeface="Arial"/>
-        <a:defRPr b="0" i="0" sz="1400" u="none" cap="none" strike="noStrike">
+        <a:defRPr sz="1400" b="0" i="0" u="none" strike="noStrike" cap="none">
           <a:solidFill>
             <a:srgbClr val="000000"/>
           </a:solidFill>
@@ -6647,7 +6855,7 @@
           <a:sym typeface="Arial"/>
         </a:defRPr>
       </a:lvl8pPr>
-      <a:lvl9pPr lvl="8" marR="0" rtl="0" algn="l">
+      <a:lvl9pPr marR="0" lvl="8" algn="l" rtl="0">
         <a:lnSpc>
           <a:spcPct val="100000"/>
         </a:lnSpc>
@@ -6661,7 +6869,7 @@
           <a:srgbClr val="000000"/>
         </a:buClr>
         <a:buFont typeface="Arial"/>
-        <a:defRPr b="0" i="0" sz="1400" u="none" cap="none" strike="noStrike">
+        <a:defRPr sz="1400" b="0" i="0" u="none" strike="noStrike" cap="none">
           <a:solidFill>
             <a:srgbClr val="000000"/>
           </a:solidFill>
@@ -6673,7 +6881,7 @@
       </a:lvl9pPr>
     </p:titleStyle>
     <p:bodyStyle>
-      <a:defPPr lvl="0" marR="0" rtl="0" algn="l">
+      <a:defPPr marR="0" lvl="0" algn="l" rtl="0">
         <a:lnSpc>
           <a:spcPct val="100000"/>
         </a:lnSpc>
@@ -6684,7 +6892,7 @@
           <a:spcPts val="0"/>
         </a:spcAft>
       </a:defPPr>
-      <a:lvl1pPr lvl="0" marR="0" rtl="0" algn="l">
+      <a:lvl1pPr marR="0" lvl="0" algn="l" rtl="0">
         <a:lnSpc>
           <a:spcPct val="100000"/>
         </a:lnSpc>
@@ -6698,7 +6906,7 @@
           <a:srgbClr val="000000"/>
         </a:buClr>
         <a:buFont typeface="Arial"/>
-        <a:defRPr b="0" i="0" sz="1400" u="none" cap="none" strike="noStrike">
+        <a:defRPr sz="1400" b="0" i="0" u="none" strike="noStrike" cap="none">
           <a:solidFill>
             <a:srgbClr val="000000"/>
           </a:solidFill>
@@ -6708,7 +6916,7 @@
           <a:sym typeface="Arial"/>
         </a:defRPr>
       </a:lvl1pPr>
-      <a:lvl2pPr lvl="1" marR="0" rtl="0" algn="l">
+      <a:lvl2pPr marR="0" lvl="1" algn="l" rtl="0">
         <a:lnSpc>
           <a:spcPct val="100000"/>
         </a:lnSpc>
@@ -6722,7 +6930,7 @@
           <a:srgbClr val="000000"/>
         </a:buClr>
         <a:buFont typeface="Arial"/>
-        <a:defRPr b="0" i="0" sz="1400" u="none" cap="none" strike="noStrike">
+        <a:defRPr sz="1400" b="0" i="0" u="none" strike="noStrike" cap="none">
           <a:solidFill>
             <a:srgbClr val="000000"/>
           </a:solidFill>
@@ -6732,7 +6940,7 @@
           <a:sym typeface="Arial"/>
         </a:defRPr>
       </a:lvl2pPr>
-      <a:lvl3pPr lvl="2" marR="0" rtl="0" algn="l">
+      <a:lvl3pPr marR="0" lvl="2" algn="l" rtl="0">
         <a:lnSpc>
           <a:spcPct val="100000"/>
         </a:lnSpc>
@@ -6746,7 +6954,7 @@
           <a:srgbClr val="000000"/>
         </a:buClr>
         <a:buFont typeface="Arial"/>
-        <a:defRPr b="0" i="0" sz="1400" u="none" cap="none" strike="noStrike">
+        <a:defRPr sz="1400" b="0" i="0" u="none" strike="noStrike" cap="none">
           <a:solidFill>
             <a:srgbClr val="000000"/>
           </a:solidFill>
@@ -6756,7 +6964,7 @@
           <a:sym typeface="Arial"/>
         </a:defRPr>
       </a:lvl3pPr>
-      <a:lvl4pPr lvl="3" marR="0" rtl="0" algn="l">
+      <a:lvl4pPr marR="0" lvl="3" algn="l" rtl="0">
         <a:lnSpc>
           <a:spcPct val="100000"/>
         </a:lnSpc>
@@ -6770,7 +6978,7 @@
           <a:srgbClr val="000000"/>
         </a:buClr>
         <a:buFont typeface="Arial"/>
-        <a:defRPr b="0" i="0" sz="1400" u="none" cap="none" strike="noStrike">
+        <a:defRPr sz="1400" b="0" i="0" u="none" strike="noStrike" cap="none">
           <a:solidFill>
             <a:srgbClr val="000000"/>
           </a:solidFill>
@@ -6780,7 +6988,7 @@
           <a:sym typeface="Arial"/>
         </a:defRPr>
       </a:lvl4pPr>
-      <a:lvl5pPr lvl="4" marR="0" rtl="0" algn="l">
+      <a:lvl5pPr marR="0" lvl="4" algn="l" rtl="0">
         <a:lnSpc>
           <a:spcPct val="100000"/>
         </a:lnSpc>
@@ -6794,7 +7002,7 @@
           <a:srgbClr val="000000"/>
         </a:buClr>
         <a:buFont typeface="Arial"/>
-        <a:defRPr b="0" i="0" sz="1400" u="none" cap="none" strike="noStrike">
+        <a:defRPr sz="1400" b="0" i="0" u="none" strike="noStrike" cap="none">
           <a:solidFill>
             <a:srgbClr val="000000"/>
           </a:solidFill>
@@ -6804,7 +7012,7 @@
           <a:sym typeface="Arial"/>
         </a:defRPr>
       </a:lvl5pPr>
-      <a:lvl6pPr lvl="5" marR="0" rtl="0" algn="l">
+      <a:lvl6pPr marR="0" lvl="5" algn="l" rtl="0">
         <a:lnSpc>
           <a:spcPct val="100000"/>
         </a:lnSpc>
@@ -6818,7 +7026,7 @@
           <a:srgbClr val="000000"/>
         </a:buClr>
         <a:buFont typeface="Arial"/>
-        <a:defRPr b="0" i="0" sz="1400" u="none" cap="none" strike="noStrike">
+        <a:defRPr sz="1400" b="0" i="0" u="none" strike="noStrike" cap="none">
           <a:solidFill>
             <a:srgbClr val="000000"/>
           </a:solidFill>
@@ -6828,7 +7036,7 @@
           <a:sym typeface="Arial"/>
         </a:defRPr>
       </a:lvl6pPr>
-      <a:lvl7pPr lvl="6" marR="0" rtl="0" algn="l">
+      <a:lvl7pPr marR="0" lvl="6" algn="l" rtl="0">
         <a:lnSpc>
           <a:spcPct val="100000"/>
         </a:lnSpc>
@@ -6842,7 +7050,7 @@
           <a:srgbClr val="000000"/>
         </a:buClr>
         <a:buFont typeface="Arial"/>
-        <a:defRPr b="0" i="0" sz="1400" u="none" cap="none" strike="noStrike">
+        <a:defRPr sz="1400" b="0" i="0" u="none" strike="noStrike" cap="none">
           <a:solidFill>
             <a:srgbClr val="000000"/>
           </a:solidFill>
@@ -6852,7 +7060,7 @@
           <a:sym typeface="Arial"/>
         </a:defRPr>
       </a:lvl7pPr>
-      <a:lvl8pPr lvl="7" marR="0" rtl="0" algn="l">
+      <a:lvl8pPr marR="0" lvl="7" algn="l" rtl="0">
         <a:lnSpc>
           <a:spcPct val="100000"/>
         </a:lnSpc>
@@ -6866,7 +7074,7 @@
           <a:srgbClr val="000000"/>
         </a:buClr>
         <a:buFont typeface="Arial"/>
-        <a:defRPr b="0" i="0" sz="1400" u="none" cap="none" strike="noStrike">
+        <a:defRPr sz="1400" b="0" i="0" u="none" strike="noStrike" cap="none">
           <a:solidFill>
             <a:srgbClr val="000000"/>
           </a:solidFill>
@@ -6876,7 +7084,7 @@
           <a:sym typeface="Arial"/>
         </a:defRPr>
       </a:lvl8pPr>
-      <a:lvl9pPr lvl="8" marR="0" rtl="0" algn="l">
+      <a:lvl9pPr marR="0" lvl="8" algn="l" rtl="0">
         <a:lnSpc>
           <a:spcPct val="100000"/>
         </a:lnSpc>
@@ -6890,7 +7098,7 @@
           <a:srgbClr val="000000"/>
         </a:buClr>
         <a:buFont typeface="Arial"/>
-        <a:defRPr b="0" i="0" sz="1400" u="none" cap="none" strike="noStrike">
+        <a:defRPr sz="1400" b="0" i="0" u="none" strike="noStrike" cap="none">
           <a:solidFill>
             <a:srgbClr val="000000"/>
           </a:solidFill>
@@ -6902,7 +7110,7 @@
       </a:lvl9pPr>
     </p:bodyStyle>
     <p:otherStyle>
-      <a:defPPr lvl="0" marR="0" rtl="0" algn="l">
+      <a:defPPr marR="0" lvl="0" algn="l" rtl="0">
         <a:lnSpc>
           <a:spcPct val="100000"/>
         </a:lnSpc>
@@ -6913,7 +7121,7 @@
           <a:spcPts val="0"/>
         </a:spcAft>
       </a:defPPr>
-      <a:lvl1pPr lvl="0" marR="0" rtl="0" algn="l">
+      <a:lvl1pPr marR="0" lvl="0" algn="l" rtl="0">
         <a:lnSpc>
           <a:spcPct val="100000"/>
         </a:lnSpc>
@@ -6927,7 +7135,7 @@
           <a:srgbClr val="000000"/>
         </a:buClr>
         <a:buFont typeface="Arial"/>
-        <a:defRPr b="0" i="0" sz="1400" u="none" cap="none" strike="noStrike">
+        <a:defRPr sz="1400" b="0" i="0" u="none" strike="noStrike" cap="none">
           <a:solidFill>
             <a:srgbClr val="000000"/>
           </a:solidFill>
@@ -6937,7 +7145,7 @@
           <a:sym typeface="Arial"/>
         </a:defRPr>
       </a:lvl1pPr>
-      <a:lvl2pPr lvl="1" marR="0" rtl="0" algn="l">
+      <a:lvl2pPr marR="0" lvl="1" algn="l" rtl="0">
         <a:lnSpc>
           <a:spcPct val="100000"/>
         </a:lnSpc>
@@ -6951,7 +7159,7 @@
           <a:srgbClr val="000000"/>
         </a:buClr>
         <a:buFont typeface="Arial"/>
-        <a:defRPr b="0" i="0" sz="1400" u="none" cap="none" strike="noStrike">
+        <a:defRPr sz="1400" b="0" i="0" u="none" strike="noStrike" cap="none">
           <a:solidFill>
             <a:srgbClr val="000000"/>
           </a:solidFill>
@@ -6961,7 +7169,7 @@
           <a:sym typeface="Arial"/>
         </a:defRPr>
       </a:lvl2pPr>
-      <a:lvl3pPr lvl="2" marR="0" rtl="0" algn="l">
+      <a:lvl3pPr marR="0" lvl="2" algn="l" rtl="0">
         <a:lnSpc>
           <a:spcPct val="100000"/>
         </a:lnSpc>
@@ -6975,7 +7183,7 @@
           <a:srgbClr val="000000"/>
         </a:buClr>
         <a:buFont typeface="Arial"/>
-        <a:defRPr b="0" i="0" sz="1400" u="none" cap="none" strike="noStrike">
+        <a:defRPr sz="1400" b="0" i="0" u="none" strike="noStrike" cap="none">
           <a:solidFill>
             <a:srgbClr val="000000"/>
           </a:solidFill>
@@ -6985,7 +7193,7 @@
           <a:sym typeface="Arial"/>
         </a:defRPr>
       </a:lvl3pPr>
-      <a:lvl4pPr lvl="3" marR="0" rtl="0" algn="l">
+      <a:lvl4pPr marR="0" lvl="3" algn="l" rtl="0">
         <a:lnSpc>
           <a:spcPct val="100000"/>
         </a:lnSpc>
@@ -6999,7 +7207,7 @@
           <a:srgbClr val="000000"/>
         </a:buClr>
         <a:buFont typeface="Arial"/>
-        <a:defRPr b="0" i="0" sz="1400" u="none" cap="none" strike="noStrike">
+        <a:defRPr sz="1400" b="0" i="0" u="none" strike="noStrike" cap="none">
           <a:solidFill>
             <a:srgbClr val="000000"/>
           </a:solidFill>
@@ -7009,7 +7217,7 @@
           <a:sym typeface="Arial"/>
         </a:defRPr>
       </a:lvl4pPr>
-      <a:lvl5pPr lvl="4" marR="0" rtl="0" algn="l">
+      <a:lvl5pPr marR="0" lvl="4" algn="l" rtl="0">
         <a:lnSpc>
           <a:spcPct val="100000"/>
         </a:lnSpc>
@@ -7023,7 +7231,7 @@
           <a:srgbClr val="000000"/>
         </a:buClr>
         <a:buFont typeface="Arial"/>
-        <a:defRPr b="0" i="0" sz="1400" u="none" cap="none" strike="noStrike">
+        <a:defRPr sz="1400" b="0" i="0" u="none" strike="noStrike" cap="none">
           <a:solidFill>
             <a:srgbClr val="000000"/>
           </a:solidFill>
@@ -7033,7 +7241,7 @@
           <a:sym typeface="Arial"/>
         </a:defRPr>
       </a:lvl5pPr>
-      <a:lvl6pPr lvl="5" marR="0" rtl="0" algn="l">
+      <a:lvl6pPr marR="0" lvl="5" algn="l" rtl="0">
         <a:lnSpc>
           <a:spcPct val="100000"/>
         </a:lnSpc>
@@ -7047,7 +7255,7 @@
           <a:srgbClr val="000000"/>
         </a:buClr>
         <a:buFont typeface="Arial"/>
-        <a:defRPr b="0" i="0" sz="1400" u="none" cap="none" strike="noStrike">
+        <a:defRPr sz="1400" b="0" i="0" u="none" strike="noStrike" cap="none">
           <a:solidFill>
             <a:srgbClr val="000000"/>
           </a:solidFill>
@@ -7057,7 +7265,7 @@
           <a:sym typeface="Arial"/>
         </a:defRPr>
       </a:lvl6pPr>
-      <a:lvl7pPr lvl="6" marR="0" rtl="0" algn="l">
+      <a:lvl7pPr marR="0" lvl="6" algn="l" rtl="0">
         <a:lnSpc>
           <a:spcPct val="100000"/>
         </a:lnSpc>
@@ -7071,7 +7279,7 @@
           <a:srgbClr val="000000"/>
         </a:buClr>
         <a:buFont typeface="Arial"/>
-        <a:defRPr b="0" i="0" sz="1400" u="none" cap="none" strike="noStrike">
+        <a:defRPr sz="1400" b="0" i="0" u="none" strike="noStrike" cap="none">
           <a:solidFill>
             <a:srgbClr val="000000"/>
           </a:solidFill>
@@ -7081,7 +7289,7 @@
           <a:sym typeface="Arial"/>
         </a:defRPr>
       </a:lvl7pPr>
-      <a:lvl8pPr lvl="7" marR="0" rtl="0" algn="l">
+      <a:lvl8pPr marR="0" lvl="7" algn="l" rtl="0">
         <a:lnSpc>
           <a:spcPct val="100000"/>
         </a:lnSpc>
@@ -7095,7 +7303,7 @@
           <a:srgbClr val="000000"/>
         </a:buClr>
         <a:buFont typeface="Arial"/>
-        <a:defRPr b="0" i="0" sz="1400" u="none" cap="none" strike="noStrike">
+        <a:defRPr sz="1400" b="0" i="0" u="none" strike="noStrike" cap="none">
           <a:solidFill>
             <a:srgbClr val="000000"/>
           </a:solidFill>
@@ -7105,7 +7313,7 @@
           <a:sym typeface="Arial"/>
         </a:defRPr>
       </a:lvl8pPr>
-      <a:lvl9pPr lvl="8" marR="0" rtl="0" algn="l">
+      <a:lvl9pPr marR="0" lvl="8" algn="l" rtl="0">
         <a:lnSpc>
           <a:spcPct val="100000"/>
         </a:lnSpc>
@@ -7119,7 +7327,7 @@
           <a:srgbClr val="000000"/>
         </a:buClr>
         <a:buFont typeface="Arial"/>
-        <a:defRPr b="0" i="0" sz="1400" u="none" cap="none" strike="noStrike">
+        <a:defRPr sz="1400" b="0" i="0" u="none" strike="noStrike" cap="none">
           <a:solidFill>
             <a:srgbClr val="000000"/>
           </a:solidFill>
@@ -7135,11 +7343,11 @@
 </file>
 
 <file path=ppt/slides/slide1.xml><?xml version="1.0" encoding="utf-8"?>
-<p:sld xmlns:a="http://schemas.openxmlformats.org/drawingml/2006/main" xmlns:r="http://schemas.openxmlformats.org/officeDocument/2006/relationships" xmlns:mc="http://schemas.openxmlformats.org/markup-compatibility/2006" xmlns:mv="urn:schemas-microsoft-com:mac:vml" xmlns:p="http://schemas.openxmlformats.org/presentationml/2006/main" xmlns:c="http://schemas.openxmlformats.org/drawingml/2006/chart" xmlns:dgm="http://schemas.openxmlformats.org/drawingml/2006/diagram" xmlns:o="urn:schemas-microsoft-com:office:office" xmlns:v="urn:schemas-microsoft-com:vml" xmlns:pvml="urn:schemas-microsoft-com:office:powerpoint" xmlns:com="http://schemas.openxmlformats.org/drawingml/2006/compatibility" xmlns:p14="http://schemas.microsoft.com/office/powerpoint/2010/main" xmlns:p15="http://schemas.microsoft.com/office/powerpoint/2012/main">
+<p:sld xmlns:a="http://schemas.openxmlformats.org/drawingml/2006/main" xmlns:r="http://schemas.openxmlformats.org/officeDocument/2006/relationships" xmlns:p="http://schemas.openxmlformats.org/presentationml/2006/main">
   <p:cSld>
     <p:spTree>
       <p:nvGrpSpPr>
-        <p:cNvPr id="53" name="Shape 53"/>
+        <p:cNvPr id="1" name="Shape 53"/>
         <p:cNvGrpSpPr/>
         <p:nvPr/>
       </p:nvGrpSpPr>
@@ -7154,7 +7362,9 @@
       <p:sp>
         <p:nvSpPr>
           <p:cNvPr id="54" name="Google Shape;54;p13"/>
-          <p:cNvSpPr txBox="1"/>
+          <p:cNvSpPr txBox="1">
+            <a:spLocks noGrp="1"/>
+          </p:cNvSpPr>
           <p:nvPr>
             <p:ph type="ctrTitle"/>
           </p:nvPr>
@@ -7169,12 +7379,12 @@
           </a:prstGeom>
         </p:spPr>
         <p:txBody>
-          <a:bodyPr anchorCtr="0" anchor="b" bIns="91425" lIns="91425" spcFirstLastPara="1" rIns="91425" wrap="square" tIns="91425">
+          <a:bodyPr spcFirstLastPara="1" wrap="square" lIns="91425" tIns="91425" rIns="91425" bIns="91425" anchor="b" anchorCtr="0">
             <a:noAutofit/>
           </a:bodyPr>
           <a:lstStyle/>
           <a:p>
-            <a:pPr indent="0" lvl="0" marL="0" rtl="0" algn="ctr">
+            <a:pPr marL="0" lvl="0" indent="0" algn="ctr" rtl="0">
               <a:spcBef>
                 <a:spcPts val="0"/>
               </a:spcBef>
@@ -7194,9 +7404,11 @@
       <p:sp>
         <p:nvSpPr>
           <p:cNvPr id="55" name="Google Shape;55;p13"/>
-          <p:cNvSpPr txBox="1"/>
+          <p:cNvSpPr txBox="1">
+            <a:spLocks noGrp="1"/>
+          </p:cNvSpPr>
           <p:nvPr>
-            <p:ph idx="1" type="subTitle"/>
+            <p:ph type="subTitle" idx="1"/>
           </p:nvPr>
         </p:nvSpPr>
         <p:spPr>
@@ -7209,12 +7421,12 @@
           </a:prstGeom>
         </p:spPr>
         <p:txBody>
-          <a:bodyPr anchorCtr="0" anchor="t" bIns="91425" lIns="91425" spcFirstLastPara="1" rIns="91425" wrap="square" tIns="91425">
+          <a:bodyPr spcFirstLastPara="1" wrap="square" lIns="91425" tIns="91425" rIns="91425" bIns="91425" anchor="t" anchorCtr="0">
             <a:noAutofit/>
           </a:bodyPr>
           <a:lstStyle/>
           <a:p>
-            <a:pPr indent="0" lvl="0" marL="0" rtl="0" algn="ctr">
+            <a:pPr marL="0" lvl="0" indent="0" algn="ctr" rtl="0">
               <a:spcBef>
                 <a:spcPts val="0"/>
               </a:spcBef>
@@ -7230,7 +7442,7 @@
             <a:endParaRPr sz="2400"/>
           </a:p>
           <a:p>
-            <a:pPr indent="0" lvl="0" marL="0" rtl="0" algn="ctr">
+            <a:pPr marL="0" lvl="0" indent="0" algn="ctr" rtl="0">
               <a:spcBef>
                 <a:spcPts val="0"/>
               </a:spcBef>
@@ -7246,7 +7458,7 @@
             <a:endParaRPr sz="2400"/>
           </a:p>
           <a:p>
-            <a:pPr indent="0" lvl="0" marL="0" rtl="0" algn="ctr">
+            <a:pPr marL="0" lvl="0" indent="0" algn="ctr" rtl="0">
               <a:spcBef>
                 <a:spcPts val="0"/>
               </a:spcBef>
@@ -7262,7 +7474,7 @@
             <a:endParaRPr sz="2400"/>
           </a:p>
           <a:p>
-            <a:pPr indent="0" lvl="0" marL="0" rtl="0" algn="ctr">
+            <a:pPr marL="0" lvl="0" indent="0" algn="ctr" rtl="0">
               <a:spcBef>
                 <a:spcPts val="0"/>
               </a:spcBef>
@@ -7316,11 +7528,508 @@
 </file>
 
 <file path=ppt/slides/slide10.xml><?xml version="1.0" encoding="utf-8"?>
-<p:sld xmlns:a="http://schemas.openxmlformats.org/drawingml/2006/main" xmlns:r="http://schemas.openxmlformats.org/officeDocument/2006/relationships" xmlns:mc="http://schemas.openxmlformats.org/markup-compatibility/2006" xmlns:mv="urn:schemas-microsoft-com:mac:vml" xmlns:p="http://schemas.openxmlformats.org/presentationml/2006/main" xmlns:c="http://schemas.openxmlformats.org/drawingml/2006/chart" xmlns:dgm="http://schemas.openxmlformats.org/drawingml/2006/diagram" xmlns:o="urn:schemas-microsoft-com:office:office" xmlns:v="urn:schemas-microsoft-com:vml" xmlns:pvml="urn:schemas-microsoft-com:office:powerpoint" xmlns:com="http://schemas.openxmlformats.org/drawingml/2006/compatibility" xmlns:p14="http://schemas.microsoft.com/office/powerpoint/2010/main" xmlns:p15="http://schemas.microsoft.com/office/powerpoint/2012/main">
+<p:sld xmlns:a="http://schemas.openxmlformats.org/drawingml/2006/main" xmlns:r="http://schemas.openxmlformats.org/officeDocument/2006/relationships" xmlns:p="http://schemas.openxmlformats.org/presentationml/2006/main">
   <p:cSld>
     <p:spTree>
       <p:nvGrpSpPr>
-        <p:cNvPr id="118" name="Shape 118"/>
+        <p:cNvPr id="1" name=""/>
+        <p:cNvGrpSpPr/>
+        <p:nvPr/>
+      </p:nvGrpSpPr>
+      <p:grpSpPr>
+        <a:xfrm>
+          <a:off x="0" y="0"/>
+          <a:ext cx="0" cy="0"/>
+          <a:chOff x="0" y="0"/>
+          <a:chExt cx="0" cy="0"/>
+        </a:xfrm>
+      </p:grpSpPr>
+      <p:pic>
+        <p:nvPicPr>
+          <p:cNvPr id="4" name="Picture 3">
+            <a:extLst>
+              <a:ext uri="{FF2B5EF4-FFF2-40B4-BE49-F238E27FC236}">
+                <a16:creationId xmlns:a16="http://schemas.microsoft.com/office/drawing/2014/main" id="{D4093BFC-A7F0-4187-BC2D-B6C8E0653208}"/>
+              </a:ext>
+            </a:extLst>
+          </p:cNvPr>
+          <p:cNvPicPr>
+            <a:picLocks noChangeAspect="1"/>
+          </p:cNvPicPr>
+          <p:nvPr/>
+        </p:nvPicPr>
+        <p:blipFill>
+          <a:blip r:embed="rId2"/>
+          <a:stretch>
+            <a:fillRect/>
+          </a:stretch>
+        </p:blipFill>
+        <p:spPr>
+          <a:xfrm>
+            <a:off x="4572000" y="215153"/>
+            <a:ext cx="4210850" cy="4395267"/>
+          </a:xfrm>
+          <a:prstGeom prst="rect">
+            <a:avLst/>
+          </a:prstGeom>
+        </p:spPr>
+      </p:pic>
+      <p:sp>
+        <p:nvSpPr>
+          <p:cNvPr id="5" name="Google Shape;133;p24">
+            <a:extLst>
+              <a:ext uri="{FF2B5EF4-FFF2-40B4-BE49-F238E27FC236}">
+                <a16:creationId xmlns:a16="http://schemas.microsoft.com/office/drawing/2014/main" id="{D2C12F29-909C-4E1E-94F2-4069AC5FCB40}"/>
+              </a:ext>
+            </a:extLst>
+          </p:cNvPr>
+          <p:cNvSpPr txBox="1">
+            <a:spLocks noGrp="1"/>
+          </p:cNvSpPr>
+          <p:nvPr>
+            <p:ph type="title"/>
+          </p:nvPr>
+        </p:nvSpPr>
+        <p:spPr>
+          <a:xfrm>
+            <a:off x="257816" y="618452"/>
+            <a:ext cx="4045200" cy="1482300"/>
+          </a:xfrm>
+          <a:prstGeom prst="rect">
+            <a:avLst/>
+          </a:prstGeom>
+        </p:spPr>
+        <p:txBody>
+          <a:bodyPr spcFirstLastPara="1" wrap="square" lIns="91425" tIns="91425" rIns="91425" bIns="91425" anchor="b" anchorCtr="0">
+            <a:noAutofit/>
+          </a:bodyPr>
+          <a:lstStyle/>
+          <a:p>
+            <a:pPr marL="0" lvl="0" indent="0" algn="ctr" rtl="0">
+              <a:spcBef>
+                <a:spcPts val="0"/>
+              </a:spcBef>
+              <a:spcAft>
+                <a:spcPts val="0"/>
+              </a:spcAft>
+              <a:buNone/>
+            </a:pPr>
+            <a:r>
+              <a:rPr lang="en" dirty="0"/>
+              <a:t>Leading Causes of Death in United States</a:t>
+            </a:r>
+            <a:endParaRPr dirty="0"/>
+          </a:p>
+        </p:txBody>
+      </p:sp>
+      <p:sp>
+        <p:nvSpPr>
+          <p:cNvPr id="6" name="Google Shape;135;p24">
+            <a:extLst>
+              <a:ext uri="{FF2B5EF4-FFF2-40B4-BE49-F238E27FC236}">
+                <a16:creationId xmlns:a16="http://schemas.microsoft.com/office/drawing/2014/main" id="{1CACE63D-E43B-46FB-9FDB-1FC7B09D176A}"/>
+              </a:ext>
+            </a:extLst>
+          </p:cNvPr>
+          <p:cNvSpPr txBox="1">
+            <a:spLocks/>
+          </p:cNvSpPr>
+          <p:nvPr/>
+        </p:nvSpPr>
+        <p:spPr>
+          <a:xfrm>
+            <a:off x="257816" y="2571750"/>
+            <a:ext cx="4045200" cy="1235100"/>
+          </a:xfrm>
+          <a:prstGeom prst="rect">
+            <a:avLst/>
+          </a:prstGeom>
+          <a:noFill/>
+          <a:ln>
+            <a:noFill/>
+          </a:ln>
+        </p:spPr>
+        <p:txBody>
+          <a:bodyPr spcFirstLastPara="1" wrap="square" lIns="91425" tIns="91425" rIns="91425" bIns="91425" anchor="t" anchorCtr="0">
+            <a:noAutofit/>
+          </a:bodyPr>
+          <a:lstStyle>
+            <a:defPPr marR="0" lvl="0" algn="l" rtl="0">
+              <a:lnSpc>
+                <a:spcPct val="100000"/>
+              </a:lnSpc>
+              <a:spcBef>
+                <a:spcPts val="0"/>
+              </a:spcBef>
+              <a:spcAft>
+                <a:spcPts val="0"/>
+              </a:spcAft>
+            </a:defPPr>
+            <a:lvl1pPr marL="457200" marR="0" lvl="0" indent="-342900" algn="l" rtl="0">
+              <a:lnSpc>
+                <a:spcPct val="115000"/>
+              </a:lnSpc>
+              <a:spcBef>
+                <a:spcPts val="0"/>
+              </a:spcBef>
+              <a:spcAft>
+                <a:spcPts val="0"/>
+              </a:spcAft>
+              <a:buClr>
+                <a:schemeClr val="dk2"/>
+              </a:buClr>
+              <a:buSzPts val="1800"/>
+              <a:buFont typeface="Arial"/>
+              <a:buChar char="●"/>
+              <a:defRPr sz="1800" b="0" i="0" u="none" strike="noStrike" cap="none">
+                <a:solidFill>
+                  <a:schemeClr val="dk2"/>
+                </a:solidFill>
+                <a:latin typeface="Arial"/>
+                <a:ea typeface="Arial"/>
+                <a:cs typeface="Arial"/>
+                <a:sym typeface="Arial"/>
+              </a:defRPr>
+            </a:lvl1pPr>
+            <a:lvl2pPr marL="914400" marR="0" lvl="1" indent="-317500" algn="l" rtl="0">
+              <a:lnSpc>
+                <a:spcPct val="115000"/>
+              </a:lnSpc>
+              <a:spcBef>
+                <a:spcPts val="1600"/>
+              </a:spcBef>
+              <a:spcAft>
+                <a:spcPts val="0"/>
+              </a:spcAft>
+              <a:buClr>
+                <a:schemeClr val="dk2"/>
+              </a:buClr>
+              <a:buSzPts val="1400"/>
+              <a:buFont typeface="Arial"/>
+              <a:buChar char="○"/>
+              <a:defRPr sz="1400" b="0" i="0" u="none" strike="noStrike" cap="none">
+                <a:solidFill>
+                  <a:schemeClr val="dk2"/>
+                </a:solidFill>
+                <a:latin typeface="Arial"/>
+                <a:ea typeface="Arial"/>
+                <a:cs typeface="Arial"/>
+                <a:sym typeface="Arial"/>
+              </a:defRPr>
+            </a:lvl2pPr>
+            <a:lvl3pPr marL="1371600" marR="0" lvl="2" indent="-317500" algn="l" rtl="0">
+              <a:lnSpc>
+                <a:spcPct val="115000"/>
+              </a:lnSpc>
+              <a:spcBef>
+                <a:spcPts val="1600"/>
+              </a:spcBef>
+              <a:spcAft>
+                <a:spcPts val="0"/>
+              </a:spcAft>
+              <a:buClr>
+                <a:schemeClr val="dk2"/>
+              </a:buClr>
+              <a:buSzPts val="1400"/>
+              <a:buFont typeface="Arial"/>
+              <a:buChar char="■"/>
+              <a:defRPr sz="1400" b="0" i="0" u="none" strike="noStrike" cap="none">
+                <a:solidFill>
+                  <a:schemeClr val="dk2"/>
+                </a:solidFill>
+                <a:latin typeface="Arial"/>
+                <a:ea typeface="Arial"/>
+                <a:cs typeface="Arial"/>
+                <a:sym typeface="Arial"/>
+              </a:defRPr>
+            </a:lvl3pPr>
+            <a:lvl4pPr marL="1828800" marR="0" lvl="3" indent="-317500" algn="l" rtl="0">
+              <a:lnSpc>
+                <a:spcPct val="115000"/>
+              </a:lnSpc>
+              <a:spcBef>
+                <a:spcPts val="1600"/>
+              </a:spcBef>
+              <a:spcAft>
+                <a:spcPts val="0"/>
+              </a:spcAft>
+              <a:buClr>
+                <a:schemeClr val="dk2"/>
+              </a:buClr>
+              <a:buSzPts val="1400"/>
+              <a:buFont typeface="Arial"/>
+              <a:buChar char="●"/>
+              <a:defRPr sz="1400" b="0" i="0" u="none" strike="noStrike" cap="none">
+                <a:solidFill>
+                  <a:schemeClr val="dk2"/>
+                </a:solidFill>
+                <a:latin typeface="Arial"/>
+                <a:ea typeface="Arial"/>
+                <a:cs typeface="Arial"/>
+                <a:sym typeface="Arial"/>
+              </a:defRPr>
+            </a:lvl4pPr>
+            <a:lvl5pPr marL="2286000" marR="0" lvl="4" indent="-317500" algn="l" rtl="0">
+              <a:lnSpc>
+                <a:spcPct val="115000"/>
+              </a:lnSpc>
+              <a:spcBef>
+                <a:spcPts val="1600"/>
+              </a:spcBef>
+              <a:spcAft>
+                <a:spcPts val="0"/>
+              </a:spcAft>
+              <a:buClr>
+                <a:schemeClr val="dk2"/>
+              </a:buClr>
+              <a:buSzPts val="1400"/>
+              <a:buFont typeface="Arial"/>
+              <a:buChar char="○"/>
+              <a:defRPr sz="1400" b="0" i="0" u="none" strike="noStrike" cap="none">
+                <a:solidFill>
+                  <a:schemeClr val="dk2"/>
+                </a:solidFill>
+                <a:latin typeface="Arial"/>
+                <a:ea typeface="Arial"/>
+                <a:cs typeface="Arial"/>
+                <a:sym typeface="Arial"/>
+              </a:defRPr>
+            </a:lvl5pPr>
+            <a:lvl6pPr marL="2743200" marR="0" lvl="5" indent="-317500" algn="l" rtl="0">
+              <a:lnSpc>
+                <a:spcPct val="115000"/>
+              </a:lnSpc>
+              <a:spcBef>
+                <a:spcPts val="1600"/>
+              </a:spcBef>
+              <a:spcAft>
+                <a:spcPts val="0"/>
+              </a:spcAft>
+              <a:buClr>
+                <a:schemeClr val="dk2"/>
+              </a:buClr>
+              <a:buSzPts val="1400"/>
+              <a:buFont typeface="Arial"/>
+              <a:buChar char="■"/>
+              <a:defRPr sz="1400" b="0" i="0" u="none" strike="noStrike" cap="none">
+                <a:solidFill>
+                  <a:schemeClr val="dk2"/>
+                </a:solidFill>
+                <a:latin typeface="Arial"/>
+                <a:ea typeface="Arial"/>
+                <a:cs typeface="Arial"/>
+                <a:sym typeface="Arial"/>
+              </a:defRPr>
+            </a:lvl6pPr>
+            <a:lvl7pPr marL="3200400" marR="0" lvl="6" indent="-317500" algn="l" rtl="0">
+              <a:lnSpc>
+                <a:spcPct val="115000"/>
+              </a:lnSpc>
+              <a:spcBef>
+                <a:spcPts val="1600"/>
+              </a:spcBef>
+              <a:spcAft>
+                <a:spcPts val="0"/>
+              </a:spcAft>
+              <a:buClr>
+                <a:schemeClr val="dk2"/>
+              </a:buClr>
+              <a:buSzPts val="1400"/>
+              <a:buFont typeface="Arial"/>
+              <a:buChar char="●"/>
+              <a:defRPr sz="1400" b="0" i="0" u="none" strike="noStrike" cap="none">
+                <a:solidFill>
+                  <a:schemeClr val="dk2"/>
+                </a:solidFill>
+                <a:latin typeface="Arial"/>
+                <a:ea typeface="Arial"/>
+                <a:cs typeface="Arial"/>
+                <a:sym typeface="Arial"/>
+              </a:defRPr>
+            </a:lvl7pPr>
+            <a:lvl8pPr marL="3657600" marR="0" lvl="7" indent="-317500" algn="l" rtl="0">
+              <a:lnSpc>
+                <a:spcPct val="115000"/>
+              </a:lnSpc>
+              <a:spcBef>
+                <a:spcPts val="1600"/>
+              </a:spcBef>
+              <a:spcAft>
+                <a:spcPts val="0"/>
+              </a:spcAft>
+              <a:buClr>
+                <a:schemeClr val="dk2"/>
+              </a:buClr>
+              <a:buSzPts val="1400"/>
+              <a:buFont typeface="Arial"/>
+              <a:buChar char="○"/>
+              <a:defRPr sz="1400" b="0" i="0" u="none" strike="noStrike" cap="none">
+                <a:solidFill>
+                  <a:schemeClr val="dk2"/>
+                </a:solidFill>
+                <a:latin typeface="Arial"/>
+                <a:ea typeface="Arial"/>
+                <a:cs typeface="Arial"/>
+                <a:sym typeface="Arial"/>
+              </a:defRPr>
+            </a:lvl8pPr>
+            <a:lvl9pPr marL="4114800" marR="0" lvl="8" indent="-317500" algn="l" rtl="0">
+              <a:lnSpc>
+                <a:spcPct val="115000"/>
+              </a:lnSpc>
+              <a:spcBef>
+                <a:spcPts val="1600"/>
+              </a:spcBef>
+              <a:spcAft>
+                <a:spcPts val="1600"/>
+              </a:spcAft>
+              <a:buClr>
+                <a:schemeClr val="dk2"/>
+              </a:buClr>
+              <a:buSzPts val="1400"/>
+              <a:buFont typeface="Arial"/>
+              <a:buChar char="■"/>
+              <a:defRPr sz="1400" b="0" i="0" u="none" strike="noStrike" cap="none">
+                <a:solidFill>
+                  <a:schemeClr val="dk2"/>
+                </a:solidFill>
+                <a:latin typeface="Arial"/>
+                <a:ea typeface="Arial"/>
+                <a:cs typeface="Arial"/>
+                <a:sym typeface="Arial"/>
+              </a:defRPr>
+            </a:lvl9pPr>
+          </a:lstStyle>
+          <a:p>
+            <a:pPr marL="0" indent="0" algn="ctr">
+              <a:buFont typeface="Arial"/>
+              <a:buNone/>
+            </a:pPr>
+            <a:r>
+              <a:rPr lang="en-US" dirty="0"/>
+              <a:t>How is death rate distributed nationwide?</a:t>
+            </a:r>
+          </a:p>
+        </p:txBody>
+      </p:sp>
+    </p:spTree>
+    <p:extLst>
+      <p:ext uri="{BB962C8B-B14F-4D97-AF65-F5344CB8AC3E}">
+        <p14:creationId xmlns:p14="http://schemas.microsoft.com/office/powerpoint/2010/main" val="3351375027"/>
+      </p:ext>
+    </p:extLst>
+  </p:cSld>
+  <p:clrMapOvr>
+    <a:masterClrMapping/>
+  </p:clrMapOvr>
+</p:sld>
+</file>
+
+<file path=ppt/slides/slide11.xml><?xml version="1.0" encoding="utf-8"?>
+<p:sld xmlns:a="http://schemas.openxmlformats.org/drawingml/2006/main" xmlns:r="http://schemas.openxmlformats.org/officeDocument/2006/relationships" xmlns:p="http://schemas.openxmlformats.org/presentationml/2006/main">
+  <p:cSld>
+    <p:spTree>
+      <p:nvGrpSpPr>
+        <p:cNvPr id="1" name="Shape 112"/>
+        <p:cNvGrpSpPr/>
+        <p:nvPr/>
+      </p:nvGrpSpPr>
+      <p:grpSpPr>
+        <a:xfrm>
+          <a:off x="0" y="0"/>
+          <a:ext cx="0" cy="0"/>
+          <a:chOff x="0" y="0"/>
+          <a:chExt cx="0" cy="0"/>
+        </a:xfrm>
+      </p:grpSpPr>
+      <p:sp>
+        <p:nvSpPr>
+          <p:cNvPr id="113" name="Google Shape;113;p21"/>
+          <p:cNvSpPr txBox="1">
+            <a:spLocks noGrp="1"/>
+          </p:cNvSpPr>
+          <p:nvPr>
+            <p:ph type="title"/>
+          </p:nvPr>
+        </p:nvSpPr>
+        <p:spPr>
+          <a:xfrm>
+            <a:off x="501800" y="445025"/>
+            <a:ext cx="8330700" cy="572700"/>
+          </a:xfrm>
+          <a:prstGeom prst="rect">
+            <a:avLst/>
+          </a:prstGeom>
+        </p:spPr>
+        <p:txBody>
+          <a:bodyPr spcFirstLastPara="1" wrap="square" lIns="91425" tIns="91425" rIns="91425" bIns="91425" anchor="t" anchorCtr="0">
+            <a:noAutofit/>
+          </a:bodyPr>
+          <a:lstStyle/>
+          <a:p>
+            <a:pPr marL="0" lvl="0" indent="0" algn="l" rtl="0">
+              <a:spcBef>
+                <a:spcPts val="0"/>
+              </a:spcBef>
+              <a:spcAft>
+                <a:spcPts val="0"/>
+              </a:spcAft>
+              <a:buNone/>
+            </a:pPr>
+            <a:r>
+              <a:rPr lang="en" dirty="0"/>
+              <a:t>Leading Causes of Death </a:t>
+            </a:r>
+            <a:r>
+              <a:rPr lang="en-US" dirty="0"/>
+              <a:t>in United States</a:t>
+            </a:r>
+            <a:endParaRPr dirty="0"/>
+          </a:p>
+        </p:txBody>
+      </p:sp>
+      <p:pic>
+        <p:nvPicPr>
+          <p:cNvPr id="114" name="Google Shape;114;p21"/>
+          <p:cNvPicPr preferRelativeResize="0"/>
+          <p:nvPr/>
+        </p:nvPicPr>
+        <p:blipFill>
+          <a:blip r:embed="rId3">
+            <a:alphaModFix/>
+          </a:blip>
+          <a:stretch>
+            <a:fillRect/>
+          </a:stretch>
+        </p:blipFill>
+        <p:spPr>
+          <a:xfrm>
+            <a:off x="622300" y="1132075"/>
+            <a:ext cx="6667800" cy="3773750"/>
+          </a:xfrm>
+          <a:prstGeom prst="rect">
+            <a:avLst/>
+          </a:prstGeom>
+          <a:noFill/>
+          <a:ln>
+            <a:noFill/>
+          </a:ln>
+        </p:spPr>
+      </p:pic>
+    </p:spTree>
+  </p:cSld>
+  <p:clrMapOvr>
+    <a:masterClrMapping/>
+  </p:clrMapOvr>
+</p:sld>
+</file>
+
+<file path=ppt/slides/slide12.xml><?xml version="1.0" encoding="utf-8"?>
+<p:sld xmlns:a="http://schemas.openxmlformats.org/drawingml/2006/main" xmlns:r="http://schemas.openxmlformats.org/officeDocument/2006/relationships" xmlns:p="http://schemas.openxmlformats.org/presentationml/2006/main">
+  <p:cSld>
+    <p:spTree>
+      <p:nvGrpSpPr>
+        <p:cNvPr id="1" name="Shape 118"/>
         <p:cNvGrpSpPr/>
         <p:nvPr/>
       </p:nvGrpSpPr>
@@ -7335,7 +8044,9 @@
       <p:sp>
         <p:nvSpPr>
           <p:cNvPr id="119" name="Google Shape;119;p22"/>
-          <p:cNvSpPr txBox="1"/>
+          <p:cNvSpPr txBox="1">
+            <a:spLocks noGrp="1"/>
+          </p:cNvSpPr>
           <p:nvPr>
             <p:ph type="title"/>
           </p:nvPr>
@@ -7350,12 +8061,12 @@
           </a:prstGeom>
         </p:spPr>
         <p:txBody>
-          <a:bodyPr anchorCtr="0" anchor="t" bIns="91425" lIns="91425" spcFirstLastPara="1" rIns="91425" wrap="square" tIns="91425">
+          <a:bodyPr spcFirstLastPara="1" wrap="square" lIns="91425" tIns="91425" rIns="91425" bIns="91425" anchor="t" anchorCtr="0">
             <a:noAutofit/>
           </a:bodyPr>
           <a:lstStyle/>
           <a:p>
-            <a:pPr indent="0" lvl="0" marL="0" rtl="0" algn="l">
+            <a:pPr marL="0" lvl="0" indent="0" algn="l" rtl="0">
               <a:spcBef>
                 <a:spcPts val="0"/>
               </a:spcBef>
@@ -7367,45 +8078,6 @@
             <a:r>
               <a:rPr lang="en"/>
               <a:t>Increasing Causes of Death</a:t>
-            </a:r>
-            <a:endParaRPr/>
-          </a:p>
-        </p:txBody>
-      </p:sp>
-      <p:sp>
-        <p:nvSpPr>
-          <p:cNvPr id="120" name="Google Shape;120;p22"/>
-          <p:cNvSpPr txBox="1"/>
-          <p:nvPr>
-            <p:ph idx="1" type="body"/>
-          </p:nvPr>
-        </p:nvSpPr>
-        <p:spPr>
-          <a:xfrm>
-            <a:off x="311700" y="1152475"/>
-            <a:ext cx="8520600" cy="3416400"/>
-          </a:xfrm>
-          <a:prstGeom prst="rect">
-            <a:avLst/>
-          </a:prstGeom>
-        </p:spPr>
-        <p:txBody>
-          <a:bodyPr anchorCtr="0" anchor="t" bIns="91425" lIns="91425" spcFirstLastPara="1" rIns="91425" wrap="square" tIns="91425">
-            <a:noAutofit/>
-          </a:bodyPr>
-          <a:lstStyle/>
-          <a:p>
-            <a:pPr indent="0" lvl="0" marL="0" rtl="0" algn="l">
-              <a:spcBef>
-                <a:spcPts val="0"/>
-              </a:spcBef>
-              <a:spcAft>
-                <a:spcPts val="1600"/>
-              </a:spcAft>
-              <a:buNone/>
-            </a:pPr>
-            <a:r>
-              <a:t/>
             </a:r>
             <a:endParaRPr/>
           </a:p>
@@ -7447,12 +8119,12 @@
 </p:sld>
 </file>
 
-<file path=ppt/slides/slide11.xml><?xml version="1.0" encoding="utf-8"?>
-<p:sld xmlns:a="http://schemas.openxmlformats.org/drawingml/2006/main" xmlns:r="http://schemas.openxmlformats.org/officeDocument/2006/relationships" xmlns:mc="http://schemas.openxmlformats.org/markup-compatibility/2006" xmlns:mv="urn:schemas-microsoft-com:mac:vml" xmlns:p="http://schemas.openxmlformats.org/presentationml/2006/main" xmlns:c="http://schemas.openxmlformats.org/drawingml/2006/chart" xmlns:dgm="http://schemas.openxmlformats.org/drawingml/2006/diagram" xmlns:o="urn:schemas-microsoft-com:office:office" xmlns:v="urn:schemas-microsoft-com:vml" xmlns:pvml="urn:schemas-microsoft-com:office:powerpoint" xmlns:com="http://schemas.openxmlformats.org/drawingml/2006/compatibility" xmlns:p14="http://schemas.microsoft.com/office/powerpoint/2010/main" xmlns:p15="http://schemas.microsoft.com/office/powerpoint/2012/main">
+<file path=ppt/slides/slide13.xml><?xml version="1.0" encoding="utf-8"?>
+<p:sld xmlns:a="http://schemas.openxmlformats.org/drawingml/2006/main" xmlns:r="http://schemas.openxmlformats.org/officeDocument/2006/relationships" xmlns:p="http://schemas.openxmlformats.org/presentationml/2006/main">
   <p:cSld>
     <p:spTree>
       <p:nvGrpSpPr>
-        <p:cNvPr id="125" name="Shape 125"/>
+        <p:cNvPr id="1" name="Shape 125"/>
         <p:cNvGrpSpPr/>
         <p:nvPr/>
       </p:nvGrpSpPr>
@@ -7467,7 +8139,9 @@
       <p:sp>
         <p:nvSpPr>
           <p:cNvPr id="126" name="Google Shape;126;p23"/>
-          <p:cNvSpPr txBox="1"/>
+          <p:cNvSpPr txBox="1">
+            <a:spLocks noGrp="1"/>
+          </p:cNvSpPr>
           <p:nvPr>
             <p:ph type="title"/>
           </p:nvPr>
@@ -7482,12 +8156,12 @@
           </a:prstGeom>
         </p:spPr>
         <p:txBody>
-          <a:bodyPr anchorCtr="0" anchor="t" bIns="91425" lIns="91425" spcFirstLastPara="1" rIns="91425" wrap="square" tIns="91425">
+          <a:bodyPr spcFirstLastPara="1" wrap="square" lIns="91425" tIns="91425" rIns="91425" bIns="91425" anchor="t" anchorCtr="0">
             <a:noAutofit/>
           </a:bodyPr>
           <a:lstStyle/>
           <a:p>
-            <a:pPr indent="0" lvl="0" marL="0" rtl="0" algn="l">
+            <a:pPr marL="0" lvl="0" indent="0" algn="l" rtl="0">
               <a:spcBef>
                 <a:spcPts val="0"/>
               </a:spcBef>
@@ -7499,45 +8173,6 @@
             <a:r>
               <a:rPr lang="en"/>
               <a:t>Leading Causes compared to % Uninsured</a:t>
-            </a:r>
-            <a:endParaRPr/>
-          </a:p>
-        </p:txBody>
-      </p:sp>
-      <p:sp>
-        <p:nvSpPr>
-          <p:cNvPr id="127" name="Google Shape;127;p23"/>
-          <p:cNvSpPr txBox="1"/>
-          <p:nvPr>
-            <p:ph idx="1" type="body"/>
-          </p:nvPr>
-        </p:nvSpPr>
-        <p:spPr>
-          <a:xfrm>
-            <a:off x="1923575" y="3693850"/>
-            <a:ext cx="6908700" cy="875100"/>
-          </a:xfrm>
-          <a:prstGeom prst="rect">
-            <a:avLst/>
-          </a:prstGeom>
-        </p:spPr>
-        <p:txBody>
-          <a:bodyPr anchorCtr="0" anchor="t" bIns="91425" lIns="91425" spcFirstLastPara="1" rIns="91425" wrap="square" tIns="91425">
-            <a:noAutofit/>
-          </a:bodyPr>
-          <a:lstStyle/>
-          <a:p>
-            <a:pPr indent="0" lvl="0" marL="0" rtl="0" algn="l">
-              <a:spcBef>
-                <a:spcPts val="0"/>
-              </a:spcBef>
-              <a:spcAft>
-                <a:spcPts val="1600"/>
-              </a:spcAft>
-              <a:buNone/>
-            </a:pPr>
-            <a:r>
-              <a:t/>
             </a:r>
             <a:endParaRPr/>
           </a:p>
@@ -7579,12 +8214,72 @@
 </p:sld>
 </file>
 
-<file path=ppt/slides/slide12.xml><?xml version="1.0" encoding="utf-8"?>
-<p:sld xmlns:a="http://schemas.openxmlformats.org/drawingml/2006/main" xmlns:r="http://schemas.openxmlformats.org/officeDocument/2006/relationships" xmlns:mc="http://schemas.openxmlformats.org/markup-compatibility/2006" xmlns:mv="urn:schemas-microsoft-com:mac:vml" xmlns:p="http://schemas.openxmlformats.org/presentationml/2006/main" xmlns:c="http://schemas.openxmlformats.org/drawingml/2006/chart" xmlns:dgm="http://schemas.openxmlformats.org/drawingml/2006/diagram" xmlns:o="urn:schemas-microsoft-com:office:office" xmlns:v="urn:schemas-microsoft-com:vml" xmlns:pvml="urn:schemas-microsoft-com:office:powerpoint" xmlns:com="http://schemas.openxmlformats.org/drawingml/2006/compatibility" xmlns:p14="http://schemas.microsoft.com/office/powerpoint/2010/main" xmlns:p15="http://schemas.microsoft.com/office/powerpoint/2012/main">
+<file path=ppt/slides/slide14.xml><?xml version="1.0" encoding="utf-8"?>
+<p:sld xmlns:a="http://schemas.openxmlformats.org/drawingml/2006/main" xmlns:r="http://schemas.openxmlformats.org/officeDocument/2006/relationships" xmlns:p="http://schemas.openxmlformats.org/presentationml/2006/main">
   <p:cSld>
     <p:spTree>
       <p:nvGrpSpPr>
-        <p:cNvPr id="132" name="Shape 132"/>
+        <p:cNvPr id="1" name=""/>
+        <p:cNvGrpSpPr/>
+        <p:nvPr/>
+      </p:nvGrpSpPr>
+      <p:grpSpPr>
+        <a:xfrm>
+          <a:off x="0" y="0"/>
+          <a:ext cx="0" cy="0"/>
+          <a:chOff x="0" y="0"/>
+          <a:chExt cx="0" cy="0"/>
+        </a:xfrm>
+      </p:grpSpPr>
+      <p:pic>
+        <p:nvPicPr>
+          <p:cNvPr id="4" name="Picture 3">
+            <a:extLst>
+              <a:ext uri="{FF2B5EF4-FFF2-40B4-BE49-F238E27FC236}">
+                <a16:creationId xmlns:a16="http://schemas.microsoft.com/office/drawing/2014/main" id="{2E0F6491-61BF-4520-8078-FE8DDF309061}"/>
+              </a:ext>
+            </a:extLst>
+          </p:cNvPr>
+          <p:cNvPicPr>
+            <a:picLocks noChangeAspect="1"/>
+          </p:cNvPicPr>
+          <p:nvPr/>
+        </p:nvPicPr>
+        <p:blipFill>
+          <a:blip r:embed="rId2"/>
+          <a:stretch>
+            <a:fillRect/>
+          </a:stretch>
+        </p:blipFill>
+        <p:spPr>
+          <a:xfrm>
+            <a:off x="660827" y="192101"/>
+            <a:ext cx="7130783" cy="4951399"/>
+          </a:xfrm>
+          <a:prstGeom prst="rect">
+            <a:avLst/>
+          </a:prstGeom>
+        </p:spPr>
+      </p:pic>
+    </p:spTree>
+    <p:extLst>
+      <p:ext uri="{BB962C8B-B14F-4D97-AF65-F5344CB8AC3E}">
+        <p14:creationId xmlns:p14="http://schemas.microsoft.com/office/powerpoint/2010/main" val="1594865900"/>
+      </p:ext>
+    </p:extLst>
+  </p:cSld>
+  <p:clrMapOvr>
+    <a:masterClrMapping/>
+  </p:clrMapOvr>
+</p:sld>
+</file>
+
+<file path=ppt/slides/slide15.xml><?xml version="1.0" encoding="utf-8"?>
+<p:sld xmlns:a="http://schemas.openxmlformats.org/drawingml/2006/main" xmlns:r="http://schemas.openxmlformats.org/officeDocument/2006/relationships" xmlns:p="http://schemas.openxmlformats.org/presentationml/2006/main">
+  <p:cSld>
+    <p:spTree>
+      <p:nvGrpSpPr>
+        <p:cNvPr id="1" name="Shape 132"/>
         <p:cNvGrpSpPr/>
         <p:nvPr/>
       </p:nvGrpSpPr>
@@ -7599,7 +8294,9 @@
       <p:sp>
         <p:nvSpPr>
           <p:cNvPr id="133" name="Google Shape;133;p24"/>
-          <p:cNvSpPr txBox="1"/>
+          <p:cNvSpPr txBox="1">
+            <a:spLocks noGrp="1"/>
+          </p:cNvSpPr>
           <p:nvPr>
             <p:ph type="title"/>
           </p:nvPr>
@@ -7614,12 +8311,12 @@
           </a:prstGeom>
         </p:spPr>
         <p:txBody>
-          <a:bodyPr anchorCtr="0" anchor="b" bIns="91425" lIns="91425" spcFirstLastPara="1" rIns="91425" wrap="square" tIns="91425">
+          <a:bodyPr spcFirstLastPara="1" wrap="square" lIns="91425" tIns="91425" rIns="91425" bIns="91425" anchor="b" anchorCtr="0">
             <a:noAutofit/>
           </a:bodyPr>
           <a:lstStyle/>
           <a:p>
-            <a:pPr indent="0" lvl="0" marL="0" rtl="0" algn="ctr">
+            <a:pPr marL="0" lvl="0" indent="0" algn="ctr" rtl="0">
               <a:spcBef>
                 <a:spcPts val="0"/>
               </a:spcBef>
@@ -7629,19 +8326,21 @@
               <a:buNone/>
             </a:pPr>
             <a:r>
-              <a:rPr lang="en"/>
+              <a:rPr lang="en" dirty="0"/>
               <a:t>Leading Causes of Death in TX</a:t>
             </a:r>
-            <a:endParaRPr/>
+            <a:endParaRPr dirty="0"/>
           </a:p>
         </p:txBody>
       </p:sp>
       <p:sp>
         <p:nvSpPr>
           <p:cNvPr id="134" name="Google Shape;134;p24"/>
-          <p:cNvSpPr txBox="1"/>
+          <p:cNvSpPr txBox="1">
+            <a:spLocks noGrp="1"/>
+          </p:cNvSpPr>
           <p:nvPr>
-            <p:ph idx="2" type="body"/>
+            <p:ph type="body" idx="2"/>
           </p:nvPr>
         </p:nvSpPr>
         <p:spPr>
@@ -7654,12 +8353,12 @@
           </a:prstGeom>
         </p:spPr>
         <p:txBody>
-          <a:bodyPr anchorCtr="0" anchor="ctr" bIns="91425" lIns="91425" spcFirstLastPara="1" rIns="91425" wrap="square" tIns="91425">
+          <a:bodyPr spcFirstLastPara="1" wrap="square" lIns="91425" tIns="91425" rIns="91425" bIns="91425" anchor="ctr" anchorCtr="0">
             <a:noAutofit/>
           </a:bodyPr>
           <a:lstStyle/>
           <a:p>
-            <a:pPr indent="0" lvl="0" marL="0" rtl="0" algn="l">
+            <a:pPr marL="0" lvl="0" indent="0" algn="l" rtl="0">
               <a:spcBef>
                 <a:spcPts val="0"/>
               </a:spcBef>
@@ -7668,9 +8367,6 @@
               </a:spcAft>
               <a:buNone/>
             </a:pPr>
-            <a:r>
-              <a:t/>
-            </a:r>
             <a:endParaRPr/>
           </a:p>
         </p:txBody>
@@ -7678,9 +8374,11 @@
       <p:sp>
         <p:nvSpPr>
           <p:cNvPr id="135" name="Google Shape;135;p24"/>
-          <p:cNvSpPr txBox="1"/>
+          <p:cNvSpPr txBox="1">
+            <a:spLocks noGrp="1"/>
+          </p:cNvSpPr>
           <p:nvPr>
-            <p:ph idx="1" type="subTitle"/>
+            <p:ph type="subTitle" idx="1"/>
           </p:nvPr>
         </p:nvSpPr>
         <p:spPr>
@@ -7693,12 +8391,12 @@
           </a:prstGeom>
         </p:spPr>
         <p:txBody>
-          <a:bodyPr anchorCtr="0" anchor="t" bIns="91425" lIns="91425" spcFirstLastPara="1" rIns="91425" wrap="square" tIns="91425">
+          <a:bodyPr spcFirstLastPara="1" wrap="square" lIns="91425" tIns="91425" rIns="91425" bIns="91425" anchor="t" anchorCtr="0">
             <a:noAutofit/>
           </a:bodyPr>
           <a:lstStyle/>
           <a:p>
-            <a:pPr indent="0" lvl="0" marL="0" rtl="0" algn="ctr">
+            <a:pPr marL="0" lvl="0" indent="0" algn="ctr" rtl="0">
               <a:spcBef>
                 <a:spcPts val="0"/>
               </a:spcBef>
@@ -7708,10 +8406,10 @@
               <a:buNone/>
             </a:pPr>
             <a:r>
-              <a:rPr lang="en"/>
+              <a:rPr lang="en" dirty="0"/>
               <a:t>How is death rate distributed statewide?</a:t>
             </a:r>
-            <a:endParaRPr/>
+            <a:endParaRPr dirty="0"/>
           </a:p>
         </p:txBody>
       </p:sp>
@@ -7751,12 +8449,12 @@
 </p:sld>
 </file>
 
-<file path=ppt/slides/slide13.xml><?xml version="1.0" encoding="utf-8"?>
-<p:sld xmlns:a="http://schemas.openxmlformats.org/drawingml/2006/main" xmlns:r="http://schemas.openxmlformats.org/officeDocument/2006/relationships" xmlns:mc="http://schemas.openxmlformats.org/markup-compatibility/2006" xmlns:mv="urn:schemas-microsoft-com:mac:vml" xmlns:p="http://schemas.openxmlformats.org/presentationml/2006/main" xmlns:c="http://schemas.openxmlformats.org/drawingml/2006/chart" xmlns:dgm="http://schemas.openxmlformats.org/drawingml/2006/diagram" xmlns:o="urn:schemas-microsoft-com:office:office" xmlns:v="urn:schemas-microsoft-com:vml" xmlns:pvml="urn:schemas-microsoft-com:office:powerpoint" xmlns:com="http://schemas.openxmlformats.org/drawingml/2006/compatibility" xmlns:p14="http://schemas.microsoft.com/office/powerpoint/2010/main" xmlns:p15="http://schemas.microsoft.com/office/powerpoint/2012/main">
+<file path=ppt/slides/slide16.xml><?xml version="1.0" encoding="utf-8"?>
+<p:sld xmlns:a="http://schemas.openxmlformats.org/drawingml/2006/main" xmlns:r="http://schemas.openxmlformats.org/officeDocument/2006/relationships" xmlns:p="http://schemas.openxmlformats.org/presentationml/2006/main">
   <p:cSld>
     <p:spTree>
       <p:nvGrpSpPr>
-        <p:cNvPr id="140" name="Shape 140"/>
+        <p:cNvPr id="1" name="Shape 140"/>
         <p:cNvGrpSpPr/>
         <p:nvPr/>
       </p:nvGrpSpPr>
@@ -7771,7 +8469,9 @@
       <p:sp>
         <p:nvSpPr>
           <p:cNvPr id="141" name="Google Shape;141;p25"/>
-          <p:cNvSpPr txBox="1"/>
+          <p:cNvSpPr txBox="1">
+            <a:spLocks noGrp="1"/>
+          </p:cNvSpPr>
           <p:nvPr>
             <p:ph type="title"/>
           </p:nvPr>
@@ -7786,12 +8486,12 @@
           </a:prstGeom>
         </p:spPr>
         <p:txBody>
-          <a:bodyPr anchorCtr="0" anchor="t" bIns="91425" lIns="91425" spcFirstLastPara="1" rIns="91425" wrap="square" tIns="91425">
+          <a:bodyPr spcFirstLastPara="1" wrap="square" lIns="91425" tIns="91425" rIns="91425" bIns="91425" anchor="t" anchorCtr="0">
             <a:noAutofit/>
           </a:bodyPr>
           <a:lstStyle/>
           <a:p>
-            <a:pPr indent="0" lvl="0" marL="0" rtl="0" algn="ctr">
+            <a:pPr marL="0" lvl="0" indent="0" algn="ctr" rtl="0">
               <a:spcBef>
                 <a:spcPts val="0"/>
               </a:spcBef>
@@ -7844,12 +8544,12 @@
 </p:sld>
 </file>
 
-<file path=ppt/slides/slide14.xml><?xml version="1.0" encoding="utf-8"?>
-<p:sld xmlns:a="http://schemas.openxmlformats.org/drawingml/2006/main" xmlns:r="http://schemas.openxmlformats.org/officeDocument/2006/relationships" xmlns:mc="http://schemas.openxmlformats.org/markup-compatibility/2006" xmlns:mv="urn:schemas-microsoft-com:mac:vml" xmlns:p="http://schemas.openxmlformats.org/presentationml/2006/main" xmlns:c="http://schemas.openxmlformats.org/drawingml/2006/chart" xmlns:dgm="http://schemas.openxmlformats.org/drawingml/2006/diagram" xmlns:o="urn:schemas-microsoft-com:office:office" xmlns:v="urn:schemas-microsoft-com:vml" xmlns:pvml="urn:schemas-microsoft-com:office:powerpoint" xmlns:com="http://schemas.openxmlformats.org/drawingml/2006/compatibility" xmlns:p14="http://schemas.microsoft.com/office/powerpoint/2010/main" xmlns:p15="http://schemas.microsoft.com/office/powerpoint/2012/main">
+<file path=ppt/slides/slide17.xml><?xml version="1.0" encoding="utf-8"?>
+<p:sld xmlns:a="http://schemas.openxmlformats.org/drawingml/2006/main" xmlns:r="http://schemas.openxmlformats.org/officeDocument/2006/relationships" xmlns:p="http://schemas.openxmlformats.org/presentationml/2006/main">
   <p:cSld>
     <p:spTree>
       <p:nvGrpSpPr>
-        <p:cNvPr id="146" name="Shape 146"/>
+        <p:cNvPr id="1" name="Shape 146"/>
         <p:cNvGrpSpPr/>
         <p:nvPr/>
       </p:nvGrpSpPr>
@@ -7864,7 +8564,9 @@
       <p:sp>
         <p:nvSpPr>
           <p:cNvPr id="147" name="Google Shape;147;p26"/>
-          <p:cNvSpPr txBox="1"/>
+          <p:cNvSpPr txBox="1">
+            <a:spLocks noGrp="1"/>
+          </p:cNvSpPr>
           <p:nvPr>
             <p:ph type="title"/>
           </p:nvPr>
@@ -7879,12 +8581,12 @@
           </a:prstGeom>
         </p:spPr>
         <p:txBody>
-          <a:bodyPr anchorCtr="0" anchor="t" bIns="91425" lIns="91425" spcFirstLastPara="1" rIns="91425" wrap="square" tIns="91425">
+          <a:bodyPr spcFirstLastPara="1" wrap="square" lIns="91425" tIns="91425" rIns="91425" bIns="91425" anchor="t" anchorCtr="0">
             <a:noAutofit/>
           </a:bodyPr>
           <a:lstStyle/>
           <a:p>
-            <a:pPr indent="0" lvl="0" marL="0" rtl="0" algn="ctr">
+            <a:pPr marL="0" lvl="0" indent="0" algn="ctr" rtl="0">
               <a:spcBef>
                 <a:spcPts val="0"/>
               </a:spcBef>
@@ -7905,7 +8607,7 @@
             <a:endParaRPr/>
           </a:p>
           <a:p>
-            <a:pPr indent="0" lvl="0" marL="0" rtl="0" algn="l">
+            <a:pPr marL="0" lvl="0" indent="0" algn="l" rtl="0">
               <a:spcBef>
                 <a:spcPts val="0"/>
               </a:spcBef>
@@ -7914,9 +8616,6 @@
               </a:spcAft>
               <a:buNone/>
             </a:pPr>
-            <a:r>
-              <a:t/>
-            </a:r>
             <a:endParaRPr/>
           </a:p>
         </p:txBody>
@@ -7957,12 +8656,12 @@
 </p:sld>
 </file>
 
-<file path=ppt/slides/slide15.xml><?xml version="1.0" encoding="utf-8"?>
-<p:sld xmlns:a="http://schemas.openxmlformats.org/drawingml/2006/main" xmlns:r="http://schemas.openxmlformats.org/officeDocument/2006/relationships" xmlns:mc="http://schemas.openxmlformats.org/markup-compatibility/2006" xmlns:mv="urn:schemas-microsoft-com:mac:vml" xmlns:p="http://schemas.openxmlformats.org/presentationml/2006/main" xmlns:c="http://schemas.openxmlformats.org/drawingml/2006/chart" xmlns:dgm="http://schemas.openxmlformats.org/drawingml/2006/diagram" xmlns:o="urn:schemas-microsoft-com:office:office" xmlns:v="urn:schemas-microsoft-com:vml" xmlns:pvml="urn:schemas-microsoft-com:office:powerpoint" xmlns:com="http://schemas.openxmlformats.org/drawingml/2006/compatibility" xmlns:p14="http://schemas.microsoft.com/office/powerpoint/2010/main" xmlns:p15="http://schemas.microsoft.com/office/powerpoint/2012/main">
+<file path=ppt/slides/slide18.xml><?xml version="1.0" encoding="utf-8"?>
+<p:sld xmlns:a="http://schemas.openxmlformats.org/drawingml/2006/main" xmlns:r="http://schemas.openxmlformats.org/officeDocument/2006/relationships" xmlns:p="http://schemas.openxmlformats.org/presentationml/2006/main">
   <p:cSld>
     <p:spTree>
       <p:nvGrpSpPr>
-        <p:cNvPr id="152" name="Shape 152"/>
+        <p:cNvPr id="1" name="Shape 152"/>
         <p:cNvGrpSpPr/>
         <p:nvPr/>
       </p:nvGrpSpPr>
@@ -7977,7 +8676,9 @@
       <p:sp>
         <p:nvSpPr>
           <p:cNvPr id="153" name="Google Shape;153;p27"/>
-          <p:cNvSpPr txBox="1"/>
+          <p:cNvSpPr txBox="1">
+            <a:spLocks noGrp="1"/>
+          </p:cNvSpPr>
           <p:nvPr>
             <p:ph type="title"/>
           </p:nvPr>
@@ -7992,12 +8693,12 @@
           </a:prstGeom>
         </p:spPr>
         <p:txBody>
-          <a:bodyPr anchorCtr="0" anchor="t" bIns="91425" lIns="91425" spcFirstLastPara="1" rIns="91425" wrap="square" tIns="91425">
+          <a:bodyPr spcFirstLastPara="1" wrap="square" lIns="91425" tIns="91425" rIns="91425" bIns="91425" anchor="t" anchorCtr="0">
             <a:noAutofit/>
           </a:bodyPr>
           <a:lstStyle/>
           <a:p>
-            <a:pPr indent="0" lvl="0" marL="0" rtl="0" algn="ctr">
+            <a:pPr marL="0" lvl="0" indent="0" algn="ctr" rtl="0">
               <a:spcBef>
                 <a:spcPts val="0"/>
               </a:spcBef>
@@ -8018,7 +8719,7 @@
             <a:endParaRPr/>
           </a:p>
           <a:p>
-            <a:pPr indent="0" lvl="0" marL="0" rtl="0" algn="l">
+            <a:pPr marL="0" lvl="0" indent="0" algn="l" rtl="0">
               <a:spcBef>
                 <a:spcPts val="0"/>
               </a:spcBef>
@@ -8027,9 +8728,6 @@
               </a:spcAft>
               <a:buNone/>
             </a:pPr>
-            <a:r>
-              <a:t/>
-            </a:r>
             <a:endParaRPr/>
           </a:p>
         </p:txBody>
@@ -8070,12 +8768,12 @@
 </p:sld>
 </file>
 
-<file path=ppt/slides/slide16.xml><?xml version="1.0" encoding="utf-8"?>
-<p:sld xmlns:a="http://schemas.openxmlformats.org/drawingml/2006/main" xmlns:r="http://schemas.openxmlformats.org/officeDocument/2006/relationships" xmlns:mc="http://schemas.openxmlformats.org/markup-compatibility/2006" xmlns:mv="urn:schemas-microsoft-com:mac:vml" xmlns:p="http://schemas.openxmlformats.org/presentationml/2006/main" xmlns:c="http://schemas.openxmlformats.org/drawingml/2006/chart" xmlns:dgm="http://schemas.openxmlformats.org/drawingml/2006/diagram" xmlns:o="urn:schemas-microsoft-com:office:office" xmlns:v="urn:schemas-microsoft-com:vml" xmlns:pvml="urn:schemas-microsoft-com:office:powerpoint" xmlns:com="http://schemas.openxmlformats.org/drawingml/2006/compatibility" xmlns:p14="http://schemas.microsoft.com/office/powerpoint/2010/main" xmlns:p15="http://schemas.microsoft.com/office/powerpoint/2012/main">
+<file path=ppt/slides/slide19.xml><?xml version="1.0" encoding="utf-8"?>
+<p:sld xmlns:a="http://schemas.openxmlformats.org/drawingml/2006/main" xmlns:r="http://schemas.openxmlformats.org/officeDocument/2006/relationships" xmlns:p="http://schemas.openxmlformats.org/presentationml/2006/main">
   <p:cSld>
     <p:spTree>
       <p:nvGrpSpPr>
-        <p:cNvPr id="158" name="Shape 158"/>
+        <p:cNvPr id="1" name="Shape 158"/>
         <p:cNvGrpSpPr/>
         <p:nvPr/>
       </p:nvGrpSpPr>
@@ -8090,7 +8788,9 @@
       <p:sp>
         <p:nvSpPr>
           <p:cNvPr id="159" name="Google Shape;159;p28"/>
-          <p:cNvSpPr txBox="1"/>
+          <p:cNvSpPr txBox="1">
+            <a:spLocks noGrp="1"/>
+          </p:cNvSpPr>
           <p:nvPr>
             <p:ph type="title"/>
           </p:nvPr>
@@ -8105,12 +8805,12 @@
           </a:prstGeom>
         </p:spPr>
         <p:txBody>
-          <a:bodyPr anchorCtr="0" anchor="t" bIns="91425" lIns="91425" spcFirstLastPara="1" rIns="91425" wrap="square" tIns="91425">
+          <a:bodyPr spcFirstLastPara="1" wrap="square" lIns="91425" tIns="91425" rIns="91425" bIns="91425" anchor="t" anchorCtr="0">
             <a:noAutofit/>
           </a:bodyPr>
           <a:lstStyle/>
           <a:p>
-            <a:pPr indent="0" lvl="0" marL="0" rtl="0" algn="ctr">
+            <a:pPr marL="0" lvl="0" indent="0" algn="ctr" rtl="0">
               <a:spcBef>
                 <a:spcPts val="0"/>
               </a:spcBef>
@@ -8163,12 +8863,177 @@
 </p:sld>
 </file>
 
-<file path=ppt/slides/slide17.xml><?xml version="1.0" encoding="utf-8"?>
-<p:sld xmlns:a="http://schemas.openxmlformats.org/drawingml/2006/main" xmlns:r="http://schemas.openxmlformats.org/officeDocument/2006/relationships" xmlns:mc="http://schemas.openxmlformats.org/markup-compatibility/2006" xmlns:mv="urn:schemas-microsoft-com:mac:vml" xmlns:p="http://schemas.openxmlformats.org/presentationml/2006/main" xmlns:c="http://schemas.openxmlformats.org/drawingml/2006/chart" xmlns:dgm="http://schemas.openxmlformats.org/drawingml/2006/diagram" xmlns:o="urn:schemas-microsoft-com:office:office" xmlns:v="urn:schemas-microsoft-com:vml" xmlns:pvml="urn:schemas-microsoft-com:office:powerpoint" xmlns:com="http://schemas.openxmlformats.org/drawingml/2006/compatibility" xmlns:p14="http://schemas.microsoft.com/office/powerpoint/2010/main" xmlns:p15="http://schemas.microsoft.com/office/powerpoint/2012/main">
+<file path=ppt/slides/slide2.xml><?xml version="1.0" encoding="utf-8"?>
+<p:sld xmlns:a="http://schemas.openxmlformats.org/drawingml/2006/main" xmlns:r="http://schemas.openxmlformats.org/officeDocument/2006/relationships" xmlns:p="http://schemas.openxmlformats.org/presentationml/2006/main">
   <p:cSld>
     <p:spTree>
       <p:nvGrpSpPr>
-        <p:cNvPr id="164" name="Shape 164"/>
+        <p:cNvPr id="1" name="Shape 60"/>
+        <p:cNvGrpSpPr/>
+        <p:nvPr/>
+      </p:nvGrpSpPr>
+      <p:grpSpPr>
+        <a:xfrm>
+          <a:off x="0" y="0"/>
+          <a:ext cx="0" cy="0"/>
+          <a:chOff x="0" y="0"/>
+          <a:chExt cx="0" cy="0"/>
+        </a:xfrm>
+      </p:grpSpPr>
+      <p:sp>
+        <p:nvSpPr>
+          <p:cNvPr id="61" name="Google Shape;61;p14"/>
+          <p:cNvSpPr txBox="1">
+            <a:spLocks noGrp="1"/>
+          </p:cNvSpPr>
+          <p:nvPr>
+            <p:ph type="ctrTitle"/>
+          </p:nvPr>
+        </p:nvSpPr>
+        <p:spPr>
+          <a:xfrm>
+            <a:off x="311700" y="744575"/>
+            <a:ext cx="8520600" cy="908400"/>
+          </a:xfrm>
+          <a:prstGeom prst="rect">
+            <a:avLst/>
+          </a:prstGeom>
+        </p:spPr>
+        <p:txBody>
+          <a:bodyPr spcFirstLastPara="1" wrap="square" lIns="91425" tIns="91425" rIns="91425" bIns="91425" anchor="b" anchorCtr="0">
+            <a:noAutofit/>
+          </a:bodyPr>
+          <a:lstStyle/>
+          <a:p>
+            <a:pPr marL="0" lvl="0" indent="0" algn="ctr" rtl="0">
+              <a:spcBef>
+                <a:spcPts val="0"/>
+              </a:spcBef>
+              <a:spcAft>
+                <a:spcPts val="0"/>
+              </a:spcAft>
+              <a:buNone/>
+            </a:pPr>
+            <a:r>
+              <a:rPr lang="en"/>
+              <a:t>Motivation &amp; Summary</a:t>
+            </a:r>
+            <a:endParaRPr/>
+          </a:p>
+        </p:txBody>
+      </p:sp>
+      <p:sp>
+        <p:nvSpPr>
+          <p:cNvPr id="62" name="Google Shape;62;p14"/>
+          <p:cNvSpPr txBox="1">
+            <a:spLocks noGrp="1"/>
+          </p:cNvSpPr>
+          <p:nvPr>
+            <p:ph type="subTitle" idx="1"/>
+          </p:nvPr>
+        </p:nvSpPr>
+        <p:spPr>
+          <a:xfrm>
+            <a:off x="311700" y="1917700"/>
+            <a:ext cx="8520600" cy="2745900"/>
+          </a:xfrm>
+          <a:prstGeom prst="rect">
+            <a:avLst/>
+          </a:prstGeom>
+        </p:spPr>
+        <p:txBody>
+          <a:bodyPr spcFirstLastPara="1" wrap="square" lIns="91425" tIns="91425" rIns="91425" bIns="91425" anchor="t" anchorCtr="0">
+            <a:noAutofit/>
+          </a:bodyPr>
+          <a:lstStyle/>
+          <a:p>
+            <a:pPr marL="457200" lvl="0" indent="-406400" algn="ctr" rtl="0">
+              <a:spcBef>
+                <a:spcPts val="0"/>
+              </a:spcBef>
+              <a:spcAft>
+                <a:spcPts val="0"/>
+              </a:spcAft>
+              <a:buSzPts val="2800"/>
+              <a:buChar char="●"/>
+            </a:pPr>
+            <a:r>
+              <a:rPr lang="en"/>
+              <a:t>Investigate the distribution of Death around the country on a macro and micro level</a:t>
+            </a:r>
+            <a:endParaRPr/>
+          </a:p>
+          <a:p>
+            <a:pPr marL="457200" lvl="0" indent="-406400" algn="ctr" rtl="0">
+              <a:spcBef>
+                <a:spcPts val="0"/>
+              </a:spcBef>
+              <a:spcAft>
+                <a:spcPts val="0"/>
+              </a:spcAft>
+              <a:buSzPts val="2800"/>
+              <a:buChar char="●"/>
+            </a:pPr>
+            <a:r>
+              <a:rPr lang="en"/>
+              <a:t>How does mortality rate measure for different causes, states and on a global scale.</a:t>
+            </a:r>
+            <a:endParaRPr/>
+          </a:p>
+          <a:p>
+            <a:pPr marL="457200" lvl="0" indent="-406400" algn="ctr" rtl="0">
+              <a:spcBef>
+                <a:spcPts val="0"/>
+              </a:spcBef>
+              <a:spcAft>
+                <a:spcPts val="0"/>
+              </a:spcAft>
+              <a:buSzPts val="2800"/>
+              <a:buChar char="●"/>
+            </a:pPr>
+            <a:r>
+              <a:rPr lang="en"/>
+              <a:t>Analyse what factors affect the death rate and is there a correlation with other countries?</a:t>
+            </a:r>
+            <a:endParaRPr/>
+          </a:p>
+          <a:p>
+            <a:pPr marL="0" lvl="0" indent="0" algn="ctr" rtl="0">
+              <a:spcBef>
+                <a:spcPts val="0"/>
+              </a:spcBef>
+              <a:spcAft>
+                <a:spcPts val="0"/>
+              </a:spcAft>
+              <a:buClr>
+                <a:schemeClr val="dk1"/>
+              </a:buClr>
+              <a:buSzPts val="1100"/>
+              <a:buFont typeface="Arial"/>
+              <a:buNone/>
+            </a:pPr>
+            <a:r>
+              <a:rPr lang="en"/>
+              <a:t>  </a:t>
+            </a:r>
+            <a:endParaRPr/>
+          </a:p>
+        </p:txBody>
+      </p:sp>
+    </p:spTree>
+  </p:cSld>
+  <p:clrMapOvr>
+    <a:masterClrMapping/>
+  </p:clrMapOvr>
+</p:sld>
+</file>
+
+<file path=ppt/slides/slide20.xml><?xml version="1.0" encoding="utf-8"?>
+<p:sld xmlns:a="http://schemas.openxmlformats.org/drawingml/2006/main" xmlns:r="http://schemas.openxmlformats.org/officeDocument/2006/relationships" xmlns:p="http://schemas.openxmlformats.org/presentationml/2006/main">
+  <p:cSld>
+    <p:spTree>
+      <p:nvGrpSpPr>
+        <p:cNvPr id="1" name="Shape 164"/>
         <p:cNvGrpSpPr/>
         <p:nvPr/>
       </p:nvGrpSpPr>
@@ -8183,7 +9048,9 @@
       <p:sp>
         <p:nvSpPr>
           <p:cNvPr id="165" name="Google Shape;165;p29"/>
-          <p:cNvSpPr txBox="1"/>
+          <p:cNvSpPr txBox="1">
+            <a:spLocks noGrp="1"/>
+          </p:cNvSpPr>
           <p:nvPr>
             <p:ph type="title"/>
           </p:nvPr>
@@ -8198,12 +9065,12 @@
           </a:prstGeom>
         </p:spPr>
         <p:txBody>
-          <a:bodyPr anchorCtr="0" anchor="t" bIns="91425" lIns="91425" spcFirstLastPara="1" rIns="91425" wrap="square" tIns="91425">
+          <a:bodyPr spcFirstLastPara="1" wrap="square" lIns="91425" tIns="91425" rIns="91425" bIns="91425" anchor="t" anchorCtr="0">
             <a:noAutofit/>
           </a:bodyPr>
           <a:lstStyle/>
           <a:p>
-            <a:pPr indent="0" lvl="0" marL="0" rtl="0" algn="ctr">
+            <a:pPr marL="0" lvl="0" indent="0" algn="ctr" rtl="0">
               <a:spcBef>
                 <a:spcPts val="0"/>
               </a:spcBef>
@@ -8256,12 +9123,12 @@
 </p:sld>
 </file>
 
-<file path=ppt/slides/slide18.xml><?xml version="1.0" encoding="utf-8"?>
-<p:sld xmlns:a="http://schemas.openxmlformats.org/drawingml/2006/main" xmlns:r="http://schemas.openxmlformats.org/officeDocument/2006/relationships" xmlns:mc="http://schemas.openxmlformats.org/markup-compatibility/2006" xmlns:mv="urn:schemas-microsoft-com:mac:vml" xmlns:p="http://schemas.openxmlformats.org/presentationml/2006/main" xmlns:c="http://schemas.openxmlformats.org/drawingml/2006/chart" xmlns:dgm="http://schemas.openxmlformats.org/drawingml/2006/diagram" xmlns:o="urn:schemas-microsoft-com:office:office" xmlns:v="urn:schemas-microsoft-com:vml" xmlns:pvml="urn:schemas-microsoft-com:office:powerpoint" xmlns:com="http://schemas.openxmlformats.org/drawingml/2006/compatibility" xmlns:p14="http://schemas.microsoft.com/office/powerpoint/2010/main" xmlns:p15="http://schemas.microsoft.com/office/powerpoint/2012/main">
+<file path=ppt/slides/slide21.xml><?xml version="1.0" encoding="utf-8"?>
+<p:sld xmlns:a="http://schemas.openxmlformats.org/drawingml/2006/main" xmlns:r="http://schemas.openxmlformats.org/officeDocument/2006/relationships" xmlns:p="http://schemas.openxmlformats.org/presentationml/2006/main">
   <p:cSld>
     <p:spTree>
       <p:nvGrpSpPr>
-        <p:cNvPr id="170" name="Shape 170"/>
+        <p:cNvPr id="1" name="Shape 170"/>
         <p:cNvGrpSpPr/>
         <p:nvPr/>
       </p:nvGrpSpPr>
@@ -8276,7 +9143,9 @@
       <p:sp>
         <p:nvSpPr>
           <p:cNvPr id="171" name="Google Shape;171;p30"/>
-          <p:cNvSpPr txBox="1"/>
+          <p:cNvSpPr txBox="1">
+            <a:spLocks noGrp="1"/>
+          </p:cNvSpPr>
           <p:nvPr>
             <p:ph type="title"/>
           </p:nvPr>
@@ -8291,12 +9160,12 @@
           </a:prstGeom>
         </p:spPr>
         <p:txBody>
-          <a:bodyPr anchorCtr="0" anchor="t" bIns="91425" lIns="91425" spcFirstLastPara="1" rIns="91425" wrap="square" tIns="91425">
+          <a:bodyPr spcFirstLastPara="1" wrap="square" lIns="91425" tIns="91425" rIns="91425" bIns="91425" anchor="t" anchorCtr="0">
             <a:noAutofit/>
           </a:bodyPr>
           <a:lstStyle/>
           <a:p>
-            <a:pPr indent="0" lvl="0" marL="0" rtl="0" algn="l">
+            <a:pPr marL="0" lvl="0" indent="0" algn="l" rtl="0">
               <a:spcBef>
                 <a:spcPts val="0"/>
               </a:spcBef>
@@ -8316,9 +9185,11 @@
       <p:sp>
         <p:nvSpPr>
           <p:cNvPr id="172" name="Google Shape;172;p30"/>
-          <p:cNvSpPr txBox="1"/>
+          <p:cNvSpPr txBox="1">
+            <a:spLocks noGrp="1"/>
+          </p:cNvSpPr>
           <p:nvPr>
-            <p:ph idx="1" type="body"/>
+            <p:ph type="body" idx="1"/>
           </p:nvPr>
         </p:nvSpPr>
         <p:spPr>
@@ -8331,12 +9202,12 @@
           </a:prstGeom>
         </p:spPr>
         <p:txBody>
-          <a:bodyPr anchorCtr="0" anchor="t" bIns="91425" lIns="91425" spcFirstLastPara="1" rIns="91425" wrap="square" tIns="91425">
+          <a:bodyPr spcFirstLastPara="1" wrap="square" lIns="91425" tIns="91425" rIns="91425" bIns="91425" anchor="t" anchorCtr="0">
             <a:noAutofit/>
           </a:bodyPr>
           <a:lstStyle/>
           <a:p>
-            <a:pPr indent="-317500" lvl="0" marL="457200" rtl="0" algn="l">
+            <a:pPr marL="457200" lvl="0" indent="-317500" algn="l" rtl="0">
               <a:spcBef>
                 <a:spcPts val="0"/>
               </a:spcBef>
@@ -8370,7 +9241,7 @@
             </a:endParaRPr>
           </a:p>
           <a:p>
-            <a:pPr indent="-317500" lvl="0" marL="457200" rtl="0" algn="l">
+            <a:pPr marL="457200" lvl="0" indent="-317500" algn="l" rtl="0">
               <a:spcBef>
                 <a:spcPts val="0"/>
               </a:spcBef>
@@ -8404,7 +9275,7 @@
             </a:endParaRPr>
           </a:p>
           <a:p>
-            <a:pPr indent="-317500" lvl="0" marL="457200" rtl="0" algn="l">
+            <a:pPr marL="457200" lvl="0" indent="-317500" algn="l" rtl="0">
               <a:spcBef>
                 <a:spcPts val="0"/>
               </a:spcBef>
@@ -8438,7 +9309,7 @@
             </a:endParaRPr>
           </a:p>
           <a:p>
-            <a:pPr indent="-317500" lvl="0" marL="457200" rtl="0" algn="l">
+            <a:pPr marL="457200" lvl="0" indent="-317500" algn="l" rtl="0">
               <a:spcBef>
                 <a:spcPts val="0"/>
               </a:spcBef>
@@ -8472,7 +9343,7 @@
             </a:endParaRPr>
           </a:p>
           <a:p>
-            <a:pPr indent="-317500" lvl="0" marL="457200" rtl="0" algn="l">
+            <a:pPr marL="457200" lvl="0" indent="-317500" algn="l" rtl="0">
               <a:spcBef>
                 <a:spcPts val="0"/>
               </a:spcBef>
@@ -8506,7 +9377,7 @@
             </a:endParaRPr>
           </a:p>
           <a:p>
-            <a:pPr indent="-317500" lvl="0" marL="457200" rtl="0" algn="l">
+            <a:pPr marL="457200" lvl="0" indent="-317500" algn="l" rtl="0">
               <a:spcBef>
                 <a:spcPts val="0"/>
               </a:spcBef>
@@ -8540,7 +9411,7 @@
             </a:endParaRPr>
           </a:p>
           <a:p>
-            <a:pPr indent="-317500" lvl="0" marL="457200" rtl="0" algn="l">
+            <a:pPr marL="457200" lvl="0" indent="-317500" algn="l" rtl="0">
               <a:spcBef>
                 <a:spcPts val="0"/>
               </a:spcBef>
@@ -8574,7 +9445,7 @@
             </a:endParaRPr>
           </a:p>
           <a:p>
-            <a:pPr indent="0" lvl="0" marL="0" rtl="0" algn="l">
+            <a:pPr marL="0" lvl="0" indent="0" algn="l" rtl="0">
               <a:spcBef>
                 <a:spcPts val="0"/>
               </a:spcBef>
@@ -8583,170 +9454,6 @@
               </a:spcAft>
               <a:buNone/>
             </a:pPr>
-            <a:r>
-              <a:t/>
-            </a:r>
-            <a:endParaRPr/>
-          </a:p>
-        </p:txBody>
-      </p:sp>
-    </p:spTree>
-  </p:cSld>
-  <p:clrMapOvr>
-    <a:masterClrMapping/>
-  </p:clrMapOvr>
-</p:sld>
-</file>
-
-<file path=ppt/slides/slide2.xml><?xml version="1.0" encoding="utf-8"?>
-<p:sld xmlns:a="http://schemas.openxmlformats.org/drawingml/2006/main" xmlns:r="http://schemas.openxmlformats.org/officeDocument/2006/relationships" xmlns:mc="http://schemas.openxmlformats.org/markup-compatibility/2006" xmlns:mv="urn:schemas-microsoft-com:mac:vml" xmlns:p="http://schemas.openxmlformats.org/presentationml/2006/main" xmlns:c="http://schemas.openxmlformats.org/drawingml/2006/chart" xmlns:dgm="http://schemas.openxmlformats.org/drawingml/2006/diagram" xmlns:o="urn:schemas-microsoft-com:office:office" xmlns:v="urn:schemas-microsoft-com:vml" xmlns:pvml="urn:schemas-microsoft-com:office:powerpoint" xmlns:com="http://schemas.openxmlformats.org/drawingml/2006/compatibility" xmlns:p14="http://schemas.microsoft.com/office/powerpoint/2010/main" xmlns:p15="http://schemas.microsoft.com/office/powerpoint/2012/main">
-  <p:cSld>
-    <p:spTree>
-      <p:nvGrpSpPr>
-        <p:cNvPr id="60" name="Shape 60"/>
-        <p:cNvGrpSpPr/>
-        <p:nvPr/>
-      </p:nvGrpSpPr>
-      <p:grpSpPr>
-        <a:xfrm>
-          <a:off x="0" y="0"/>
-          <a:ext cx="0" cy="0"/>
-          <a:chOff x="0" y="0"/>
-          <a:chExt cx="0" cy="0"/>
-        </a:xfrm>
-      </p:grpSpPr>
-      <p:sp>
-        <p:nvSpPr>
-          <p:cNvPr id="61" name="Google Shape;61;p14"/>
-          <p:cNvSpPr txBox="1"/>
-          <p:nvPr>
-            <p:ph type="ctrTitle"/>
-          </p:nvPr>
-        </p:nvSpPr>
-        <p:spPr>
-          <a:xfrm>
-            <a:off x="311700" y="744575"/>
-            <a:ext cx="8520600" cy="908400"/>
-          </a:xfrm>
-          <a:prstGeom prst="rect">
-            <a:avLst/>
-          </a:prstGeom>
-        </p:spPr>
-        <p:txBody>
-          <a:bodyPr anchorCtr="0" anchor="b" bIns="91425" lIns="91425" spcFirstLastPara="1" rIns="91425" wrap="square" tIns="91425">
-            <a:noAutofit/>
-          </a:bodyPr>
-          <a:lstStyle/>
-          <a:p>
-            <a:pPr indent="0" lvl="0" marL="0" rtl="0" algn="ctr">
-              <a:spcBef>
-                <a:spcPts val="0"/>
-              </a:spcBef>
-              <a:spcAft>
-                <a:spcPts val="0"/>
-              </a:spcAft>
-              <a:buNone/>
-            </a:pPr>
-            <a:r>
-              <a:rPr lang="en"/>
-              <a:t>Motivation &amp; Summary</a:t>
-            </a:r>
-            <a:endParaRPr/>
-          </a:p>
-        </p:txBody>
-      </p:sp>
-      <p:sp>
-        <p:nvSpPr>
-          <p:cNvPr id="62" name="Google Shape;62;p14"/>
-          <p:cNvSpPr txBox="1"/>
-          <p:nvPr>
-            <p:ph idx="1" type="subTitle"/>
-          </p:nvPr>
-        </p:nvSpPr>
-        <p:spPr>
-          <a:xfrm>
-            <a:off x="311700" y="1917700"/>
-            <a:ext cx="8520600" cy="2745900"/>
-          </a:xfrm>
-          <a:prstGeom prst="rect">
-            <a:avLst/>
-          </a:prstGeom>
-        </p:spPr>
-        <p:txBody>
-          <a:bodyPr anchorCtr="0" anchor="t" bIns="91425" lIns="91425" spcFirstLastPara="1" rIns="91425" wrap="square" tIns="91425">
-            <a:noAutofit/>
-          </a:bodyPr>
-          <a:lstStyle/>
-          <a:p>
-            <a:pPr indent="-406400" lvl="0" marL="457200" rtl="0" algn="ctr">
-              <a:spcBef>
-                <a:spcPts val="0"/>
-              </a:spcBef>
-              <a:spcAft>
-                <a:spcPts val="0"/>
-              </a:spcAft>
-              <a:buSzPts val="2800"/>
-              <a:buChar char="●"/>
-            </a:pPr>
-            <a:r>
-              <a:rPr lang="en"/>
-              <a:t>Investigate the distribution of Death around the country on a macro and micro level</a:t>
-            </a:r>
-            <a:endParaRPr/>
-          </a:p>
-          <a:p>
-            <a:pPr indent="-406400" lvl="0" marL="457200" rtl="0" algn="ctr">
-              <a:spcBef>
-                <a:spcPts val="0"/>
-              </a:spcBef>
-              <a:spcAft>
-                <a:spcPts val="0"/>
-              </a:spcAft>
-              <a:buSzPts val="2800"/>
-              <a:buChar char="●"/>
-            </a:pPr>
-            <a:r>
-              <a:rPr lang="en"/>
-              <a:t>How does mortality rate measure for different causes, states and on a global scale.</a:t>
-            </a:r>
-            <a:endParaRPr/>
-          </a:p>
-          <a:p>
-            <a:pPr indent="-406400" lvl="0" marL="457200" rtl="0" algn="ctr">
-              <a:spcBef>
-                <a:spcPts val="0"/>
-              </a:spcBef>
-              <a:spcAft>
-                <a:spcPts val="0"/>
-              </a:spcAft>
-              <a:buSzPts val="2800"/>
-              <a:buChar char="●"/>
-            </a:pPr>
-            <a:r>
-              <a:rPr lang="en"/>
-              <a:t>Analyse what factors affect the death rate and is there a correlation with other countries?</a:t>
-            </a:r>
-            <a:endParaRPr/>
-          </a:p>
-          <a:p>
-            <a:pPr indent="0" lvl="0" marL="0" rtl="0" algn="ctr">
-              <a:spcBef>
-                <a:spcPts val="0"/>
-              </a:spcBef>
-              <a:spcAft>
-                <a:spcPts val="0"/>
-              </a:spcAft>
-              <a:buClr>
-                <a:schemeClr val="dk1"/>
-              </a:buClr>
-              <a:buSzPts val="1100"/>
-              <a:buFont typeface="Arial"/>
-              <a:buNone/>
-            </a:pPr>
-            <a:r>
-              <a:rPr lang="en"/>
-              <a:t>  </a:t>
-            </a:r>
             <a:endParaRPr/>
           </a:p>
         </p:txBody>
@@ -8760,11 +9467,11 @@
 </file>
 
 <file path=ppt/slides/slide3.xml><?xml version="1.0" encoding="utf-8"?>
-<p:sld xmlns:a="http://schemas.openxmlformats.org/drawingml/2006/main" xmlns:r="http://schemas.openxmlformats.org/officeDocument/2006/relationships" xmlns:mc="http://schemas.openxmlformats.org/markup-compatibility/2006" xmlns:mv="urn:schemas-microsoft-com:mac:vml" xmlns:p="http://schemas.openxmlformats.org/presentationml/2006/main" xmlns:c="http://schemas.openxmlformats.org/drawingml/2006/chart" xmlns:dgm="http://schemas.openxmlformats.org/drawingml/2006/diagram" xmlns:o="urn:schemas-microsoft-com:office:office" xmlns:v="urn:schemas-microsoft-com:vml" xmlns:pvml="urn:schemas-microsoft-com:office:powerpoint" xmlns:com="http://schemas.openxmlformats.org/drawingml/2006/compatibility" xmlns:p14="http://schemas.microsoft.com/office/powerpoint/2010/main" xmlns:p15="http://schemas.microsoft.com/office/powerpoint/2012/main">
+<p:sld xmlns:a="http://schemas.openxmlformats.org/drawingml/2006/main" xmlns:r="http://schemas.openxmlformats.org/officeDocument/2006/relationships" xmlns:p="http://schemas.openxmlformats.org/presentationml/2006/main">
   <p:cSld>
     <p:spTree>
       <p:nvGrpSpPr>
-        <p:cNvPr id="66" name="Shape 66"/>
+        <p:cNvPr id="1" name="Shape 66"/>
         <p:cNvGrpSpPr/>
         <p:nvPr/>
       </p:nvGrpSpPr>
@@ -8779,7 +9486,9 @@
       <p:sp>
         <p:nvSpPr>
           <p:cNvPr id="67" name="Google Shape;67;p15"/>
-          <p:cNvSpPr txBox="1"/>
+          <p:cNvSpPr txBox="1">
+            <a:spLocks noGrp="1"/>
+          </p:cNvSpPr>
           <p:nvPr>
             <p:ph type="ctrTitle"/>
           </p:nvPr>
@@ -8794,12 +9503,12 @@
           </a:prstGeom>
         </p:spPr>
         <p:txBody>
-          <a:bodyPr anchorCtr="0" anchor="b" bIns="91425" lIns="91425" spcFirstLastPara="1" rIns="91425" wrap="square" tIns="91425">
+          <a:bodyPr spcFirstLastPara="1" wrap="square" lIns="91425" tIns="91425" rIns="91425" bIns="91425" anchor="b" anchorCtr="0">
             <a:noAutofit/>
           </a:bodyPr>
           <a:lstStyle/>
           <a:p>
-            <a:pPr indent="0" lvl="0" marL="0" rtl="0" algn="ctr">
+            <a:pPr marL="0" lvl="0" indent="0" algn="ctr" rtl="0">
               <a:spcBef>
                 <a:spcPts val="0"/>
               </a:spcBef>
@@ -8819,9 +9528,11 @@
       <p:sp>
         <p:nvSpPr>
           <p:cNvPr id="68" name="Google Shape;68;p15"/>
-          <p:cNvSpPr txBox="1"/>
+          <p:cNvSpPr txBox="1">
+            <a:spLocks noGrp="1"/>
+          </p:cNvSpPr>
           <p:nvPr>
-            <p:ph idx="1" type="subTitle"/>
+            <p:ph type="subTitle" idx="1"/>
           </p:nvPr>
         </p:nvSpPr>
         <p:spPr>
@@ -8834,12 +9545,12 @@
           </a:prstGeom>
         </p:spPr>
         <p:txBody>
-          <a:bodyPr anchorCtr="0" anchor="t" bIns="91425" lIns="91425" spcFirstLastPara="1" rIns="91425" wrap="square" tIns="91425">
+          <a:bodyPr spcFirstLastPara="1" wrap="square" lIns="91425" tIns="91425" rIns="91425" bIns="91425" anchor="t" anchorCtr="0">
             <a:noAutofit/>
           </a:bodyPr>
           <a:lstStyle/>
           <a:p>
-            <a:pPr indent="-406400" lvl="0" marL="457200" rtl="0" algn="ctr">
+            <a:pPr marL="457200" lvl="0" indent="-406400" algn="ctr" rtl="0">
               <a:spcBef>
                 <a:spcPts val="0"/>
               </a:spcBef>
@@ -8856,7 +9567,7 @@
             <a:endParaRPr/>
           </a:p>
           <a:p>
-            <a:pPr indent="-406400" lvl="0" marL="457200" rtl="0" algn="ctr">
+            <a:pPr marL="457200" lvl="0" indent="-406400" algn="ctr" rtl="0">
               <a:spcBef>
                 <a:spcPts val="0"/>
               </a:spcBef>
@@ -8873,7 +9584,7 @@
             <a:endParaRPr/>
           </a:p>
           <a:p>
-            <a:pPr indent="-406400" lvl="0" marL="457200" rtl="0" algn="ctr">
+            <a:pPr marL="457200" lvl="0" indent="-406400" algn="ctr" rtl="0">
               <a:spcBef>
                 <a:spcPts val="0"/>
               </a:spcBef>
@@ -8900,11 +9611,11 @@
 </file>
 
 <file path=ppt/slides/slide4.xml><?xml version="1.0" encoding="utf-8"?>
-<p:sld xmlns:a="http://schemas.openxmlformats.org/drawingml/2006/main" xmlns:r="http://schemas.openxmlformats.org/officeDocument/2006/relationships" xmlns:mc="http://schemas.openxmlformats.org/markup-compatibility/2006" xmlns:mv="urn:schemas-microsoft-com:mac:vml" xmlns:p="http://schemas.openxmlformats.org/presentationml/2006/main" xmlns:c="http://schemas.openxmlformats.org/drawingml/2006/chart" xmlns:dgm="http://schemas.openxmlformats.org/drawingml/2006/diagram" xmlns:o="urn:schemas-microsoft-com:office:office" xmlns:v="urn:schemas-microsoft-com:vml" xmlns:pvml="urn:schemas-microsoft-com:office:powerpoint" xmlns:com="http://schemas.openxmlformats.org/drawingml/2006/compatibility" xmlns:p14="http://schemas.microsoft.com/office/powerpoint/2010/main" xmlns:p15="http://schemas.microsoft.com/office/powerpoint/2012/main">
+<p:sld xmlns:a="http://schemas.openxmlformats.org/drawingml/2006/main" xmlns:r="http://schemas.openxmlformats.org/officeDocument/2006/relationships" xmlns:p="http://schemas.openxmlformats.org/presentationml/2006/main">
   <p:cSld>
     <p:spTree>
       <p:nvGrpSpPr>
-        <p:cNvPr id="72" name="Shape 72"/>
+        <p:cNvPr id="1" name="Shape 72"/>
         <p:cNvGrpSpPr/>
         <p:nvPr/>
       </p:nvGrpSpPr>
@@ -8919,7 +9630,9 @@
       <p:sp>
         <p:nvSpPr>
           <p:cNvPr id="73" name="Google Shape;73;p16"/>
-          <p:cNvSpPr txBox="1"/>
+          <p:cNvSpPr txBox="1">
+            <a:spLocks noGrp="1"/>
+          </p:cNvSpPr>
           <p:nvPr>
             <p:ph type="title"/>
           </p:nvPr>
@@ -8934,12 +9647,12 @@
           </a:prstGeom>
         </p:spPr>
         <p:txBody>
-          <a:bodyPr anchorCtr="0" anchor="t" bIns="91425" lIns="91425" spcFirstLastPara="1" rIns="91425" wrap="square" tIns="91425">
+          <a:bodyPr spcFirstLastPara="1" wrap="square" lIns="91425" tIns="91425" rIns="91425" bIns="91425" anchor="t" anchorCtr="0">
             <a:noAutofit/>
           </a:bodyPr>
           <a:lstStyle/>
           <a:p>
-            <a:pPr indent="0" lvl="0" marL="0" rtl="0" algn="l">
+            <a:pPr marL="0" lvl="0" indent="0" algn="l" rtl="0">
               <a:spcBef>
                 <a:spcPts val="0"/>
               </a:spcBef>
@@ -9004,12 +9717,12 @@
           </a:ln>
         </p:spPr>
         <p:txBody>
-          <a:bodyPr anchorCtr="0" anchor="t" bIns="91425" lIns="91425" spcFirstLastPara="1" rIns="91425" wrap="square" tIns="91425">
+          <a:bodyPr spcFirstLastPara="1" wrap="square" lIns="91425" tIns="91425" rIns="91425" bIns="91425" anchor="t" anchorCtr="0">
             <a:noAutofit/>
           </a:bodyPr>
           <a:lstStyle/>
           <a:p>
-            <a:pPr indent="-317500" lvl="0" marL="457200" rtl="0" algn="l">
+            <a:pPr marL="457200" lvl="0" indent="-317500" algn="l" rtl="0">
               <a:spcBef>
                 <a:spcPts val="0"/>
               </a:spcBef>
@@ -9026,7 +9739,7 @@
             <a:endParaRPr/>
           </a:p>
           <a:p>
-            <a:pPr indent="0" lvl="0" marL="457200" rtl="0" algn="l">
+            <a:pPr marL="457200" lvl="0" indent="0" algn="l" rtl="0">
               <a:spcBef>
                 <a:spcPts val="0"/>
               </a:spcBef>
@@ -9035,13 +9748,10 @@
               </a:spcAft>
               <a:buNone/>
             </a:pPr>
-            <a:r>
-              <a:t/>
-            </a:r>
             <a:endParaRPr/>
           </a:p>
           <a:p>
-            <a:pPr indent="-317500" lvl="0" marL="457200" rtl="0" algn="l">
+            <a:pPr marL="457200" lvl="0" indent="-317500" algn="l" rtl="0">
               <a:spcBef>
                 <a:spcPts val="0"/>
               </a:spcBef>
@@ -9058,7 +9768,7 @@
             <a:endParaRPr/>
           </a:p>
           <a:p>
-            <a:pPr indent="0" lvl="0" marL="457200" rtl="0" algn="l">
+            <a:pPr marL="457200" lvl="0" indent="0" algn="l" rtl="0">
               <a:spcBef>
                 <a:spcPts val="0"/>
               </a:spcBef>
@@ -9067,13 +9777,10 @@
               </a:spcAft>
               <a:buNone/>
             </a:pPr>
-            <a:r>
-              <a:t/>
-            </a:r>
             <a:endParaRPr/>
           </a:p>
           <a:p>
-            <a:pPr indent="-317500" lvl="0" marL="457200" rtl="0" algn="l">
+            <a:pPr marL="457200" lvl="0" indent="-317500" algn="l" rtl="0">
               <a:spcBef>
                 <a:spcPts val="0"/>
               </a:spcBef>
@@ -9090,7 +9797,7 @@
             <a:endParaRPr/>
           </a:p>
           <a:p>
-            <a:pPr indent="0" lvl="0" marL="457200" rtl="0" algn="l">
+            <a:pPr marL="457200" lvl="0" indent="0" algn="l" rtl="0">
               <a:spcBef>
                 <a:spcPts val="0"/>
               </a:spcBef>
@@ -9099,13 +9806,10 @@
               </a:spcAft>
               <a:buNone/>
             </a:pPr>
-            <a:r>
-              <a:t/>
-            </a:r>
             <a:endParaRPr/>
           </a:p>
           <a:p>
-            <a:pPr indent="-317500" lvl="0" marL="457200" rtl="0" algn="l">
+            <a:pPr marL="457200" lvl="0" indent="-317500" algn="l" rtl="0">
               <a:spcBef>
                 <a:spcPts val="0"/>
               </a:spcBef>
@@ -9122,7 +9826,7 @@
             <a:endParaRPr/>
           </a:p>
           <a:p>
-            <a:pPr indent="0" lvl="0" marL="0" rtl="0" algn="l">
+            <a:pPr marL="0" lvl="0" indent="0" algn="l" rtl="0">
               <a:spcBef>
                 <a:spcPts val="0"/>
               </a:spcBef>
@@ -9131,9 +9835,6 @@
               </a:spcAft>
               <a:buNone/>
             </a:pPr>
-            <a:r>
-              <a:t/>
-            </a:r>
             <a:endParaRPr/>
           </a:p>
         </p:txBody>
@@ -9158,12 +9859,12 @@
           </a:ln>
         </p:spPr>
         <p:txBody>
-          <a:bodyPr anchorCtr="0" anchor="t" bIns="91425" lIns="91425" spcFirstLastPara="1" rIns="91425" wrap="square" tIns="91425">
+          <a:bodyPr spcFirstLastPara="1" wrap="square" lIns="91425" tIns="91425" rIns="91425" bIns="91425" anchor="t" anchorCtr="0">
             <a:noAutofit/>
           </a:bodyPr>
           <a:lstStyle/>
           <a:p>
-            <a:pPr indent="0" lvl="0" marL="0" rtl="0" algn="l">
+            <a:pPr marL="0" lvl="0" indent="0" algn="l" rtl="0">
               <a:spcBef>
                 <a:spcPts val="0"/>
               </a:spcBef>
@@ -9189,11 +9890,11 @@
 </file>
 
 <file path=ppt/slides/slide5.xml><?xml version="1.0" encoding="utf-8"?>
-<p:sld xmlns:a="http://schemas.openxmlformats.org/drawingml/2006/main" xmlns:r="http://schemas.openxmlformats.org/officeDocument/2006/relationships" xmlns:mc="http://schemas.openxmlformats.org/markup-compatibility/2006" xmlns:mv="urn:schemas-microsoft-com:mac:vml" xmlns:p="http://schemas.openxmlformats.org/presentationml/2006/main" xmlns:c="http://schemas.openxmlformats.org/drawingml/2006/chart" xmlns:dgm="http://schemas.openxmlformats.org/drawingml/2006/diagram" xmlns:o="urn:schemas-microsoft-com:office:office" xmlns:v="urn:schemas-microsoft-com:vml" xmlns:pvml="urn:schemas-microsoft-com:office:powerpoint" xmlns:com="http://schemas.openxmlformats.org/drawingml/2006/compatibility" xmlns:p14="http://schemas.microsoft.com/office/powerpoint/2010/main" xmlns:p15="http://schemas.microsoft.com/office/powerpoint/2012/main">
+<p:sld xmlns:a="http://schemas.openxmlformats.org/drawingml/2006/main" xmlns:r="http://schemas.openxmlformats.org/officeDocument/2006/relationships" xmlns:p="http://schemas.openxmlformats.org/presentationml/2006/main">
   <p:cSld>
     <p:spTree>
       <p:nvGrpSpPr>
-        <p:cNvPr id="80" name="Shape 80"/>
+        <p:cNvPr id="1" name="Shape 80"/>
         <p:cNvGrpSpPr/>
         <p:nvPr/>
       </p:nvGrpSpPr>
@@ -9236,7 +9937,9 @@
       <p:sp>
         <p:nvSpPr>
           <p:cNvPr id="82" name="Google Shape;82;p17"/>
-          <p:cNvSpPr txBox="1"/>
+          <p:cNvSpPr txBox="1">
+            <a:spLocks noGrp="1"/>
+          </p:cNvSpPr>
           <p:nvPr>
             <p:ph type="title"/>
           </p:nvPr>
@@ -9251,12 +9954,12 @@
           </a:prstGeom>
         </p:spPr>
         <p:txBody>
-          <a:bodyPr anchorCtr="0" anchor="t" bIns="91425" lIns="91425" spcFirstLastPara="1" rIns="91425" wrap="square" tIns="91425">
+          <a:bodyPr spcFirstLastPara="1" wrap="square" lIns="91425" tIns="91425" rIns="91425" bIns="91425" anchor="t" anchorCtr="0">
             <a:noAutofit/>
           </a:bodyPr>
           <a:lstStyle/>
           <a:p>
-            <a:pPr indent="-342900" lvl="0" marL="457200" rtl="0" algn="l">
+            <a:pPr marL="457200" lvl="0" indent="-342900" algn="l" rtl="0">
               <a:spcBef>
                 <a:spcPts val="0"/>
               </a:spcBef>
@@ -9273,7 +9976,7 @@
             <a:endParaRPr sz="1800"/>
           </a:p>
           <a:p>
-            <a:pPr indent="-342900" lvl="0" marL="457200" rtl="0" algn="l">
+            <a:pPr marL="457200" lvl="0" indent="-342900" algn="l" rtl="0">
               <a:spcBef>
                 <a:spcPts val="0"/>
               </a:spcBef>
@@ -9290,7 +9993,7 @@
             <a:endParaRPr sz="1800"/>
           </a:p>
           <a:p>
-            <a:pPr indent="0" lvl="0" marL="0" rtl="0" algn="l">
+            <a:pPr marL="0" lvl="0" indent="0" algn="l" rtl="0">
               <a:spcBef>
                 <a:spcPts val="0"/>
               </a:spcBef>
@@ -9299,9 +10002,6 @@
               </a:spcAft>
               <a:buNone/>
             </a:pPr>
-            <a:r>
-              <a:t/>
-            </a:r>
             <a:endParaRPr sz="1800"/>
           </a:p>
         </p:txBody>
@@ -9315,11 +10015,11 @@
 </file>
 
 <file path=ppt/slides/slide6.xml><?xml version="1.0" encoding="utf-8"?>
-<p:sld xmlns:a="http://schemas.openxmlformats.org/drawingml/2006/main" xmlns:r="http://schemas.openxmlformats.org/officeDocument/2006/relationships" xmlns:mc="http://schemas.openxmlformats.org/markup-compatibility/2006" xmlns:mv="urn:schemas-microsoft-com:mac:vml" xmlns:p="http://schemas.openxmlformats.org/presentationml/2006/main" xmlns:c="http://schemas.openxmlformats.org/drawingml/2006/chart" xmlns:dgm="http://schemas.openxmlformats.org/drawingml/2006/diagram" xmlns:o="urn:schemas-microsoft-com:office:office" xmlns:v="urn:schemas-microsoft-com:vml" xmlns:pvml="urn:schemas-microsoft-com:office:powerpoint" xmlns:com="http://schemas.openxmlformats.org/drawingml/2006/compatibility" xmlns:p14="http://schemas.microsoft.com/office/powerpoint/2010/main" xmlns:p15="http://schemas.microsoft.com/office/powerpoint/2012/main">
+<p:sld xmlns:a="http://schemas.openxmlformats.org/drawingml/2006/main" xmlns:r="http://schemas.openxmlformats.org/officeDocument/2006/relationships" xmlns:p="http://schemas.openxmlformats.org/presentationml/2006/main">
   <p:cSld>
     <p:spTree>
       <p:nvGrpSpPr>
-        <p:cNvPr id="86" name="Shape 86"/>
+        <p:cNvPr id="1" name="Shape 86"/>
         <p:cNvGrpSpPr/>
         <p:nvPr/>
       </p:nvGrpSpPr>
@@ -9348,23 +10048,23 @@
           <a:solidFill>
             <a:schemeClr val="lt2"/>
           </a:solidFill>
-          <a:ln cap="flat" cmpd="sng" w="9525">
+          <a:ln w="9525" cap="flat" cmpd="sng">
             <a:solidFill>
               <a:schemeClr val="dk2"/>
             </a:solidFill>
             <a:prstDash val="solid"/>
             <a:round/>
-            <a:headEnd len="sm" w="sm" type="none"/>
-            <a:tailEnd len="sm" w="sm" type="none"/>
+            <a:headEnd type="none" w="sm" len="sm"/>
+            <a:tailEnd type="none" w="sm" len="sm"/>
           </a:ln>
         </p:spPr>
         <p:txBody>
-          <a:bodyPr anchorCtr="0" anchor="ctr" bIns="91425" lIns="91425" spcFirstLastPara="1" rIns="91425" wrap="square" tIns="91425">
+          <a:bodyPr spcFirstLastPara="1" wrap="square" lIns="91425" tIns="91425" rIns="91425" bIns="91425" anchor="ctr" anchorCtr="0">
             <a:noAutofit/>
           </a:bodyPr>
           <a:lstStyle/>
           <a:p>
-            <a:pPr indent="0" lvl="0" marL="0" rtl="0" algn="l">
+            <a:pPr marL="0" lvl="0" indent="0" algn="l" rtl="0">
               <a:spcBef>
                 <a:spcPts val="0"/>
               </a:spcBef>
@@ -9373,9 +10073,6 @@
               </a:spcAft>
               <a:buNone/>
             </a:pPr>
-            <a:r>
-              <a:t/>
-            </a:r>
             <a:endParaRPr/>
           </a:p>
         </p:txBody>
@@ -9397,23 +10094,23 @@
           <a:solidFill>
             <a:schemeClr val="lt2"/>
           </a:solidFill>
-          <a:ln cap="flat" cmpd="sng" w="9525">
+          <a:ln w="9525" cap="flat" cmpd="sng">
             <a:solidFill>
               <a:schemeClr val="dk2"/>
             </a:solidFill>
             <a:prstDash val="solid"/>
             <a:round/>
-            <a:headEnd len="sm" w="sm" type="none"/>
-            <a:tailEnd len="sm" w="sm" type="none"/>
+            <a:headEnd type="none" w="sm" len="sm"/>
+            <a:tailEnd type="none" w="sm" len="sm"/>
           </a:ln>
         </p:spPr>
         <p:txBody>
-          <a:bodyPr anchorCtr="0" anchor="ctr" bIns="91425" lIns="91425" spcFirstLastPara="1" rIns="91425" wrap="square" tIns="91425">
+          <a:bodyPr spcFirstLastPara="1" wrap="square" lIns="91425" tIns="91425" rIns="91425" bIns="91425" anchor="ctr" anchorCtr="0">
             <a:noAutofit/>
           </a:bodyPr>
           <a:lstStyle/>
           <a:p>
-            <a:pPr indent="0" lvl="0" marL="0" rtl="0" algn="l">
+            <a:pPr marL="0" lvl="0" indent="0" algn="l" rtl="0">
               <a:spcBef>
                 <a:spcPts val="0"/>
               </a:spcBef>
@@ -9422,9 +10119,6 @@
               </a:spcAft>
               <a:buNone/>
             </a:pPr>
-            <a:r>
-              <a:t/>
-            </a:r>
             <a:endParaRPr/>
           </a:p>
         </p:txBody>
@@ -9452,21 +10146,23 @@
             <a:avLst/>
           </a:prstGeom>
           <a:noFill/>
-          <a:ln cap="flat" cmpd="sng" w="9525">
+          <a:ln w="9525" cap="flat" cmpd="sng">
             <a:solidFill>
               <a:srgbClr val="000000"/>
             </a:solidFill>
             <a:prstDash val="solid"/>
             <a:round/>
-            <a:headEnd len="sm" w="sm" type="none"/>
-            <a:tailEnd len="sm" w="sm" type="none"/>
+            <a:headEnd type="none" w="sm" len="sm"/>
+            <a:tailEnd type="none" w="sm" len="sm"/>
           </a:ln>
         </p:spPr>
       </p:pic>
       <p:sp>
         <p:nvSpPr>
           <p:cNvPr id="90" name="Google Shape;90;p18"/>
-          <p:cNvSpPr txBox="1"/>
+          <p:cNvSpPr txBox="1">
+            <a:spLocks noGrp="1"/>
+          </p:cNvSpPr>
           <p:nvPr>
             <p:ph type="title"/>
           </p:nvPr>
@@ -9482,23 +10178,23 @@
           <a:solidFill>
             <a:srgbClr val="EFEFEF"/>
           </a:solidFill>
-          <a:ln cap="flat" cmpd="sng" w="9525">
+          <a:ln w="9525" cap="flat" cmpd="sng">
             <a:solidFill>
               <a:srgbClr val="000000"/>
             </a:solidFill>
             <a:prstDash val="solid"/>
             <a:round/>
-            <a:headEnd len="sm" w="sm" type="none"/>
-            <a:tailEnd len="sm" w="sm" type="none"/>
+            <a:headEnd type="none" w="sm" len="sm"/>
+            <a:tailEnd type="none" w="sm" len="sm"/>
           </a:ln>
         </p:spPr>
         <p:txBody>
-          <a:bodyPr anchorCtr="0" anchor="t" bIns="91425" lIns="91425" spcFirstLastPara="1" rIns="91425" wrap="square" tIns="91425">
+          <a:bodyPr spcFirstLastPara="1" wrap="square" lIns="91425" tIns="91425" rIns="91425" bIns="91425" anchor="t" anchorCtr="0">
             <a:noAutofit/>
           </a:bodyPr>
           <a:lstStyle/>
           <a:p>
-            <a:pPr indent="0" lvl="0" marL="0" rtl="0" algn="l">
+            <a:pPr marL="0" lvl="0" indent="0" algn="l" rtl="0">
               <a:spcBef>
                 <a:spcPts val="0"/>
               </a:spcBef>
@@ -9535,12 +10231,12 @@
           </a:ln>
         </p:spPr>
         <p:txBody>
-          <a:bodyPr anchorCtr="0" anchor="t" bIns="91425" lIns="91425" spcFirstLastPara="1" rIns="91425" wrap="square" tIns="91425">
+          <a:bodyPr spcFirstLastPara="1" wrap="square" lIns="91425" tIns="91425" rIns="91425" bIns="91425" anchor="t" anchorCtr="0">
             <a:noAutofit/>
           </a:bodyPr>
           <a:lstStyle/>
           <a:p>
-            <a:pPr indent="0" lvl="0" marL="0" rtl="0" algn="l">
+            <a:pPr marL="0" lvl="0" indent="0" algn="l" rtl="0">
               <a:spcBef>
                 <a:spcPts val="0"/>
               </a:spcBef>
@@ -9556,7 +10252,7 @@
             <a:endParaRPr/>
           </a:p>
           <a:p>
-            <a:pPr indent="0" lvl="0" marL="0" rtl="0" algn="l">
+            <a:pPr marL="0" lvl="0" indent="0" algn="l" rtl="0">
               <a:spcBef>
                 <a:spcPts val="0"/>
               </a:spcBef>
@@ -9566,13 +10262,13 @@
               <a:buNone/>
             </a:pPr>
             <a:r>
-              <a:rPr b="1" lang="en"/>
+              <a:rPr lang="en" b="1"/>
               <a:t>UNITED STATES</a:t>
             </a:r>
             <a:endParaRPr b="1"/>
           </a:p>
           <a:p>
-            <a:pPr indent="0" lvl="0" marL="0" rtl="0" algn="l">
+            <a:pPr marL="0" lvl="0" indent="0" algn="l" rtl="0">
               <a:spcBef>
                 <a:spcPts val="0"/>
               </a:spcBef>
@@ -9581,13 +10277,10 @@
               </a:spcAft>
               <a:buNone/>
             </a:pPr>
-            <a:r>
-              <a:t/>
-            </a:r>
             <a:endParaRPr b="1"/>
           </a:p>
           <a:p>
-            <a:pPr indent="0" lvl="0" marL="0" rtl="0" algn="l">
+            <a:pPr marL="0" lvl="0" indent="0" algn="l" rtl="0">
               <a:spcBef>
                 <a:spcPts val="0"/>
               </a:spcBef>
@@ -9596,13 +10289,10 @@
               </a:spcAft>
               <a:buNone/>
             </a:pPr>
-            <a:r>
-              <a:t/>
-            </a:r>
             <a:endParaRPr/>
           </a:p>
           <a:p>
-            <a:pPr indent="0" lvl="0" marL="0" rtl="0" algn="l">
+            <a:pPr marL="0" lvl="0" indent="0" algn="l" rtl="0">
               <a:spcBef>
                 <a:spcPts val="0"/>
               </a:spcBef>
@@ -9611,13 +10301,10 @@
               </a:spcAft>
               <a:buNone/>
             </a:pPr>
-            <a:r>
-              <a:t/>
-            </a:r>
             <a:endParaRPr/>
           </a:p>
           <a:p>
-            <a:pPr indent="0" lvl="0" marL="0" rtl="0" algn="l">
+            <a:pPr marL="0" lvl="0" indent="0" algn="l" rtl="0">
               <a:spcBef>
                 <a:spcPts val="0"/>
               </a:spcBef>
@@ -9626,13 +10313,10 @@
               </a:spcAft>
               <a:buNone/>
             </a:pPr>
-            <a:r>
-              <a:t/>
-            </a:r>
             <a:endParaRPr/>
           </a:p>
           <a:p>
-            <a:pPr indent="0" lvl="0" marL="0" rtl="0" algn="l">
+            <a:pPr marL="0" lvl="0" indent="0" algn="l" rtl="0">
               <a:spcBef>
                 <a:spcPts val="0"/>
               </a:spcBef>
@@ -9648,7 +10332,7 @@
             <a:endParaRPr/>
           </a:p>
           <a:p>
-            <a:pPr indent="0" lvl="0" marL="0" rtl="0" algn="l">
+            <a:pPr marL="0" lvl="0" indent="0" algn="l" rtl="0">
               <a:spcBef>
                 <a:spcPts val="0"/>
               </a:spcBef>
@@ -9658,7 +10342,7 @@
               <a:buNone/>
             </a:pPr>
             <a:r>
-              <a:rPr b="1" lang="en"/>
+              <a:rPr lang="en" b="1"/>
               <a:t>UNITED STATES</a:t>
             </a:r>
             <a:endParaRPr b="1"/>
@@ -9678,30 +10362,30 @@
           </a:xfrm>
           <a:prstGeom prst="upDownArrow">
             <a:avLst>
-              <a:gd fmla="val 50000" name="adj1"/>
-              <a:gd fmla="val 50000" name="adj2"/>
+              <a:gd name="adj1" fmla="val 50000"/>
+              <a:gd name="adj2" fmla="val 50000"/>
             </a:avLst>
           </a:prstGeom>
           <a:solidFill>
             <a:schemeClr val="lt2"/>
           </a:solidFill>
-          <a:ln cap="flat" cmpd="sng" w="9525">
+          <a:ln w="9525" cap="flat" cmpd="sng">
             <a:solidFill>
               <a:schemeClr val="dk2"/>
             </a:solidFill>
             <a:prstDash val="solid"/>
             <a:round/>
-            <a:headEnd len="sm" w="sm" type="none"/>
-            <a:tailEnd len="sm" w="sm" type="none"/>
+            <a:headEnd type="none" w="sm" len="sm"/>
+            <a:tailEnd type="none" w="sm" len="sm"/>
           </a:ln>
         </p:spPr>
         <p:txBody>
-          <a:bodyPr anchorCtr="0" anchor="ctr" bIns="91425" lIns="91425" spcFirstLastPara="1" rIns="91425" wrap="square" tIns="91425">
+          <a:bodyPr spcFirstLastPara="1" wrap="square" lIns="91425" tIns="91425" rIns="91425" bIns="91425" anchor="ctr" anchorCtr="0">
             <a:noAutofit/>
           </a:bodyPr>
           <a:lstStyle/>
           <a:p>
-            <a:pPr indent="0" lvl="0" marL="0" rtl="0" algn="l">
+            <a:pPr marL="0" lvl="0" indent="0" algn="l" rtl="0">
               <a:spcBef>
                 <a:spcPts val="0"/>
               </a:spcBef>
@@ -9710,9 +10394,6 @@
               </a:spcAft>
               <a:buNone/>
             </a:pPr>
-            <a:r>
-              <a:t/>
-            </a:r>
             <a:endParaRPr/>
           </a:p>
         </p:txBody>
@@ -9726,11 +10407,11 @@
 </file>
 
 <file path=ppt/slides/slide7.xml><?xml version="1.0" encoding="utf-8"?>
-<p:sld xmlns:a="http://schemas.openxmlformats.org/drawingml/2006/main" xmlns:r="http://schemas.openxmlformats.org/officeDocument/2006/relationships" xmlns:mc="http://schemas.openxmlformats.org/markup-compatibility/2006" xmlns:mv="urn:schemas-microsoft-com:mac:vml" xmlns:p="http://schemas.openxmlformats.org/presentationml/2006/main" xmlns:c="http://schemas.openxmlformats.org/drawingml/2006/chart" xmlns:dgm="http://schemas.openxmlformats.org/drawingml/2006/diagram" xmlns:o="urn:schemas-microsoft-com:office:office" xmlns:v="urn:schemas-microsoft-com:vml" xmlns:pvml="urn:schemas-microsoft-com:office:powerpoint" xmlns:com="http://schemas.openxmlformats.org/drawingml/2006/compatibility" xmlns:p14="http://schemas.microsoft.com/office/powerpoint/2010/main" xmlns:p15="http://schemas.microsoft.com/office/powerpoint/2012/main">
+<p:sld xmlns:a="http://schemas.openxmlformats.org/drawingml/2006/main" xmlns:r="http://schemas.openxmlformats.org/officeDocument/2006/relationships" xmlns:p="http://schemas.openxmlformats.org/presentationml/2006/main">
   <p:cSld>
     <p:spTree>
       <p:nvGrpSpPr>
-        <p:cNvPr id="96" name="Shape 96"/>
+        <p:cNvPr id="1" name="Shape 96"/>
         <p:cNvGrpSpPr/>
         <p:nvPr/>
       </p:nvGrpSpPr>
@@ -9759,23 +10440,23 @@
           <a:solidFill>
             <a:schemeClr val="lt2"/>
           </a:solidFill>
-          <a:ln cap="flat" cmpd="sng" w="9525">
+          <a:ln w="9525" cap="flat" cmpd="sng">
             <a:solidFill>
               <a:schemeClr val="dk2"/>
             </a:solidFill>
             <a:prstDash val="solid"/>
             <a:round/>
-            <a:headEnd len="sm" w="sm" type="none"/>
-            <a:tailEnd len="sm" w="sm" type="none"/>
+            <a:headEnd type="none" w="sm" len="sm"/>
+            <a:tailEnd type="none" w="sm" len="sm"/>
           </a:ln>
         </p:spPr>
         <p:txBody>
-          <a:bodyPr anchorCtr="0" anchor="ctr" bIns="91425" lIns="91425" spcFirstLastPara="1" rIns="91425" wrap="square" tIns="91425">
+          <a:bodyPr spcFirstLastPara="1" wrap="square" lIns="91425" tIns="91425" rIns="91425" bIns="91425" anchor="ctr" anchorCtr="0">
             <a:noAutofit/>
           </a:bodyPr>
           <a:lstStyle/>
           <a:p>
-            <a:pPr indent="0" lvl="0" marL="0" rtl="0" algn="l">
+            <a:pPr marL="0" lvl="0" indent="0" algn="l" rtl="0">
               <a:spcBef>
                 <a:spcPts val="0"/>
               </a:spcBef>
@@ -9784,9 +10465,6 @@
               </a:spcAft>
               <a:buNone/>
             </a:pPr>
-            <a:r>
-              <a:t/>
-            </a:r>
             <a:endParaRPr/>
           </a:p>
         </p:txBody>
@@ -9794,7 +10472,9 @@
       <p:sp>
         <p:nvSpPr>
           <p:cNvPr id="98" name="Google Shape;98;p19"/>
-          <p:cNvSpPr txBox="1"/>
+          <p:cNvSpPr txBox="1">
+            <a:spLocks noGrp="1"/>
+          </p:cNvSpPr>
           <p:nvPr>
             <p:ph type="title"/>
           </p:nvPr>
@@ -9809,12 +10489,12 @@
           </a:prstGeom>
         </p:spPr>
         <p:txBody>
-          <a:bodyPr anchorCtr="0" anchor="t" bIns="91425" lIns="91425" spcFirstLastPara="1" rIns="91425" wrap="square" tIns="91425">
+          <a:bodyPr spcFirstLastPara="1" wrap="square" lIns="91425" tIns="91425" rIns="91425" bIns="91425" anchor="t" anchorCtr="0">
             <a:noAutofit/>
           </a:bodyPr>
           <a:lstStyle/>
           <a:p>
-            <a:pPr indent="0" lvl="0" marL="0" rtl="0" algn="l">
+            <a:pPr marL="0" lvl="0" indent="0" algn="l" rtl="0">
               <a:spcBef>
                 <a:spcPts val="0"/>
               </a:spcBef>
@@ -9874,23 +10554,23 @@
             <a:avLst/>
           </a:prstGeom>
           <a:noFill/>
-          <a:ln cap="flat" cmpd="sng" w="9525">
+          <a:ln w="9525" cap="flat" cmpd="sng">
             <a:solidFill>
               <a:srgbClr val="000000"/>
             </a:solidFill>
             <a:prstDash val="solid"/>
             <a:round/>
-            <a:headEnd len="sm" w="sm" type="none"/>
-            <a:tailEnd len="sm" w="sm" type="none"/>
+            <a:headEnd type="none" w="sm" len="sm"/>
+            <a:tailEnd type="none" w="sm" len="sm"/>
           </a:ln>
         </p:spPr>
         <p:txBody>
-          <a:bodyPr anchorCtr="0" anchor="t" bIns="91425" lIns="91425" spcFirstLastPara="1" rIns="91425" wrap="square" tIns="91425">
+          <a:bodyPr spcFirstLastPara="1" wrap="square" lIns="91425" tIns="91425" rIns="91425" bIns="91425" anchor="t" anchorCtr="0">
             <a:noAutofit/>
           </a:bodyPr>
           <a:lstStyle/>
           <a:p>
-            <a:pPr indent="0" lvl="0" marL="0" rtl="0" algn="l">
+            <a:pPr marL="0" lvl="0" indent="0" algn="l" rtl="0">
               <a:lnSpc>
                 <a:spcPct val="115000"/>
               </a:lnSpc>
@@ -9908,7 +10588,7 @@
               <a:buNone/>
             </a:pPr>
             <a:r>
-              <a:rPr b="1" lang="en">
+              <a:rPr lang="en" b="1">
                 <a:solidFill>
                   <a:schemeClr val="dk1"/>
                 </a:solidFill>
@@ -9928,7 +10608,7 @@
             </a:endParaRPr>
           </a:p>
           <a:p>
-            <a:pPr indent="0" lvl="0" marL="0" rtl="0" algn="l">
+            <a:pPr marL="0" lvl="0" indent="0" algn="l" rtl="0">
               <a:spcBef>
                 <a:spcPts val="0"/>
               </a:spcBef>
@@ -9937,9 +10617,6 @@
               </a:spcAft>
               <a:buNone/>
             </a:pPr>
-            <a:r>
-              <a:t/>
-            </a:r>
             <a:endParaRPr b="1">
               <a:highlight>
                 <a:srgbClr val="EFEFEF"/>
@@ -9957,11 +10634,11 @@
 </file>
 
 <file path=ppt/slides/slide8.xml><?xml version="1.0" encoding="utf-8"?>
-<p:sld xmlns:a="http://schemas.openxmlformats.org/drawingml/2006/main" xmlns:r="http://schemas.openxmlformats.org/officeDocument/2006/relationships" xmlns:mc="http://schemas.openxmlformats.org/markup-compatibility/2006" xmlns:mv="urn:schemas-microsoft-com:mac:vml" xmlns:p="http://schemas.openxmlformats.org/presentationml/2006/main" xmlns:c="http://schemas.openxmlformats.org/drawingml/2006/chart" xmlns:dgm="http://schemas.openxmlformats.org/drawingml/2006/diagram" xmlns:o="urn:schemas-microsoft-com:office:office" xmlns:v="urn:schemas-microsoft-com:vml" xmlns:pvml="urn:schemas-microsoft-com:office:powerpoint" xmlns:com="http://schemas.openxmlformats.org/drawingml/2006/compatibility" xmlns:p14="http://schemas.microsoft.com/office/powerpoint/2010/main" xmlns:p15="http://schemas.microsoft.com/office/powerpoint/2012/main">
+<p:sld xmlns:a="http://schemas.openxmlformats.org/drawingml/2006/main" xmlns:r="http://schemas.openxmlformats.org/officeDocument/2006/relationships" xmlns:p="http://schemas.openxmlformats.org/presentationml/2006/main">
   <p:cSld>
     <p:spTree>
       <p:nvGrpSpPr>
-        <p:cNvPr id="104" name="Shape 104"/>
+        <p:cNvPr id="1" name="Shape 104"/>
         <p:cNvGrpSpPr/>
         <p:nvPr/>
       </p:nvGrpSpPr>
@@ -9976,7 +10653,9 @@
       <p:sp>
         <p:nvSpPr>
           <p:cNvPr id="105" name="Google Shape;105;p20"/>
-          <p:cNvSpPr txBox="1"/>
+          <p:cNvSpPr txBox="1">
+            <a:spLocks noGrp="1"/>
+          </p:cNvSpPr>
           <p:nvPr>
             <p:ph type="title"/>
           </p:nvPr>
@@ -9991,12 +10670,12 @@
           </a:prstGeom>
         </p:spPr>
         <p:txBody>
-          <a:bodyPr anchorCtr="0" anchor="t" bIns="91425" lIns="91425" spcFirstLastPara="1" rIns="91425" wrap="square" tIns="91425">
+          <a:bodyPr spcFirstLastPara="1" wrap="square" lIns="91425" tIns="91425" rIns="91425" bIns="91425" anchor="t" anchorCtr="0">
             <a:noAutofit/>
           </a:bodyPr>
           <a:lstStyle/>
           <a:p>
-            <a:pPr indent="0" lvl="0" marL="0" rtl="0" algn="l">
+            <a:pPr marL="0" lvl="0" indent="0" algn="l" rtl="0">
               <a:spcBef>
                 <a:spcPts val="0"/>
               </a:spcBef>
@@ -10056,23 +10735,23 @@
             <a:avLst/>
           </a:prstGeom>
           <a:noFill/>
-          <a:ln cap="flat" cmpd="sng" w="9525">
+          <a:ln w="9525" cap="flat" cmpd="sng">
             <a:solidFill>
               <a:srgbClr val="000000"/>
             </a:solidFill>
             <a:prstDash val="solid"/>
             <a:round/>
-            <a:headEnd len="sm" w="sm" type="none"/>
-            <a:tailEnd len="sm" w="sm" type="none"/>
+            <a:headEnd type="none" w="sm" len="sm"/>
+            <a:tailEnd type="none" w="sm" len="sm"/>
           </a:ln>
         </p:spPr>
         <p:txBody>
-          <a:bodyPr anchorCtr="0" anchor="t" bIns="91425" lIns="91425" spcFirstLastPara="1" rIns="91425" wrap="square" tIns="91425">
+          <a:bodyPr spcFirstLastPara="1" wrap="square" lIns="91425" tIns="91425" rIns="91425" bIns="91425" anchor="t" anchorCtr="0">
             <a:noAutofit/>
           </a:bodyPr>
           <a:lstStyle/>
           <a:p>
-            <a:pPr indent="0" lvl="0" marL="0" rtl="0" algn="l">
+            <a:pPr marL="0" lvl="0" indent="0" algn="l" rtl="0">
               <a:lnSpc>
                 <a:spcPct val="115000"/>
               </a:lnSpc>
@@ -10090,7 +10769,7 @@
               <a:buNone/>
             </a:pPr>
             <a:r>
-              <a:rPr b="1" lang="en">
+              <a:rPr lang="en" b="1">
                 <a:solidFill>
                   <a:schemeClr val="dk1"/>
                 </a:solidFill>
@@ -10110,7 +10789,7 @@
             </a:endParaRPr>
           </a:p>
           <a:p>
-            <a:pPr indent="0" lvl="0" marL="0" rtl="0" algn="l">
+            <a:pPr marL="0" lvl="0" indent="0" algn="l" rtl="0">
               <a:spcBef>
                 <a:spcPts val="0"/>
               </a:spcBef>
@@ -10119,9 +10798,6 @@
               </a:spcAft>
               <a:buNone/>
             </a:pPr>
-            <a:r>
-              <a:t/>
-            </a:r>
             <a:endParaRPr b="1"/>
           </a:p>
         </p:txBody>
@@ -10146,12 +10822,12 @@
           </a:ln>
         </p:spPr>
         <p:txBody>
-          <a:bodyPr anchorCtr="0" anchor="t" bIns="91425" lIns="91425" spcFirstLastPara="1" rIns="91425" wrap="square" tIns="91425">
+          <a:bodyPr spcFirstLastPara="1" wrap="square" lIns="91425" tIns="91425" rIns="91425" bIns="91425" anchor="t" anchorCtr="0">
             <a:noAutofit/>
           </a:bodyPr>
           <a:lstStyle/>
           <a:p>
-            <a:pPr indent="0" lvl="0" marL="0" rtl="0" algn="l">
+            <a:pPr marL="0" lvl="0" indent="0" algn="l" rtl="0">
               <a:spcBef>
                 <a:spcPts val="0"/>
               </a:spcBef>
@@ -10167,7 +10843,7 @@
             <a:endParaRPr sz="1800"/>
           </a:p>
           <a:p>
-            <a:pPr indent="0" lvl="0" marL="0" rtl="0" algn="l">
+            <a:pPr marL="0" lvl="0" indent="0" algn="l" rtl="0">
               <a:spcBef>
                 <a:spcPts val="0"/>
               </a:spcBef>
@@ -10183,7 +10859,7 @@
             <a:endParaRPr sz="1800"/>
           </a:p>
           <a:p>
-            <a:pPr indent="0" lvl="0" marL="0" rtl="0" algn="l">
+            <a:pPr marL="0" lvl="0" indent="0" algn="l" rtl="0">
               <a:spcBef>
                 <a:spcPts val="0"/>
               </a:spcBef>
@@ -10192,13 +10868,10 @@
               </a:spcAft>
               <a:buNone/>
             </a:pPr>
-            <a:r>
-              <a:t/>
-            </a:r>
             <a:endParaRPr sz="1800"/>
           </a:p>
           <a:p>
-            <a:pPr indent="0" lvl="0" marL="0" rtl="0" algn="l">
+            <a:pPr marL="0" lvl="0" indent="0" algn="l" rtl="0">
               <a:spcBef>
                 <a:spcPts val="0"/>
               </a:spcBef>
@@ -10224,11 +10897,11 @@
 </file>
 
 <file path=ppt/slides/slide9.xml><?xml version="1.0" encoding="utf-8"?>
-<p:sld xmlns:a="http://schemas.openxmlformats.org/drawingml/2006/main" xmlns:r="http://schemas.openxmlformats.org/officeDocument/2006/relationships" xmlns:mc="http://schemas.openxmlformats.org/markup-compatibility/2006" xmlns:mv="urn:schemas-microsoft-com:mac:vml" xmlns:p="http://schemas.openxmlformats.org/presentationml/2006/main" xmlns:c="http://schemas.openxmlformats.org/drawingml/2006/chart" xmlns:dgm="http://schemas.openxmlformats.org/drawingml/2006/diagram" xmlns:o="urn:schemas-microsoft-com:office:office" xmlns:v="urn:schemas-microsoft-com:vml" xmlns:pvml="urn:schemas-microsoft-com:office:powerpoint" xmlns:com="http://schemas.openxmlformats.org/drawingml/2006/compatibility" xmlns:p14="http://schemas.microsoft.com/office/powerpoint/2010/main" xmlns:p15="http://schemas.microsoft.com/office/powerpoint/2012/main">
+<p:sld xmlns:a="http://schemas.openxmlformats.org/drawingml/2006/main" xmlns:r="http://schemas.openxmlformats.org/officeDocument/2006/relationships" xmlns:p="http://schemas.openxmlformats.org/presentationml/2006/main">
   <p:cSld>
     <p:spTree>
       <p:nvGrpSpPr>
-        <p:cNvPr id="112" name="Shape 112"/>
+        <p:cNvPr id="1" name=""/>
         <p:cNvGrpSpPr/>
         <p:nvPr/>
       </p:nvGrpSpPr>
@@ -10242,73 +10915,211 @@
       </p:grpSpPr>
       <p:sp>
         <p:nvSpPr>
-          <p:cNvPr id="113" name="Google Shape;113;p21"/>
-          <p:cNvSpPr txBox="1"/>
+          <p:cNvPr id="2" name="Title 1">
+            <a:extLst>
+              <a:ext uri="{FF2B5EF4-FFF2-40B4-BE49-F238E27FC236}">
+                <a16:creationId xmlns:a16="http://schemas.microsoft.com/office/drawing/2014/main" id="{8CEC3D2B-73B5-45B4-A3FD-37CC04582460}"/>
+              </a:ext>
+            </a:extLst>
+          </p:cNvPr>
+          <p:cNvSpPr>
+            <a:spLocks noGrp="1"/>
+          </p:cNvSpPr>
           <p:nvPr>
             <p:ph type="title"/>
           </p:nvPr>
         </p:nvSpPr>
-        <p:spPr>
-          <a:xfrm>
-            <a:off x="501800" y="445025"/>
-            <a:ext cx="8330700" cy="572700"/>
+        <p:spPr/>
+        <p:txBody>
+          <a:bodyPr/>
+          <a:lstStyle/>
+          <a:p>
+            <a:r>
+              <a:rPr lang="en-US" dirty="0"/>
+              <a:t>Leading Causes of Death in United States</a:t>
+            </a:r>
+          </a:p>
+        </p:txBody>
+      </p:sp>
+      <p:sp>
+        <p:nvSpPr>
+          <p:cNvPr id="3" name="TextBox 2">
+            <a:extLst>
+              <a:ext uri="{FF2B5EF4-FFF2-40B4-BE49-F238E27FC236}">
+                <a16:creationId xmlns:a16="http://schemas.microsoft.com/office/drawing/2014/main" id="{6064EE94-7AE9-41B7-A9FD-4899EC20D37C}"/>
+              </a:ext>
+            </a:extLst>
+          </p:cNvPr>
+          <p:cNvSpPr txBox="1"/>
+          <p:nvPr/>
+        </p:nvSpPr>
+        <p:spPr>
+          <a:xfrm>
+            <a:off x="311700" y="1344706"/>
+            <a:ext cx="7979372" cy="3539430"/>
           </a:xfrm>
           <a:prstGeom prst="rect">
             <a:avLst/>
           </a:prstGeom>
+          <a:noFill/>
         </p:spPr>
         <p:txBody>
-          <a:bodyPr anchorCtr="0" anchor="t" bIns="91425" lIns="91425" spcFirstLastPara="1" rIns="91425" wrap="square" tIns="91425">
-            <a:noAutofit/>
+          <a:bodyPr wrap="square" numCol="2" rtlCol="0">
+            <a:spAutoFit/>
           </a:bodyPr>
           <a:lstStyle/>
           <a:p>
-            <a:pPr indent="0" lvl="0" marL="0" rtl="0" algn="l">
-              <a:spcBef>
-                <a:spcPts val="0"/>
-              </a:spcBef>
-              <a:spcAft>
-                <a:spcPts val="0"/>
-              </a:spcAft>
-              <a:buNone/>
+            <a:pPr marL="285750" indent="-285750">
+              <a:lnSpc>
+                <a:spcPct val="200000"/>
+              </a:lnSpc>
+              <a:buFont typeface="Arial" panose="020B0604020202020204" pitchFamily="34" charset="0"/>
+              <a:buChar char="•"/>
             </a:pPr>
             <a:r>
-              <a:rPr lang="en"/>
-              <a:t>Leading Causes of Death</a:t>
+              <a:rPr lang="en-US" sz="1600" b="1" dirty="0"/>
+              <a:t>Kidney disease </a:t>
             </a:r>
-            <a:endParaRPr/>
+          </a:p>
+          <a:p>
+            <a:pPr marL="285750" indent="-285750">
+              <a:lnSpc>
+                <a:spcPct val="200000"/>
+              </a:lnSpc>
+              <a:buFont typeface="Arial" panose="020B0604020202020204" pitchFamily="34" charset="0"/>
+              <a:buChar char="•"/>
+            </a:pPr>
+            <a:r>
+              <a:rPr lang="en-US" sz="1600" b="1" dirty="0"/>
+              <a:t>Suicide</a:t>
+            </a:r>
+          </a:p>
+          <a:p>
+            <a:pPr marL="285750" indent="-285750">
+              <a:lnSpc>
+                <a:spcPct val="200000"/>
+              </a:lnSpc>
+              <a:buFont typeface="Arial" panose="020B0604020202020204" pitchFamily="34" charset="0"/>
+              <a:buChar char="•"/>
+            </a:pPr>
+            <a:r>
+              <a:rPr lang="en-US" sz="1600" b="1" dirty="0"/>
+              <a:t>Alzheimer's disease</a:t>
+            </a:r>
+          </a:p>
+          <a:p>
+            <a:pPr marL="285750" indent="-285750">
+              <a:lnSpc>
+                <a:spcPct val="200000"/>
+              </a:lnSpc>
+              <a:buFont typeface="Arial" panose="020B0604020202020204" pitchFamily="34" charset="0"/>
+              <a:buChar char="•"/>
+            </a:pPr>
+            <a:r>
+              <a:rPr lang="en-US" sz="1600" b="1" dirty="0"/>
+              <a:t>Influenza and pneumonia</a:t>
+            </a:r>
+          </a:p>
+          <a:p>
+            <a:pPr marL="285750" indent="-285750">
+              <a:lnSpc>
+                <a:spcPct val="200000"/>
+              </a:lnSpc>
+              <a:buFont typeface="Arial" panose="020B0604020202020204" pitchFamily="34" charset="0"/>
+              <a:buChar char="•"/>
+            </a:pPr>
+            <a:r>
+              <a:rPr lang="en-US" sz="1600" b="1" dirty="0"/>
+              <a:t>Diabetes</a:t>
+            </a:r>
+            <a:br>
+              <a:rPr lang="en-US" sz="1600" b="1" dirty="0"/>
+            </a:br>
+            <a:br>
+              <a:rPr lang="en-US" sz="1600" b="1" dirty="0"/>
+            </a:br>
+            <a:endParaRPr lang="en-US" sz="1600" b="1" dirty="0"/>
+          </a:p>
+          <a:p>
+            <a:pPr marL="285750" indent="-285750">
+              <a:lnSpc>
+                <a:spcPct val="200000"/>
+              </a:lnSpc>
+              <a:buFont typeface="Arial" panose="020B0604020202020204" pitchFamily="34" charset="0"/>
+              <a:buChar char="•"/>
+            </a:pPr>
+            <a:r>
+              <a:rPr lang="en-US" sz="1600" b="1" dirty="0"/>
+              <a:t>Stroke</a:t>
+            </a:r>
+          </a:p>
+          <a:p>
+            <a:pPr marL="285750" indent="-285750">
+              <a:lnSpc>
+                <a:spcPct val="200000"/>
+              </a:lnSpc>
+              <a:buFont typeface="Arial" panose="020B0604020202020204" pitchFamily="34" charset="0"/>
+              <a:buChar char="•"/>
+            </a:pPr>
+            <a:r>
+              <a:rPr lang="en-US" sz="1600" b="1" dirty="0"/>
+              <a:t>Heart disease</a:t>
+            </a:r>
+          </a:p>
+          <a:p>
+            <a:pPr marL="285750" indent="-285750">
+              <a:lnSpc>
+                <a:spcPct val="200000"/>
+              </a:lnSpc>
+              <a:buFont typeface="Arial" panose="020B0604020202020204" pitchFamily="34" charset="0"/>
+              <a:buChar char="•"/>
+            </a:pPr>
+            <a:r>
+              <a:rPr lang="en-US" sz="1600" b="1" dirty="0"/>
+              <a:t>Cancer </a:t>
+            </a:r>
+          </a:p>
+          <a:p>
+            <a:pPr marL="285750" indent="-285750">
+              <a:lnSpc>
+                <a:spcPct val="200000"/>
+              </a:lnSpc>
+              <a:buFont typeface="Arial" panose="020B0604020202020204" pitchFamily="34" charset="0"/>
+              <a:buChar char="•"/>
+            </a:pPr>
+            <a:r>
+              <a:rPr lang="en-US" sz="1600" b="1" dirty="0"/>
+              <a:t>CLDR</a:t>
+            </a:r>
+          </a:p>
+          <a:p>
+            <a:pPr marL="285750" indent="-285750">
+              <a:lnSpc>
+                <a:spcPct val="200000"/>
+              </a:lnSpc>
+              <a:buFont typeface="Arial" panose="020B0604020202020204" pitchFamily="34" charset="0"/>
+              <a:buChar char="•"/>
+            </a:pPr>
+            <a:r>
+              <a:rPr lang="en-US" sz="1600" b="1" dirty="0"/>
+              <a:t>Unintentional injuries</a:t>
+            </a:r>
+          </a:p>
+          <a:p>
+            <a:pPr marL="285750" indent="-285750">
+              <a:buFont typeface="Arial" panose="020B0604020202020204" pitchFamily="34" charset="0"/>
+              <a:buChar char="•"/>
+            </a:pPr>
+            <a:endParaRPr lang="en-US" sz="1600" b="1" dirty="0"/>
           </a:p>
         </p:txBody>
       </p:sp>
-      <p:pic>
-        <p:nvPicPr>
-          <p:cNvPr id="114" name="Google Shape;114;p21"/>
-          <p:cNvPicPr preferRelativeResize="0"/>
-          <p:nvPr/>
-        </p:nvPicPr>
-        <p:blipFill>
-          <a:blip r:embed="rId3">
-            <a:alphaModFix/>
-          </a:blip>
-          <a:stretch>
-            <a:fillRect/>
-          </a:stretch>
-        </p:blipFill>
-        <p:spPr>
-          <a:xfrm>
-            <a:off x="622300" y="1132075"/>
-            <a:ext cx="6667800" cy="3773750"/>
-          </a:xfrm>
-          <a:prstGeom prst="rect">
-            <a:avLst/>
-          </a:prstGeom>
-          <a:noFill/>
-          <a:ln>
-            <a:noFill/>
-          </a:ln>
-        </p:spPr>
-      </p:pic>
     </p:spTree>
+    <p:extLst>
+      <p:ext uri="{BB962C8B-B14F-4D97-AF65-F5344CB8AC3E}">
+        <p14:creationId xmlns:p14="http://schemas.microsoft.com/office/powerpoint/2010/main" val="2584328878"/>
+      </p:ext>
+    </p:extLst>
   </p:cSld>
   <p:clrMapOvr>
     <a:masterClrMapping/>
@@ -10317,7 +11128,7 @@
 </file>
 
 <file path=ppt/theme/theme1.xml><?xml version="1.0" encoding="utf-8"?>
-<a:theme xmlns:a="http://schemas.openxmlformats.org/drawingml/2006/main" xmlns:r="http://schemas.openxmlformats.org/officeDocument/2006/relationships" name="Simple Light">
+<a:theme xmlns:a="http://schemas.openxmlformats.org/drawingml/2006/main" name="Simple Light">
   <a:themeElements>
     <a:clrScheme name="Simple Light">
       <a:dk1>
@@ -10592,11 +11403,13 @@
       </a:bgFillStyleLst>
     </a:fmtScheme>
   </a:themeElements>
+  <a:objectDefaults/>
+  <a:extraClrSchemeLst/>
 </a:theme>
 </file>
 
 <file path=ppt/theme/theme2.xml><?xml version="1.0" encoding="utf-8"?>
-<a:theme xmlns:a="http://schemas.openxmlformats.org/drawingml/2006/main" xmlns:r="http://schemas.openxmlformats.org/officeDocument/2006/relationships">
+<a:theme xmlns:a="http://schemas.openxmlformats.org/drawingml/2006/main">
   <a:themeElements>
     <a:clrScheme name="Default">
       <a:dk1>
@@ -10871,5 +11684,7 @@
       </a:bgFillStyleLst>
     </a:fmtScheme>
   </a:themeElements>
+  <a:objectDefaults/>
+  <a:extraClrSchemeLst/>
 </a:theme>
 </file>